--- a/Slides/Lesson 9.1 Classes, Objects, and Methods.pptx
+++ b/Slides/Lesson 9.1 Classes, Objects, and Methods.pptx
@@ -235,7 +235,7 @@
           <a:p>
             <a:fld id="{36D53524-F9CC-4A8B-8CCD-2FA372311425}" type="datetimeFigureOut">
               <a:rPr lang="en-US" smtClean="0"/>
-              <a:t>10/22/2015</a:t>
+              <a:t>10/31/2015</a:t>
             </a:fld>
             <a:endParaRPr lang="en-US"/>
           </a:p>
@@ -1524,7 +1524,7 @@
           <a:p>
             <a:fld id="{2F1F79F5-7BEC-496A-AFC7-876E38F64D71}" type="datetime1">
               <a:rPr lang="en-US" smtClean="0"/>
-              <a:t>10/22/2015</a:t>
+              <a:t>10/31/2015</a:t>
             </a:fld>
             <a:endParaRPr lang="en-US"/>
           </a:p>
@@ -1649,7 +1649,7 @@
           <a:p>
             <a:fld id="{2F7B77F5-1464-4F6B-92A8-64FC8A508293}" type="datetime1">
               <a:rPr lang="en-US" smtClean="0"/>
-              <a:t>10/22/2015</a:t>
+              <a:t>10/31/2015</a:t>
             </a:fld>
             <a:endParaRPr lang="en-US"/>
           </a:p>
@@ -1751,7 +1751,7 @@
           <a:p>
             <a:fld id="{0A05703A-7669-4FEA-9056-25299B4D29D4}" type="datetime1">
               <a:rPr lang="en-US" smtClean="0"/>
-              <a:t>10/22/2015</a:t>
+              <a:t>10/31/2015</a:t>
             </a:fld>
             <a:endParaRPr lang="en-US"/>
           </a:p>
@@ -2028,7 +2028,7 @@
           <a:p>
             <a:fld id="{6E5077B5-BB57-49DB-88CA-226A139E5C01}" type="datetime1">
               <a:rPr lang="en-US" smtClean="0"/>
-              <a:t>10/22/2015</a:t>
+              <a:t>10/31/2015</a:t>
             </a:fld>
             <a:endParaRPr lang="en-US"/>
           </a:p>
@@ -2281,7 +2281,7 @@
           <a:p>
             <a:fld id="{C48D9447-CBD6-49A1-89FD-8512A8CF8999}" type="datetime1">
               <a:rPr lang="en-US" smtClean="0"/>
-              <a:t>10/22/2015</a:t>
+              <a:t>10/31/2015</a:t>
             </a:fld>
             <a:endParaRPr lang="en-US"/>
           </a:p>
@@ -2451,7 +2451,7 @@
           <a:p>
             <a:fld id="{A3639A2A-823D-48B7-9ACE-7FAF42870BA9}" type="datetime1">
               <a:rPr lang="en-US" smtClean="0"/>
-              <a:t>10/22/2015</a:t>
+              <a:t>10/31/2015</a:t>
             </a:fld>
             <a:endParaRPr lang="en-US"/>
           </a:p>
@@ -2631,7 +2631,7 @@
           <a:p>
             <a:fld id="{ED1B6996-82E9-463C-972C-7B56056E426C}" type="datetime1">
               <a:rPr lang="en-US" smtClean="0"/>
-              <a:t>10/22/2015</a:t>
+              <a:t>10/31/2015</a:t>
             </a:fld>
             <a:endParaRPr lang="en-US"/>
           </a:p>
@@ -2807,7 +2807,7 @@
           <a:p>
             <a:fld id="{E22ED4DA-448D-4BB1-B935-CC112220207B}" type="datetime1">
               <a:rPr lang="en-US" smtClean="0"/>
-              <a:t>10/22/2015</a:t>
+              <a:t>10/31/2015</a:t>
             </a:fld>
             <a:endParaRPr lang="en-US"/>
           </a:p>
@@ -2989,7 +2989,7 @@
           <a:p>
             <a:fld id="{E22ED4DA-448D-4BB1-B935-CC112220207B}" type="datetime1">
               <a:rPr lang="en-US" smtClean="0"/>
-              <a:t>10/22/2015</a:t>
+              <a:t>10/31/2015</a:t>
             </a:fld>
             <a:endParaRPr lang="en-US"/>
           </a:p>
@@ -3258,7 +3258,7 @@
           <a:p>
             <a:fld id="{FF5D65A6-AB94-4435-B0B7-3743215FA46C}" type="datetime1">
               <a:rPr lang="en-US" smtClean="0"/>
-              <a:t>10/22/2015</a:t>
+              <a:t>10/31/2015</a:t>
             </a:fld>
             <a:endParaRPr lang="en-US"/>
           </a:p>
@@ -3561,7 +3561,7 @@
           <a:p>
             <a:fld id="{5D1846AD-9252-4647-9435-4C2AC365653A}" type="datetime1">
               <a:rPr lang="en-US" smtClean="0"/>
-              <a:t>10/22/2015</a:t>
+              <a:t>10/31/2015</a:t>
             </a:fld>
             <a:endParaRPr lang="en-US"/>
           </a:p>
@@ -3739,7 +3739,7 @@
           <a:p>
             <a:fld id="{FF5D65A6-AB94-4435-B0B7-3743215FA46C}" type="datetime1">
               <a:rPr lang="en-US" smtClean="0"/>
-              <a:t>10/22/2015</a:t>
+              <a:t>10/31/2015</a:t>
             </a:fld>
             <a:endParaRPr lang="en-US"/>
           </a:p>
@@ -4041,7 +4041,7 @@
           <a:p>
             <a:fld id="{7C193DC4-6EF0-48C9-B29C-616106A645E1}" type="datetime1">
               <a:rPr lang="en-US" smtClean="0"/>
-              <a:t>10/22/2015</a:t>
+              <a:t>10/31/2015</a:t>
             </a:fld>
             <a:endParaRPr lang="en-US"/>
           </a:p>
@@ -4329,7 +4329,7 @@
           <a:p>
             <a:fld id="{5D1846AD-9252-4647-9435-4C2AC365653A}" type="datetime1">
               <a:rPr lang="en-US" smtClean="0"/>
-              <a:t>10/22/2015</a:t>
+              <a:t>10/31/2015</a:t>
             </a:fld>
             <a:endParaRPr lang="en-US"/>
           </a:p>
@@ -4751,7 +4751,7 @@
           <a:p>
             <a:fld id="{CE56DC10-3561-4063-A6AF-C1CC7A41040A}" type="datetime1">
               <a:rPr lang="en-US" smtClean="0"/>
-              <a:t>10/22/2015</a:t>
+              <a:t>10/31/2015</a:t>
             </a:fld>
             <a:endParaRPr lang="en-US"/>
           </a:p>
@@ -4976,7 +4976,7 @@
           <a:p>
             <a:fld id="{02B3F677-983B-48DB-ADFD-63FE6CBC7FB2}" type="datetime1">
               <a:rPr lang="en-US" smtClean="0"/>
-              <a:t>10/22/2015</a:t>
+              <a:t>10/31/2015</a:t>
             </a:fld>
             <a:endParaRPr lang="en-US"/>
           </a:p>
@@ -5533,8 +5533,9 @@
               </a:r>
               <a:r>
                 <a:rPr lang="en-US" sz="1000" dirty="0" smtClean="0"/>
-                <a:t>2012-2014</a:t>
+                <a:t>2012-2015</a:t>
               </a:r>
+              <a:endParaRPr lang="en-US" sz="1000" dirty="0" smtClean="0"/>
             </a:p>
             <a:p>
               <a:r>
@@ -12096,12 +12097,20 @@
           <a:p>
             <a:pPr algn="ctr"/>
             <a:r>
+              <a:rPr lang="en-US" b="1" dirty="0" smtClean="0">
+                <a:solidFill>
+                  <a:schemeClr val="tx1"/>
+                </a:solidFill>
+              </a:rPr>
+              <a:t>foo</a:t>
+            </a:r>
+            <a:r>
               <a:rPr lang="en-US" dirty="0" smtClean="0">
                 <a:solidFill>
                   <a:schemeClr val="tx1"/>
                 </a:solidFill>
               </a:rPr>
-              <a:t>foo is a function of no arguments (legal in #</a:t>
+              <a:t> is a function of no arguments (legal in #</a:t>
             </a:r>
             <a:r>
               <a:rPr lang="en-US" dirty="0" err="1" smtClean="0">
@@ -12554,8 +12563,8 @@
         </p:nvSpPr>
         <p:spPr>
           <a:xfrm>
-            <a:off x="5090984" y="3251414"/>
-            <a:ext cx="3595816" cy="986954"/>
+            <a:off x="5090984" y="3251413"/>
+            <a:ext cx="3595816" cy="1811906"/>
           </a:xfrm>
           <a:prstGeom prst="rect">
             <a:avLst/>
@@ -12592,12 +12601,76 @@
           <a:lstStyle/>
           <a:p>
             <a:r>
+              <a:rPr lang="en-US" b="1" dirty="0" smtClean="0">
+                <a:solidFill>
+                  <a:schemeClr val="tx1"/>
+                </a:solidFill>
+              </a:rPr>
+              <a:t>x</a:t>
+            </a:r>
+            <a:r>
               <a:rPr lang="en-US" dirty="0" smtClean="0">
                 <a:solidFill>
                   <a:schemeClr val="tx1"/>
                 </a:solidFill>
               </a:rPr>
-              <a:t>x, y, and r are the field names.  We’ve put in their contracts as a comment.</a:t>
+              <a:t>, </a:t>
+            </a:r>
+            <a:r>
+              <a:rPr lang="en-US" b="1" dirty="0" smtClean="0">
+                <a:solidFill>
+                  <a:schemeClr val="tx1"/>
+                </a:solidFill>
+              </a:rPr>
+              <a:t>y</a:t>
+            </a:r>
+            <a:r>
+              <a:rPr lang="en-US" dirty="0" smtClean="0">
+                <a:solidFill>
+                  <a:schemeClr val="tx1"/>
+                </a:solidFill>
+              </a:rPr>
+              <a:t>, and </a:t>
+            </a:r>
+            <a:r>
+              <a:rPr lang="en-US" b="1" dirty="0" smtClean="0">
+                <a:solidFill>
+                  <a:schemeClr val="tx1"/>
+                </a:solidFill>
+              </a:rPr>
+              <a:t>r</a:t>
+            </a:r>
+            <a:r>
+              <a:rPr lang="en-US" dirty="0" smtClean="0">
+                <a:solidFill>
+                  <a:schemeClr val="tx1"/>
+                </a:solidFill>
+              </a:rPr>
+              <a:t> are the field names.  We’ve put in their contracts as a comment</a:t>
+            </a:r>
+            <a:r>
+              <a:rPr lang="en-US" dirty="0" smtClean="0">
+                <a:solidFill>
+                  <a:schemeClr val="tx1"/>
+                </a:solidFill>
+              </a:rPr>
+              <a:t>. In a real example, you’d put an interpretation for each field, just  as  you do the fields  of a </a:t>
+            </a:r>
+            <a:r>
+              <a:rPr lang="en-US" b="1" dirty="0" err="1" smtClean="0">
+                <a:solidFill>
+                  <a:schemeClr val="tx1"/>
+                </a:solidFill>
+              </a:rPr>
+              <a:t>struct</a:t>
+            </a:r>
+            <a:r>
+              <a:rPr lang="en-US" dirty="0" smtClean="0">
+                <a:solidFill>
+                  <a:schemeClr val="tx1"/>
+                </a:solidFill>
+              </a:rPr>
+              <a:t>.</a:t>
             </a:r>
             <a:endParaRPr lang="en-US" dirty="0">
               <a:solidFill>
@@ -12617,8 +12690,8 @@
         </p:nvCxnSpPr>
         <p:spPr>
           <a:xfrm flipH="1" flipV="1">
-            <a:off x="4300151" y="2755557"/>
-            <a:ext cx="790833" cy="989334"/>
+            <a:off x="4300152" y="2755558"/>
+            <a:ext cx="790832" cy="1401808"/>
           </a:xfrm>
           <a:prstGeom prst="straightConnector1">
             <a:avLst/>
@@ -12650,7 +12723,7 @@
         </p:nvSpPr>
         <p:spPr>
           <a:xfrm>
-            <a:off x="5090984" y="4510216"/>
+            <a:off x="5090984" y="5296458"/>
             <a:ext cx="3595816" cy="889687"/>
           </a:xfrm>
           <a:prstGeom prst="rect">
@@ -12745,8 +12818,8 @@
         </p:nvCxnSpPr>
         <p:spPr>
           <a:xfrm flipH="1" flipV="1">
-            <a:off x="2026508" y="2162432"/>
-            <a:ext cx="3064476" cy="2792628"/>
+            <a:off x="2026508" y="2242084"/>
+            <a:ext cx="3064476" cy="3499218"/>
           </a:xfrm>
           <a:prstGeom prst="straightConnector1">
             <a:avLst/>
@@ -12780,8 +12853,8 @@
         </p:nvCxnSpPr>
         <p:spPr>
           <a:xfrm flipH="1" flipV="1">
-            <a:off x="2026508" y="3251414"/>
-            <a:ext cx="3064476" cy="1703646"/>
+            <a:off x="1869743" y="3259714"/>
+            <a:ext cx="3221241" cy="2481588"/>
           </a:xfrm>
           <a:prstGeom prst="straightConnector1">
             <a:avLst/>
@@ -12805,84 +12878,6 @@
           </a:fontRef>
         </p:style>
       </p:cxnSp>
-      <p:sp>
-        <p:nvSpPr>
-          <p:cNvPr id="16" name="Rectangle 15"/>
-          <p:cNvSpPr/>
-          <p:nvPr/>
-        </p:nvSpPr>
-        <p:spPr>
-          <a:xfrm>
-            <a:off x="3138617" y="5901254"/>
-            <a:ext cx="3595816" cy="696955"/>
-          </a:xfrm>
-          <a:prstGeom prst="rect">
-            <a:avLst/>
-          </a:prstGeom>
-          <a:solidFill>
-            <a:schemeClr val="accent3">
-              <a:lumMod val="40000"/>
-              <a:lumOff val="60000"/>
-            </a:schemeClr>
-          </a:solidFill>
-          <a:ln/>
-        </p:spPr>
-        <p:style>
-          <a:lnRef idx="2">
-            <a:schemeClr val="accent1"/>
-          </a:lnRef>
-          <a:fillRef idx="1">
-            <a:schemeClr val="lt1"/>
-          </a:fillRef>
-          <a:effectRef idx="0">
-            <a:schemeClr val="accent1"/>
-          </a:effectRef>
-          <a:fontRef idx="minor">
-            <a:schemeClr val="dk1"/>
-          </a:fontRef>
-        </p:style>
-        <p:txBody>
-          <a:bodyPr rot="0" spcFirstLastPara="0" vertOverflow="overflow" horzOverflow="overflow" vert="horz" wrap="square" lIns="91440" tIns="45720" rIns="91440" bIns="45720" numCol="1" spcCol="0" rtlCol="0" fromWordArt="0" anchor="ctr" anchorCtr="0" forceAA="0" compatLnSpc="1">
-            <a:prstTxWarp prst="textNoShape">
-              <a:avLst/>
-            </a:prstTxWarp>
-            <a:noAutofit/>
-          </a:bodyPr>
-          <a:lstStyle/>
-          <a:p>
-            <a:pPr algn="ctr"/>
-            <a:r>
-              <a:rPr lang="en-US" dirty="0" smtClean="0">
-                <a:solidFill>
-                  <a:schemeClr val="tx1"/>
-                </a:solidFill>
-              </a:rPr>
-              <a:t>We use </a:t>
-            </a:r>
-            <a:r>
-              <a:rPr lang="en-US" b="1" dirty="0" smtClean="0">
-                <a:solidFill>
-                  <a:schemeClr val="tx1"/>
-                </a:solidFill>
-              </a:rPr>
-              <a:t>define/public</a:t>
-            </a:r>
-            <a:r>
-              <a:rPr lang="en-US" dirty="0" smtClean="0">
-                <a:solidFill>
-                  <a:schemeClr val="tx1"/>
-                </a:solidFill>
-              </a:rPr>
-              <a:t> to define a method. </a:t>
-            </a:r>
-            <a:endParaRPr lang="en-US" dirty="0">
-              <a:solidFill>
-                <a:schemeClr val="tx1"/>
-              </a:solidFill>
-            </a:endParaRPr>
-          </a:p>
-        </p:txBody>
-      </p:sp>
     </p:spTree>
     <p:extLst>
       <p:ext uri="{BB962C8B-B14F-4D97-AF65-F5344CB8AC3E}">
@@ -13270,7 +13265,7 @@
         </p:nvSpPr>
         <p:spPr>
           <a:xfrm>
-            <a:off x="5257800" y="2866768"/>
+            <a:off x="5090984" y="3844981"/>
             <a:ext cx="3595816" cy="1878226"/>
           </a:xfrm>
           <a:prstGeom prst="rect">
@@ -13349,9 +13344,9 @@
           <p:nvPr/>
         </p:nvCxnSpPr>
         <p:spPr>
-          <a:xfrm flipH="1">
-            <a:off x="4028303" y="3805881"/>
-            <a:ext cx="1229497" cy="24714"/>
+          <a:xfrm flipH="1" flipV="1">
+            <a:off x="3998794" y="3844981"/>
+            <a:ext cx="1092190" cy="939113"/>
           </a:xfrm>
           <a:prstGeom prst="straightConnector1">
             <a:avLst/>
@@ -13378,15 +13373,13 @@
       <p:cxnSp>
         <p:nvCxnSpPr>
           <p:cNvPr id="14" name="Straight Arrow Connector 13"/>
-          <p:cNvCxnSpPr>
-            <a:stCxn id="16" idx="1"/>
-          </p:cNvCxnSpPr>
+          <p:cNvCxnSpPr/>
           <p:nvPr/>
         </p:nvCxnSpPr>
         <p:spPr>
-          <a:xfrm flipH="1">
-            <a:off x="4028303" y="3805881"/>
-            <a:ext cx="1229497" cy="593124"/>
+          <a:xfrm flipH="1" flipV="1">
+            <a:off x="4154269" y="4619687"/>
+            <a:ext cx="922239" cy="164407"/>
           </a:xfrm>
           <a:prstGeom prst="straightConnector1">
             <a:avLst/>
@@ -13420,8 +13413,8 @@
         </p:nvCxnSpPr>
         <p:spPr>
           <a:xfrm flipH="1">
-            <a:off x="3521676" y="3805881"/>
-            <a:ext cx="1736124" cy="1606378"/>
+            <a:off x="3575713" y="4784094"/>
+            <a:ext cx="1515271" cy="442999"/>
           </a:xfrm>
           <a:prstGeom prst="straightConnector1">
             <a:avLst/>
@@ -14423,6 +14416,59 @@
               </a:rPr>
               <a:t>This is another reason we write contracts in terms of interfaces, not classes.</a:t>
             </a:r>
+            <a:endParaRPr lang="en-US" dirty="0">
+              <a:solidFill>
+                <a:schemeClr val="tx1"/>
+              </a:solidFill>
+            </a:endParaRPr>
+          </a:p>
+        </p:txBody>
+      </p:sp>
+      <p:sp>
+        <p:nvSpPr>
+          <p:cNvPr id="2" name="Rounded Rectangle 1"/>
+          <p:cNvSpPr/>
+          <p:nvPr/>
+        </p:nvSpPr>
+        <p:spPr>
+          <a:xfrm>
+            <a:off x="4954137" y="2470245"/>
+            <a:ext cx="3875964" cy="723331"/>
+          </a:xfrm>
+          <a:prstGeom prst="roundRect">
+            <a:avLst/>
+          </a:prstGeom>
+          <a:noFill/>
+          <a:ln>
+            <a:solidFill>
+              <a:srgbClr val="92D050"/>
+            </a:solidFill>
+          </a:ln>
+        </p:spPr>
+        <p:style>
+          <a:lnRef idx="2">
+            <a:schemeClr val="accent1"/>
+          </a:lnRef>
+          <a:fillRef idx="1">
+            <a:schemeClr val="lt1"/>
+          </a:fillRef>
+          <a:effectRef idx="0">
+            <a:schemeClr val="accent1"/>
+          </a:effectRef>
+          <a:fontRef idx="minor">
+            <a:schemeClr val="dk1"/>
+          </a:fontRef>
+        </p:style>
+        <p:txBody>
+          <a:bodyPr rot="0" spcFirstLastPara="0" vertOverflow="overflow" horzOverflow="overflow" vert="horz" wrap="square" lIns="91440" tIns="45720" rIns="91440" bIns="45720" numCol="1" spcCol="0" rtlCol="0" fromWordArt="0" anchor="ctr" anchorCtr="0" forceAA="0" compatLnSpc="1">
+            <a:prstTxWarp prst="textNoShape">
+              <a:avLst/>
+            </a:prstTxWarp>
+            <a:noAutofit/>
+          </a:bodyPr>
+          <a:lstStyle/>
+          <a:p>
+            <a:pPr algn="ctr"/>
             <a:endParaRPr lang="en-US" dirty="0">
               <a:solidFill>
                 <a:schemeClr val="tx1"/>

--- a/Slides/Lesson 9.1 Classes, Objects, and Methods.pptx
+++ b/Slides/Lesson 9.1 Classes, Objects, and Methods.pptx
@@ -235,7 +235,7 @@
           <a:p>
             <a:fld id="{36D53524-F9CC-4A8B-8CCD-2FA372311425}" type="datetimeFigureOut">
               <a:rPr lang="en-US" smtClean="0"/>
-              <a:t>10/31/2015</a:t>
+              <a:t>11/3/2015</a:t>
             </a:fld>
             <a:endParaRPr lang="en-US"/>
           </a:p>
@@ -1524,7 +1524,7 @@
           <a:p>
             <a:fld id="{2F1F79F5-7BEC-496A-AFC7-876E38F64D71}" type="datetime1">
               <a:rPr lang="en-US" smtClean="0"/>
-              <a:t>10/31/2015</a:t>
+              <a:t>11/3/2015</a:t>
             </a:fld>
             <a:endParaRPr lang="en-US"/>
           </a:p>
@@ -1649,7 +1649,7 @@
           <a:p>
             <a:fld id="{2F7B77F5-1464-4F6B-92A8-64FC8A508293}" type="datetime1">
               <a:rPr lang="en-US" smtClean="0"/>
-              <a:t>10/31/2015</a:t>
+              <a:t>11/3/2015</a:t>
             </a:fld>
             <a:endParaRPr lang="en-US"/>
           </a:p>
@@ -1751,7 +1751,7 @@
           <a:p>
             <a:fld id="{0A05703A-7669-4FEA-9056-25299B4D29D4}" type="datetime1">
               <a:rPr lang="en-US" smtClean="0"/>
-              <a:t>10/31/2015</a:t>
+              <a:t>11/3/2015</a:t>
             </a:fld>
             <a:endParaRPr lang="en-US"/>
           </a:p>
@@ -2028,7 +2028,7 @@
           <a:p>
             <a:fld id="{6E5077B5-BB57-49DB-88CA-226A139E5C01}" type="datetime1">
               <a:rPr lang="en-US" smtClean="0"/>
-              <a:t>10/31/2015</a:t>
+              <a:t>11/3/2015</a:t>
             </a:fld>
             <a:endParaRPr lang="en-US"/>
           </a:p>
@@ -2281,7 +2281,7 @@
           <a:p>
             <a:fld id="{C48D9447-CBD6-49A1-89FD-8512A8CF8999}" type="datetime1">
               <a:rPr lang="en-US" smtClean="0"/>
-              <a:t>10/31/2015</a:t>
+              <a:t>11/3/2015</a:t>
             </a:fld>
             <a:endParaRPr lang="en-US"/>
           </a:p>
@@ -2451,7 +2451,7 @@
           <a:p>
             <a:fld id="{A3639A2A-823D-48B7-9ACE-7FAF42870BA9}" type="datetime1">
               <a:rPr lang="en-US" smtClean="0"/>
-              <a:t>10/31/2015</a:t>
+              <a:t>11/3/2015</a:t>
             </a:fld>
             <a:endParaRPr lang="en-US"/>
           </a:p>
@@ -2631,7 +2631,7 @@
           <a:p>
             <a:fld id="{ED1B6996-82E9-463C-972C-7B56056E426C}" type="datetime1">
               <a:rPr lang="en-US" smtClean="0"/>
-              <a:t>10/31/2015</a:t>
+              <a:t>11/3/2015</a:t>
             </a:fld>
             <a:endParaRPr lang="en-US"/>
           </a:p>
@@ -2807,7 +2807,7 @@
           <a:p>
             <a:fld id="{E22ED4DA-448D-4BB1-B935-CC112220207B}" type="datetime1">
               <a:rPr lang="en-US" smtClean="0"/>
-              <a:t>10/31/2015</a:t>
+              <a:t>11/3/2015</a:t>
             </a:fld>
             <a:endParaRPr lang="en-US"/>
           </a:p>
@@ -2989,7 +2989,7 @@
           <a:p>
             <a:fld id="{E22ED4DA-448D-4BB1-B935-CC112220207B}" type="datetime1">
               <a:rPr lang="en-US" smtClean="0"/>
-              <a:t>10/31/2015</a:t>
+              <a:t>11/3/2015</a:t>
             </a:fld>
             <a:endParaRPr lang="en-US"/>
           </a:p>
@@ -3258,7 +3258,7 @@
           <a:p>
             <a:fld id="{FF5D65A6-AB94-4435-B0B7-3743215FA46C}" type="datetime1">
               <a:rPr lang="en-US" smtClean="0"/>
-              <a:t>10/31/2015</a:t>
+              <a:t>11/3/2015</a:t>
             </a:fld>
             <a:endParaRPr lang="en-US"/>
           </a:p>
@@ -3561,7 +3561,7 @@
           <a:p>
             <a:fld id="{5D1846AD-9252-4647-9435-4C2AC365653A}" type="datetime1">
               <a:rPr lang="en-US" smtClean="0"/>
-              <a:t>10/31/2015</a:t>
+              <a:t>11/3/2015</a:t>
             </a:fld>
             <a:endParaRPr lang="en-US"/>
           </a:p>
@@ -3739,7 +3739,7 @@
           <a:p>
             <a:fld id="{FF5D65A6-AB94-4435-B0B7-3743215FA46C}" type="datetime1">
               <a:rPr lang="en-US" smtClean="0"/>
-              <a:t>10/31/2015</a:t>
+              <a:t>11/3/2015</a:t>
             </a:fld>
             <a:endParaRPr lang="en-US"/>
           </a:p>
@@ -4041,7 +4041,7 @@
           <a:p>
             <a:fld id="{7C193DC4-6EF0-48C9-B29C-616106A645E1}" type="datetime1">
               <a:rPr lang="en-US" smtClean="0"/>
-              <a:t>10/31/2015</a:t>
+              <a:t>11/3/2015</a:t>
             </a:fld>
             <a:endParaRPr lang="en-US"/>
           </a:p>
@@ -4329,7 +4329,7 @@
           <a:p>
             <a:fld id="{5D1846AD-9252-4647-9435-4C2AC365653A}" type="datetime1">
               <a:rPr lang="en-US" smtClean="0"/>
-              <a:t>10/31/2015</a:t>
+              <a:t>11/3/2015</a:t>
             </a:fld>
             <a:endParaRPr lang="en-US"/>
           </a:p>
@@ -4751,7 +4751,7 @@
           <a:p>
             <a:fld id="{CE56DC10-3561-4063-A6AF-C1CC7A41040A}" type="datetime1">
               <a:rPr lang="en-US" smtClean="0"/>
-              <a:t>10/31/2015</a:t>
+              <a:t>11/3/2015</a:t>
             </a:fld>
             <a:endParaRPr lang="en-US"/>
           </a:p>
@@ -4976,7 +4976,7 @@
           <a:p>
             <a:fld id="{02B3F677-983B-48DB-ADFD-63FE6CBC7FB2}" type="datetime1">
               <a:rPr lang="en-US" smtClean="0"/>
-              <a:t>10/31/2015</a:t>
+              <a:t>11/3/2015</a:t>
             </a:fld>
             <a:endParaRPr lang="en-US"/>
           </a:p>
@@ -5535,7 +5535,6 @@
                 <a:rPr lang="en-US" sz="1000" dirty="0" smtClean="0"/>
                 <a:t>2012-2015</a:t>
               </a:r>
-              <a:endParaRPr lang="en-US" sz="1000" dirty="0" smtClean="0"/>
             </a:p>
             <a:p>
               <a:r>
@@ -12646,15 +12645,7 @@
                   <a:schemeClr val="tx1"/>
                 </a:solidFill>
               </a:rPr>
-              <a:t> are the field names.  We’ve put in their contracts as a comment</a:t>
-            </a:r>
-            <a:r>
-              <a:rPr lang="en-US" dirty="0" smtClean="0">
-                <a:solidFill>
-                  <a:schemeClr val="tx1"/>
-                </a:solidFill>
-              </a:rPr>
-              <a:t>. In a real example, you’d put an interpretation for each field, just  as  you do the fields  of a </a:t>
+              <a:t> are the field names.  We’ve put in their contracts as a comment. In a real example, you’d put an interpretation for each field, just  as  you do the fields  of a </a:t>
             </a:r>
             <a:r>
               <a:rPr lang="en-US" b="1" dirty="0" err="1" smtClean="0">

--- a/Slides/Lesson 9.1 Classes, Objects, and Methods.pptx
+++ b/Slides/Lesson 9.1 Classes, Objects, and Methods.pptx
@@ -235,7 +235,7 @@
           <a:p>
             <a:fld id="{36D53524-F9CC-4A8B-8CCD-2FA372311425}" type="datetimeFigureOut">
               <a:rPr lang="en-US" smtClean="0"/>
-              <a:t>11/3/2015</a:t>
+              <a:t>11/4/2015</a:t>
             </a:fld>
             <a:endParaRPr lang="en-US"/>
           </a:p>
@@ -1524,7 +1524,7 @@
           <a:p>
             <a:fld id="{2F1F79F5-7BEC-496A-AFC7-876E38F64D71}" type="datetime1">
               <a:rPr lang="en-US" smtClean="0"/>
-              <a:t>11/3/2015</a:t>
+              <a:t>11/4/2015</a:t>
             </a:fld>
             <a:endParaRPr lang="en-US"/>
           </a:p>
@@ -1649,7 +1649,7 @@
           <a:p>
             <a:fld id="{2F7B77F5-1464-4F6B-92A8-64FC8A508293}" type="datetime1">
               <a:rPr lang="en-US" smtClean="0"/>
-              <a:t>11/3/2015</a:t>
+              <a:t>11/4/2015</a:t>
             </a:fld>
             <a:endParaRPr lang="en-US"/>
           </a:p>
@@ -1751,7 +1751,7 @@
           <a:p>
             <a:fld id="{0A05703A-7669-4FEA-9056-25299B4D29D4}" type="datetime1">
               <a:rPr lang="en-US" smtClean="0"/>
-              <a:t>11/3/2015</a:t>
+              <a:t>11/4/2015</a:t>
             </a:fld>
             <a:endParaRPr lang="en-US"/>
           </a:p>
@@ -2028,7 +2028,7 @@
           <a:p>
             <a:fld id="{6E5077B5-BB57-49DB-88CA-226A139E5C01}" type="datetime1">
               <a:rPr lang="en-US" smtClean="0"/>
-              <a:t>11/3/2015</a:t>
+              <a:t>11/4/2015</a:t>
             </a:fld>
             <a:endParaRPr lang="en-US"/>
           </a:p>
@@ -2281,7 +2281,7 @@
           <a:p>
             <a:fld id="{C48D9447-CBD6-49A1-89FD-8512A8CF8999}" type="datetime1">
               <a:rPr lang="en-US" smtClean="0"/>
-              <a:t>11/3/2015</a:t>
+              <a:t>11/4/2015</a:t>
             </a:fld>
             <a:endParaRPr lang="en-US"/>
           </a:p>
@@ -2451,7 +2451,7 @@
           <a:p>
             <a:fld id="{A3639A2A-823D-48B7-9ACE-7FAF42870BA9}" type="datetime1">
               <a:rPr lang="en-US" smtClean="0"/>
-              <a:t>11/3/2015</a:t>
+              <a:t>11/4/2015</a:t>
             </a:fld>
             <a:endParaRPr lang="en-US"/>
           </a:p>
@@ -2631,7 +2631,7 @@
           <a:p>
             <a:fld id="{ED1B6996-82E9-463C-972C-7B56056E426C}" type="datetime1">
               <a:rPr lang="en-US" smtClean="0"/>
-              <a:t>11/3/2015</a:t>
+              <a:t>11/4/2015</a:t>
             </a:fld>
             <a:endParaRPr lang="en-US"/>
           </a:p>
@@ -2807,7 +2807,7 @@
           <a:p>
             <a:fld id="{E22ED4DA-448D-4BB1-B935-CC112220207B}" type="datetime1">
               <a:rPr lang="en-US" smtClean="0"/>
-              <a:t>11/3/2015</a:t>
+              <a:t>11/4/2015</a:t>
             </a:fld>
             <a:endParaRPr lang="en-US"/>
           </a:p>
@@ -2989,7 +2989,7 @@
           <a:p>
             <a:fld id="{E22ED4DA-448D-4BB1-B935-CC112220207B}" type="datetime1">
               <a:rPr lang="en-US" smtClean="0"/>
-              <a:t>11/3/2015</a:t>
+              <a:t>11/4/2015</a:t>
             </a:fld>
             <a:endParaRPr lang="en-US"/>
           </a:p>
@@ -3258,7 +3258,7 @@
           <a:p>
             <a:fld id="{FF5D65A6-AB94-4435-B0B7-3743215FA46C}" type="datetime1">
               <a:rPr lang="en-US" smtClean="0"/>
-              <a:t>11/3/2015</a:t>
+              <a:t>11/4/2015</a:t>
             </a:fld>
             <a:endParaRPr lang="en-US"/>
           </a:p>
@@ -3561,7 +3561,7 @@
           <a:p>
             <a:fld id="{5D1846AD-9252-4647-9435-4C2AC365653A}" type="datetime1">
               <a:rPr lang="en-US" smtClean="0"/>
-              <a:t>11/3/2015</a:t>
+              <a:t>11/4/2015</a:t>
             </a:fld>
             <a:endParaRPr lang="en-US"/>
           </a:p>
@@ -3739,7 +3739,7 @@
           <a:p>
             <a:fld id="{FF5D65A6-AB94-4435-B0B7-3743215FA46C}" type="datetime1">
               <a:rPr lang="en-US" smtClean="0"/>
-              <a:t>11/3/2015</a:t>
+              <a:t>11/4/2015</a:t>
             </a:fld>
             <a:endParaRPr lang="en-US"/>
           </a:p>
@@ -4041,7 +4041,7 @@
           <a:p>
             <a:fld id="{7C193DC4-6EF0-48C9-B29C-616106A645E1}" type="datetime1">
               <a:rPr lang="en-US" smtClean="0"/>
-              <a:t>11/3/2015</a:t>
+              <a:t>11/4/2015</a:t>
             </a:fld>
             <a:endParaRPr lang="en-US"/>
           </a:p>
@@ -4329,7 +4329,7 @@
           <a:p>
             <a:fld id="{5D1846AD-9252-4647-9435-4C2AC365653A}" type="datetime1">
               <a:rPr lang="en-US" smtClean="0"/>
-              <a:t>11/3/2015</a:t>
+              <a:t>11/4/2015</a:t>
             </a:fld>
             <a:endParaRPr lang="en-US"/>
           </a:p>
@@ -4751,7 +4751,7 @@
           <a:p>
             <a:fld id="{CE56DC10-3561-4063-A6AF-C1CC7A41040A}" type="datetime1">
               <a:rPr lang="en-US" smtClean="0"/>
-              <a:t>11/3/2015</a:t>
+              <a:t>11/4/2015</a:t>
             </a:fld>
             <a:endParaRPr lang="en-US"/>
           </a:p>
@@ -4976,7 +4976,7 @@
           <a:p>
             <a:fld id="{02B3F677-983B-48DB-ADFD-63FE6CBC7FB2}" type="datetime1">
               <a:rPr lang="en-US" smtClean="0"/>
-              <a:t>11/3/2015</a:t>
+              <a:t>11/4/2015</a:t>
             </a:fld>
             <a:endParaRPr lang="en-US"/>
           </a:p>
@@ -11245,7 +11245,19 @@
               <a:rPr lang="en-US" dirty="0">
                 <a:cs typeface="Consolas" panose="020B0609020204030204" pitchFamily="49" charset="0"/>
               </a:rPr>
-              <a:t>set of messages to which an object responds (along  with their contracts) is called its </a:t>
+              <a:t>set of messages to which an object responds (along </a:t>
+            </a:r>
+            <a:r>
+              <a:rPr lang="en-US" dirty="0" smtClean="0">
+                <a:cs typeface="Consolas" panose="020B0609020204030204" pitchFamily="49" charset="0"/>
+              </a:rPr>
+              <a:t>with </a:t>
+            </a:r>
+            <a:r>
+              <a:rPr lang="en-US" dirty="0">
+                <a:cs typeface="Consolas" panose="020B0609020204030204" pitchFamily="49" charset="0"/>
+              </a:rPr>
+              <a:t>their contracts) is called its </a:t>
             </a:r>
             <a:r>
               <a:rPr lang="en-US" i="1" dirty="0">

--- a/Slides/Lesson 9.1 Classes, Objects, and Methods.pptx
+++ b/Slides/Lesson 9.1 Classes, Objects, and Methods.pptx
@@ -235,7 +235,7 @@
           <a:p>
             <a:fld id="{36D53524-F9CC-4A8B-8CCD-2FA372311425}" type="datetimeFigureOut">
               <a:rPr lang="en-US" smtClean="0"/>
-              <a:t>11/4/2015</a:t>
+              <a:t>10/29/2016</a:t>
             </a:fld>
             <a:endParaRPr lang="en-US"/>
           </a:p>
@@ -299,38 +299,37 @@
           <a:p>
             <a:pPr lvl="0"/>
             <a:r>
-              <a:rPr lang="en-US" smtClean="0"/>
+              <a:rPr lang="en-US"/>
               <a:t>Click to edit Master text styles</a:t>
             </a:r>
           </a:p>
           <a:p>
             <a:pPr lvl="1"/>
             <a:r>
-              <a:rPr lang="en-US" smtClean="0"/>
+              <a:rPr lang="en-US"/>
               <a:t>Second level</a:t>
             </a:r>
           </a:p>
           <a:p>
             <a:pPr lvl="2"/>
             <a:r>
-              <a:rPr lang="en-US" smtClean="0"/>
+              <a:rPr lang="en-US"/>
               <a:t>Third level</a:t>
             </a:r>
           </a:p>
           <a:p>
             <a:pPr lvl="3"/>
             <a:r>
-              <a:rPr lang="en-US" smtClean="0"/>
+              <a:rPr lang="en-US"/>
               <a:t>Fourth level</a:t>
             </a:r>
           </a:p>
           <a:p>
             <a:pPr lvl="4"/>
             <a:r>
-              <a:rPr lang="en-US" smtClean="0"/>
+              <a:rPr lang="en-US"/>
               <a:t>Fifth level</a:t>
             </a:r>
-            <a:endParaRPr lang="en-US"/>
           </a:p>
         </p:txBody>
       </p:sp>
@@ -1381,10 +1380,9 @@
           <a:lstStyle/>
           <a:p>
             <a:r>
-              <a:rPr lang="en-US" smtClean="0"/>
+              <a:rPr lang="en-US"/>
               <a:t>Click to edit Master title style</a:t>
             </a:r>
-            <a:endParaRPr lang="en-US"/>
           </a:p>
         </p:txBody>
       </p:sp>
@@ -1500,10 +1498,9 @@
           </a:lstStyle>
           <a:p>
             <a:r>
-              <a:rPr lang="en-US" smtClean="0"/>
+              <a:rPr lang="en-US"/>
               <a:t>Click to edit Master subtitle style</a:t>
             </a:r>
-            <a:endParaRPr lang="en-US"/>
           </a:p>
         </p:txBody>
       </p:sp>
@@ -1524,7 +1521,7 @@
           <a:p>
             <a:fld id="{2F1F79F5-7BEC-496A-AFC7-876E38F64D71}" type="datetime1">
               <a:rPr lang="en-US" smtClean="0"/>
-              <a:t>11/4/2015</a:t>
+              <a:t>10/29/2016</a:t>
             </a:fld>
             <a:endParaRPr lang="en-US"/>
           </a:p>
@@ -1582,13 +1579,6 @@
   <p:clrMapOvr>
     <a:masterClrMapping/>
   </p:clrMapOvr>
-  <p:timing>
-    <p:tnLst>
-      <p:par>
-        <p:cTn id="1" dur="indefinite" restart="never" nodeType="tmRoot"/>
-      </p:par>
-    </p:tnLst>
-  </p:timing>
 </p:sldLayout>
 </file>
 
@@ -1625,10 +1615,9 @@
           <a:lstStyle/>
           <a:p>
             <a:r>
-              <a:rPr lang="en-US" smtClean="0"/>
+              <a:rPr lang="en-US"/>
               <a:t>Click to edit Master title style</a:t>
             </a:r>
-            <a:endParaRPr lang="en-US"/>
           </a:p>
         </p:txBody>
       </p:sp>
@@ -1649,7 +1638,7 @@
           <a:p>
             <a:fld id="{2F7B77F5-1464-4F6B-92A8-64FC8A508293}" type="datetime1">
               <a:rPr lang="en-US" smtClean="0"/>
-              <a:t>11/4/2015</a:t>
+              <a:t>10/29/2016</a:t>
             </a:fld>
             <a:endParaRPr lang="en-US"/>
           </a:p>
@@ -1707,13 +1696,6 @@
   <p:clrMapOvr>
     <a:masterClrMapping/>
   </p:clrMapOvr>
-  <p:timing>
-    <p:tnLst>
-      <p:par>
-        <p:cTn id="1" dur="indefinite" restart="never" nodeType="tmRoot"/>
-      </p:par>
-    </p:tnLst>
-  </p:timing>
 </p:sldLayout>
 </file>
 
@@ -1751,7 +1733,7 @@
           <a:p>
             <a:fld id="{0A05703A-7669-4FEA-9056-25299B4D29D4}" type="datetime1">
               <a:rPr lang="en-US" smtClean="0"/>
-              <a:t>11/4/2015</a:t>
+              <a:t>10/29/2016</a:t>
             </a:fld>
             <a:endParaRPr lang="en-US"/>
           </a:p>
@@ -1854,10 +1836,9 @@
           </a:lstStyle>
           <a:p>
             <a:r>
-              <a:rPr lang="en-US" smtClean="0"/>
+              <a:rPr lang="en-US"/>
               <a:t>Click to edit Master title style</a:t>
             </a:r>
-            <a:endParaRPr lang="en-US"/>
           </a:p>
         </p:txBody>
       </p:sp>
@@ -1911,38 +1892,37 @@
           <a:p>
             <a:pPr lvl="0"/>
             <a:r>
-              <a:rPr lang="en-US" smtClean="0"/>
+              <a:rPr lang="en-US"/>
               <a:t>Click to edit Master text styles</a:t>
             </a:r>
           </a:p>
           <a:p>
             <a:pPr lvl="1"/>
             <a:r>
-              <a:rPr lang="en-US" smtClean="0"/>
+              <a:rPr lang="en-US"/>
               <a:t>Second level</a:t>
             </a:r>
           </a:p>
           <a:p>
             <a:pPr lvl="2"/>
             <a:r>
-              <a:rPr lang="en-US" smtClean="0"/>
+              <a:rPr lang="en-US"/>
               <a:t>Third level</a:t>
             </a:r>
           </a:p>
           <a:p>
             <a:pPr lvl="3"/>
             <a:r>
-              <a:rPr lang="en-US" smtClean="0"/>
+              <a:rPr lang="en-US"/>
               <a:t>Fourth level</a:t>
             </a:r>
           </a:p>
           <a:p>
             <a:pPr lvl="4"/>
             <a:r>
-              <a:rPr lang="en-US" smtClean="0"/>
+              <a:rPr lang="en-US"/>
               <a:t>Fifth level</a:t>
             </a:r>
-            <a:endParaRPr lang="en-US"/>
           </a:p>
         </p:txBody>
       </p:sp>
@@ -2005,7 +1985,7 @@
           <a:p>
             <a:pPr lvl="0"/>
             <a:r>
-              <a:rPr lang="en-US" smtClean="0"/>
+              <a:rPr lang="en-US"/>
               <a:t>Click to edit Master text styles</a:t>
             </a:r>
           </a:p>
@@ -2028,7 +2008,7 @@
           <a:p>
             <a:fld id="{6E5077B5-BB57-49DB-88CA-226A139E5C01}" type="datetime1">
               <a:rPr lang="en-US" smtClean="0"/>
-              <a:t>11/4/2015</a:t>
+              <a:t>10/29/2016</a:t>
             </a:fld>
             <a:endParaRPr lang="en-US"/>
           </a:p>
@@ -2131,10 +2111,9 @@
           </a:lstStyle>
           <a:p>
             <a:r>
-              <a:rPr lang="en-US" smtClean="0"/>
+              <a:rPr lang="en-US"/>
               <a:t>Click to edit Master title style</a:t>
             </a:r>
-            <a:endParaRPr lang="en-US"/>
           </a:p>
         </p:txBody>
       </p:sp>
@@ -2258,7 +2237,7 @@
           <a:p>
             <a:pPr lvl="0"/>
             <a:r>
-              <a:rPr lang="en-US" smtClean="0"/>
+              <a:rPr lang="en-US"/>
               <a:t>Click to edit Master text styles</a:t>
             </a:r>
           </a:p>
@@ -2281,7 +2260,7 @@
           <a:p>
             <a:fld id="{C48D9447-CBD6-49A1-89FD-8512A8CF8999}" type="datetime1">
               <a:rPr lang="en-US" smtClean="0"/>
-              <a:t>11/4/2015</a:t>
+              <a:t>10/29/2016</a:t>
             </a:fld>
             <a:endParaRPr lang="en-US"/>
           </a:p>
@@ -2375,10 +2354,9 @@
           <a:lstStyle/>
           <a:p>
             <a:r>
-              <a:rPr lang="en-US" smtClean="0"/>
+              <a:rPr lang="en-US"/>
               <a:t>Click to edit Master title style</a:t>
             </a:r>
-            <a:endParaRPr lang="en-US"/>
           </a:p>
         </p:txBody>
       </p:sp>
@@ -2399,38 +2377,37 @@
           <a:p>
             <a:pPr lvl="0"/>
             <a:r>
-              <a:rPr lang="en-US" smtClean="0"/>
+              <a:rPr lang="en-US"/>
               <a:t>Click to edit Master text styles</a:t>
             </a:r>
           </a:p>
           <a:p>
             <a:pPr lvl="1"/>
             <a:r>
-              <a:rPr lang="en-US" smtClean="0"/>
+              <a:rPr lang="en-US"/>
               <a:t>Second level</a:t>
             </a:r>
           </a:p>
           <a:p>
             <a:pPr lvl="2"/>
             <a:r>
-              <a:rPr lang="en-US" smtClean="0"/>
+              <a:rPr lang="en-US"/>
               <a:t>Third level</a:t>
             </a:r>
           </a:p>
           <a:p>
             <a:pPr lvl="3"/>
             <a:r>
-              <a:rPr lang="en-US" smtClean="0"/>
+              <a:rPr lang="en-US"/>
               <a:t>Fourth level</a:t>
             </a:r>
           </a:p>
           <a:p>
             <a:pPr lvl="4"/>
             <a:r>
-              <a:rPr lang="en-US" smtClean="0"/>
+              <a:rPr lang="en-US"/>
               <a:t>Fifth level</a:t>
             </a:r>
-            <a:endParaRPr lang="en-US"/>
           </a:p>
         </p:txBody>
       </p:sp>
@@ -2451,7 +2428,7 @@
           <a:p>
             <a:fld id="{A3639A2A-823D-48B7-9ACE-7FAF42870BA9}" type="datetime1">
               <a:rPr lang="en-US" smtClean="0"/>
-              <a:t>11/4/2015</a:t>
+              <a:t>10/29/2016</a:t>
             </a:fld>
             <a:endParaRPr lang="en-US"/>
           </a:p>
@@ -2550,10 +2527,9 @@
           <a:lstStyle/>
           <a:p>
             <a:r>
-              <a:rPr lang="en-US" smtClean="0"/>
+              <a:rPr lang="en-US"/>
               <a:t>Click to edit Master title style</a:t>
             </a:r>
-            <a:endParaRPr lang="en-US"/>
           </a:p>
         </p:txBody>
       </p:sp>
@@ -2579,38 +2555,37 @@
           <a:p>
             <a:pPr lvl="0"/>
             <a:r>
-              <a:rPr lang="en-US" smtClean="0"/>
+              <a:rPr lang="en-US"/>
               <a:t>Click to edit Master text styles</a:t>
             </a:r>
           </a:p>
           <a:p>
             <a:pPr lvl="1"/>
             <a:r>
-              <a:rPr lang="en-US" smtClean="0"/>
+              <a:rPr lang="en-US"/>
               <a:t>Second level</a:t>
             </a:r>
           </a:p>
           <a:p>
             <a:pPr lvl="2"/>
             <a:r>
-              <a:rPr lang="en-US" smtClean="0"/>
+              <a:rPr lang="en-US"/>
               <a:t>Third level</a:t>
             </a:r>
           </a:p>
           <a:p>
             <a:pPr lvl="3"/>
             <a:r>
-              <a:rPr lang="en-US" smtClean="0"/>
+              <a:rPr lang="en-US"/>
               <a:t>Fourth level</a:t>
             </a:r>
           </a:p>
           <a:p>
             <a:pPr lvl="4"/>
             <a:r>
-              <a:rPr lang="en-US" smtClean="0"/>
+              <a:rPr lang="en-US"/>
               <a:t>Fifth level</a:t>
             </a:r>
-            <a:endParaRPr lang="en-US"/>
           </a:p>
         </p:txBody>
       </p:sp>
@@ -2631,7 +2606,7 @@
           <a:p>
             <a:fld id="{ED1B6996-82E9-463C-972C-7B56056E426C}" type="datetime1">
               <a:rPr lang="en-US" smtClean="0"/>
-              <a:t>11/4/2015</a:t>
+              <a:t>10/29/2016</a:t>
             </a:fld>
             <a:endParaRPr lang="en-US"/>
           </a:p>
@@ -2731,10 +2706,9 @@
           <a:lstStyle/>
           <a:p>
             <a:r>
-              <a:rPr lang="en-US" dirty="0" smtClean="0"/>
+              <a:rPr lang="en-US" dirty="0"/>
               <a:t>Click to edit Master title style</a:t>
             </a:r>
-            <a:endParaRPr lang="en-US" dirty="0"/>
           </a:p>
         </p:txBody>
       </p:sp>
@@ -2755,38 +2729,37 @@
           <a:p>
             <a:pPr lvl="0"/>
             <a:r>
-              <a:rPr lang="en-US" smtClean="0"/>
+              <a:rPr lang="en-US"/>
               <a:t>Click to edit Master text styles</a:t>
             </a:r>
           </a:p>
           <a:p>
             <a:pPr lvl="1"/>
             <a:r>
-              <a:rPr lang="en-US" smtClean="0"/>
+              <a:rPr lang="en-US"/>
               <a:t>Second level</a:t>
             </a:r>
           </a:p>
           <a:p>
             <a:pPr lvl="2"/>
             <a:r>
-              <a:rPr lang="en-US" smtClean="0"/>
+              <a:rPr lang="en-US"/>
               <a:t>Third level</a:t>
             </a:r>
           </a:p>
           <a:p>
             <a:pPr lvl="3"/>
             <a:r>
-              <a:rPr lang="en-US" smtClean="0"/>
+              <a:rPr lang="en-US"/>
               <a:t>Fourth level</a:t>
             </a:r>
           </a:p>
           <a:p>
             <a:pPr lvl="4"/>
             <a:r>
-              <a:rPr lang="en-US" smtClean="0"/>
+              <a:rPr lang="en-US"/>
               <a:t>Fifth level</a:t>
             </a:r>
-            <a:endParaRPr lang="en-US"/>
           </a:p>
         </p:txBody>
       </p:sp>
@@ -2807,7 +2780,7 @@
           <a:p>
             <a:fld id="{E22ED4DA-448D-4BB1-B935-CC112220207B}" type="datetime1">
               <a:rPr lang="en-US" smtClean="0"/>
-              <a:t>11/4/2015</a:t>
+              <a:t>10/29/2016</a:t>
             </a:fld>
             <a:endParaRPr lang="en-US"/>
           </a:p>
@@ -2865,13 +2838,6 @@
   <p:clrMapOvr>
     <a:masterClrMapping/>
   </p:clrMapOvr>
-  <p:timing>
-    <p:tnLst>
-      <p:par>
-        <p:cTn id="1" dur="indefinite" restart="never" nodeType="tmRoot"/>
-      </p:par>
-    </p:tnLst>
-  </p:timing>
 </p:sldLayout>
 </file>
 
@@ -2908,10 +2874,9 @@
           <a:lstStyle/>
           <a:p>
             <a:r>
-              <a:rPr lang="en-US" smtClean="0"/>
+              <a:rPr lang="en-US"/>
               <a:t>Click to edit Master title style</a:t>
             </a:r>
-            <a:endParaRPr lang="en-US"/>
           </a:p>
         </p:txBody>
       </p:sp>
@@ -2937,38 +2902,37 @@
           <a:p>
             <a:pPr lvl="0"/>
             <a:r>
-              <a:rPr lang="en-US" dirty="0" smtClean="0"/>
+              <a:rPr lang="en-US" dirty="0"/>
               <a:t>Click to edit Master text styles</a:t>
             </a:r>
           </a:p>
           <a:p>
             <a:pPr lvl="1"/>
             <a:r>
-              <a:rPr lang="en-US" dirty="0" smtClean="0"/>
+              <a:rPr lang="en-US" dirty="0"/>
               <a:t>Second level</a:t>
             </a:r>
           </a:p>
           <a:p>
             <a:pPr lvl="2"/>
             <a:r>
-              <a:rPr lang="en-US" dirty="0" smtClean="0"/>
+              <a:rPr lang="en-US" dirty="0"/>
               <a:t>Third level</a:t>
             </a:r>
           </a:p>
           <a:p>
             <a:pPr lvl="3"/>
             <a:r>
-              <a:rPr lang="en-US" dirty="0" smtClean="0"/>
+              <a:rPr lang="en-US" dirty="0"/>
               <a:t>Fourth level</a:t>
             </a:r>
           </a:p>
           <a:p>
             <a:pPr lvl="4"/>
             <a:r>
-              <a:rPr lang="en-US" dirty="0" smtClean="0"/>
+              <a:rPr lang="en-US" dirty="0"/>
               <a:t>Fifth level</a:t>
             </a:r>
-            <a:endParaRPr lang="en-US" dirty="0"/>
           </a:p>
         </p:txBody>
       </p:sp>
@@ -2989,7 +2953,7 @@
           <a:p>
             <a:fld id="{E22ED4DA-448D-4BB1-B935-CC112220207B}" type="datetime1">
               <a:rPr lang="en-US" smtClean="0"/>
-              <a:t>11/4/2015</a:t>
+              <a:t>10/29/2016</a:t>
             </a:fld>
             <a:endParaRPr lang="en-US"/>
           </a:p>
@@ -3079,7 +3043,7 @@
           <a:lstStyle/>
           <a:p>
             <a:pPr algn="ctr"/>
-            <a:endParaRPr lang="en-US" dirty="0" smtClean="0">
+            <a:endParaRPr lang="en-US" dirty="0">
               <a:solidFill>
                 <a:schemeClr val="tx1"/>
               </a:solidFill>
@@ -3110,11 +3074,11 @@
           <a:lstStyle/>
           <a:p>
             <a:r>
-              <a:rPr lang="en-US" dirty="0" smtClean="0"/>
+              <a:rPr lang="en-US" dirty="0"/>
               <a:t>Resize video to this</a:t>
             </a:r>
             <a:r>
-              <a:rPr lang="en-US" baseline="0" dirty="0" smtClean="0"/>
+              <a:rPr lang="en-US" baseline="0" dirty="0"/>
               <a:t> box.</a:t>
             </a:r>
             <a:endParaRPr lang="en-US" dirty="0"/>
@@ -3131,13 +3095,6 @@
   <p:clrMapOvr>
     <a:masterClrMapping/>
   </p:clrMapOvr>
-  <p:timing>
-    <p:tnLst>
-      <p:par>
-        <p:cTn id="1" dur="indefinite" restart="never" nodeType="tmRoot"/>
-      </p:par>
-    </p:tnLst>
-  </p:timing>
 </p:sldLayout>
 </file>
 
@@ -3174,10 +3131,9 @@
           <a:lstStyle/>
           <a:p>
             <a:r>
-              <a:rPr lang="en-US" smtClean="0"/>
+              <a:rPr lang="en-US"/>
               <a:t>Click to edit Master title style</a:t>
             </a:r>
-            <a:endParaRPr lang="en-US"/>
           </a:p>
         </p:txBody>
       </p:sp>
@@ -3206,38 +3162,37 @@
           <a:p>
             <a:pPr lvl="0"/>
             <a:r>
-              <a:rPr lang="en-US" dirty="0" smtClean="0"/>
+              <a:rPr lang="en-US" dirty="0"/>
               <a:t>Click to edit Master text styles</a:t>
             </a:r>
           </a:p>
           <a:p>
             <a:pPr lvl="1"/>
             <a:r>
-              <a:rPr lang="en-US" dirty="0" smtClean="0"/>
+              <a:rPr lang="en-US" dirty="0"/>
               <a:t>Second level</a:t>
             </a:r>
           </a:p>
           <a:p>
             <a:pPr lvl="2"/>
             <a:r>
-              <a:rPr lang="en-US" dirty="0" smtClean="0"/>
+              <a:rPr lang="en-US" dirty="0"/>
               <a:t>Third level</a:t>
             </a:r>
           </a:p>
           <a:p>
             <a:pPr lvl="3"/>
             <a:r>
-              <a:rPr lang="en-US" dirty="0" smtClean="0"/>
+              <a:rPr lang="en-US" dirty="0"/>
               <a:t>Fourth level</a:t>
             </a:r>
           </a:p>
           <a:p>
             <a:pPr lvl="4"/>
             <a:r>
-              <a:rPr lang="en-US" dirty="0" smtClean="0"/>
+              <a:rPr lang="en-US" dirty="0"/>
               <a:t>Fifth level</a:t>
             </a:r>
-            <a:endParaRPr lang="en-US" dirty="0"/>
           </a:p>
         </p:txBody>
       </p:sp>
@@ -3258,7 +3213,7 @@
           <a:p>
             <a:fld id="{FF5D65A6-AB94-4435-B0B7-3743215FA46C}" type="datetime1">
               <a:rPr lang="en-US" smtClean="0"/>
-              <a:t>11/4/2015</a:t>
+              <a:t>10/29/2016</a:t>
             </a:fld>
             <a:endParaRPr lang="en-US"/>
           </a:p>
@@ -3316,13 +3271,6 @@
   <p:clrMapOvr>
     <a:masterClrMapping/>
   </p:clrMapOvr>
-  <p:timing>
-    <p:tnLst>
-      <p:par>
-        <p:cTn id="1" dur="indefinite" restart="never" nodeType="tmRoot"/>
-      </p:par>
-    </p:tnLst>
-  </p:timing>
 </p:sldLayout>
 </file>
 
@@ -3359,10 +3307,9 @@
           <a:lstStyle/>
           <a:p>
             <a:r>
-              <a:rPr lang="en-US" smtClean="0"/>
+              <a:rPr lang="en-US"/>
               <a:t>Click to edit Master title style</a:t>
             </a:r>
-            <a:endParaRPr lang="en-US"/>
           </a:p>
         </p:txBody>
       </p:sp>
@@ -3420,38 +3367,37 @@
           <a:p>
             <a:pPr lvl="0"/>
             <a:r>
-              <a:rPr lang="en-US" dirty="0" smtClean="0"/>
+              <a:rPr lang="en-US" dirty="0"/>
               <a:t>Click to edit Master text styles</a:t>
             </a:r>
           </a:p>
           <a:p>
             <a:pPr lvl="1"/>
             <a:r>
-              <a:rPr lang="en-US" dirty="0" smtClean="0"/>
+              <a:rPr lang="en-US" dirty="0"/>
               <a:t>Second level</a:t>
             </a:r>
           </a:p>
           <a:p>
             <a:pPr lvl="2"/>
             <a:r>
-              <a:rPr lang="en-US" dirty="0" smtClean="0"/>
+              <a:rPr lang="en-US" dirty="0"/>
               <a:t>Third level</a:t>
             </a:r>
           </a:p>
           <a:p>
             <a:pPr lvl="3"/>
             <a:r>
-              <a:rPr lang="en-US" dirty="0" smtClean="0"/>
+              <a:rPr lang="en-US" dirty="0"/>
               <a:t>Fourth level</a:t>
             </a:r>
           </a:p>
           <a:p>
             <a:pPr lvl="4"/>
             <a:r>
-              <a:rPr lang="en-US" dirty="0" smtClean="0"/>
+              <a:rPr lang="en-US" dirty="0"/>
               <a:t>Fifth level</a:t>
             </a:r>
-            <a:endParaRPr lang="en-US" dirty="0"/>
           </a:p>
         </p:txBody>
       </p:sp>
@@ -3509,38 +3455,37 @@
           <a:p>
             <a:pPr lvl="0"/>
             <a:r>
-              <a:rPr lang="en-US" dirty="0" smtClean="0"/>
+              <a:rPr lang="en-US" dirty="0"/>
               <a:t>Click to edit Master text styles</a:t>
             </a:r>
           </a:p>
           <a:p>
             <a:pPr lvl="1"/>
             <a:r>
-              <a:rPr lang="en-US" dirty="0" smtClean="0"/>
+              <a:rPr lang="en-US" dirty="0"/>
               <a:t>Second level</a:t>
             </a:r>
           </a:p>
           <a:p>
             <a:pPr lvl="2"/>
             <a:r>
-              <a:rPr lang="en-US" dirty="0" smtClean="0"/>
+              <a:rPr lang="en-US" dirty="0"/>
               <a:t>Third level</a:t>
             </a:r>
           </a:p>
           <a:p>
             <a:pPr lvl="3"/>
             <a:r>
-              <a:rPr lang="en-US" dirty="0" smtClean="0"/>
+              <a:rPr lang="en-US" dirty="0"/>
               <a:t>Fourth level</a:t>
             </a:r>
           </a:p>
           <a:p>
             <a:pPr lvl="4"/>
             <a:r>
-              <a:rPr lang="en-US" dirty="0" smtClean="0"/>
+              <a:rPr lang="en-US" dirty="0"/>
               <a:t>Fifth level</a:t>
             </a:r>
-            <a:endParaRPr lang="en-US" dirty="0"/>
           </a:p>
         </p:txBody>
       </p:sp>
@@ -3561,7 +3506,7 @@
           <a:p>
             <a:fld id="{5D1846AD-9252-4647-9435-4C2AC365653A}" type="datetime1">
               <a:rPr lang="en-US" smtClean="0"/>
-              <a:t>11/4/2015</a:t>
+              <a:t>10/29/2016</a:t>
             </a:fld>
             <a:endParaRPr lang="en-US"/>
           </a:p>
@@ -3655,10 +3600,9 @@
           <a:lstStyle/>
           <a:p>
             <a:r>
-              <a:rPr lang="en-US" smtClean="0"/>
+              <a:rPr lang="en-US"/>
               <a:t>Click to edit Master title style</a:t>
             </a:r>
-            <a:endParaRPr lang="en-US"/>
           </a:p>
         </p:txBody>
       </p:sp>
@@ -3687,38 +3631,37 @@
           <a:p>
             <a:pPr lvl="0"/>
             <a:r>
-              <a:rPr lang="en-US" dirty="0" smtClean="0"/>
+              <a:rPr lang="en-US" dirty="0"/>
               <a:t>Click to edit Master text styles</a:t>
             </a:r>
           </a:p>
           <a:p>
             <a:pPr lvl="1"/>
             <a:r>
-              <a:rPr lang="en-US" dirty="0" smtClean="0"/>
+              <a:rPr lang="en-US" dirty="0"/>
               <a:t>Second level</a:t>
             </a:r>
           </a:p>
           <a:p>
             <a:pPr lvl="2"/>
             <a:r>
-              <a:rPr lang="en-US" dirty="0" smtClean="0"/>
+              <a:rPr lang="en-US" dirty="0"/>
               <a:t>Third level</a:t>
             </a:r>
           </a:p>
           <a:p>
             <a:pPr lvl="3"/>
             <a:r>
-              <a:rPr lang="en-US" dirty="0" smtClean="0"/>
+              <a:rPr lang="en-US" dirty="0"/>
               <a:t>Fourth level</a:t>
             </a:r>
           </a:p>
           <a:p>
             <a:pPr lvl="4"/>
             <a:r>
-              <a:rPr lang="en-US" dirty="0" smtClean="0"/>
+              <a:rPr lang="en-US" dirty="0"/>
               <a:t>Fifth level</a:t>
             </a:r>
-            <a:endParaRPr lang="en-US" dirty="0"/>
           </a:p>
         </p:txBody>
       </p:sp>
@@ -3739,7 +3682,7 @@
           <a:p>
             <a:fld id="{FF5D65A6-AB94-4435-B0B7-3743215FA46C}" type="datetime1">
               <a:rPr lang="en-US" smtClean="0"/>
-              <a:t>11/4/2015</a:t>
+              <a:t>10/29/2016</a:t>
             </a:fld>
             <a:endParaRPr lang="en-US"/>
           </a:p>
@@ -3846,13 +3789,6 @@
   <p:clrMapOvr>
     <a:masterClrMapping/>
   </p:clrMapOvr>
-  <p:timing>
-    <p:tnLst>
-      <p:par>
-        <p:cTn id="1" dur="indefinite" restart="never" nodeType="tmRoot"/>
-      </p:par>
-    </p:tnLst>
-  </p:timing>
 </p:sldLayout>
 </file>
 
@@ -3898,10 +3834,9 @@
           </a:lstStyle>
           <a:p>
             <a:r>
-              <a:rPr lang="en-US" smtClean="0"/>
+              <a:rPr lang="en-US"/>
               <a:t>Click to edit Master title style</a:t>
             </a:r>
-            <a:endParaRPr lang="en-US"/>
           </a:p>
         </p:txBody>
       </p:sp>
@@ -4018,7 +3953,7 @@
           <a:p>
             <a:pPr lvl="0"/>
             <a:r>
-              <a:rPr lang="en-US" smtClean="0"/>
+              <a:rPr lang="en-US"/>
               <a:t>Click to edit Master text styles</a:t>
             </a:r>
           </a:p>
@@ -4041,7 +3976,7 @@
           <a:p>
             <a:fld id="{7C193DC4-6EF0-48C9-B29C-616106A645E1}" type="datetime1">
               <a:rPr lang="en-US" smtClean="0"/>
-              <a:t>11/4/2015</a:t>
+              <a:t>10/29/2016</a:t>
             </a:fld>
             <a:endParaRPr lang="en-US"/>
           </a:p>
@@ -4135,10 +4070,9 @@
           <a:lstStyle/>
           <a:p>
             <a:r>
-              <a:rPr lang="en-US" smtClean="0"/>
+              <a:rPr lang="en-US"/>
               <a:t>Click to edit Master title style</a:t>
             </a:r>
-            <a:endParaRPr lang="en-US"/>
           </a:p>
         </p:txBody>
       </p:sp>
@@ -4192,38 +4126,37 @@
           <a:p>
             <a:pPr lvl="0"/>
             <a:r>
-              <a:rPr lang="en-US" smtClean="0"/>
+              <a:rPr lang="en-US"/>
               <a:t>Click to edit Master text styles</a:t>
             </a:r>
           </a:p>
           <a:p>
             <a:pPr lvl="1"/>
             <a:r>
-              <a:rPr lang="en-US" smtClean="0"/>
+              <a:rPr lang="en-US"/>
               <a:t>Second level</a:t>
             </a:r>
           </a:p>
           <a:p>
             <a:pPr lvl="2"/>
             <a:r>
-              <a:rPr lang="en-US" smtClean="0"/>
+              <a:rPr lang="en-US"/>
               <a:t>Third level</a:t>
             </a:r>
           </a:p>
           <a:p>
             <a:pPr lvl="3"/>
             <a:r>
-              <a:rPr lang="en-US" smtClean="0"/>
+              <a:rPr lang="en-US"/>
               <a:t>Fourth level</a:t>
             </a:r>
           </a:p>
           <a:p>
             <a:pPr lvl="4"/>
             <a:r>
-              <a:rPr lang="en-US" smtClean="0"/>
+              <a:rPr lang="en-US"/>
               <a:t>Fifth level</a:t>
             </a:r>
-            <a:endParaRPr lang="en-US"/>
           </a:p>
         </p:txBody>
       </p:sp>
@@ -4277,38 +4210,37 @@
           <a:p>
             <a:pPr lvl="0"/>
             <a:r>
-              <a:rPr lang="en-US" smtClean="0"/>
+              <a:rPr lang="en-US"/>
               <a:t>Click to edit Master text styles</a:t>
             </a:r>
           </a:p>
           <a:p>
             <a:pPr lvl="1"/>
             <a:r>
-              <a:rPr lang="en-US" smtClean="0"/>
+              <a:rPr lang="en-US"/>
               <a:t>Second level</a:t>
             </a:r>
           </a:p>
           <a:p>
             <a:pPr lvl="2"/>
             <a:r>
-              <a:rPr lang="en-US" smtClean="0"/>
+              <a:rPr lang="en-US"/>
               <a:t>Third level</a:t>
             </a:r>
           </a:p>
           <a:p>
             <a:pPr lvl="3"/>
             <a:r>
-              <a:rPr lang="en-US" smtClean="0"/>
+              <a:rPr lang="en-US"/>
               <a:t>Fourth level</a:t>
             </a:r>
           </a:p>
           <a:p>
             <a:pPr lvl="4"/>
             <a:r>
-              <a:rPr lang="en-US" smtClean="0"/>
+              <a:rPr lang="en-US"/>
               <a:t>Fifth level</a:t>
             </a:r>
-            <a:endParaRPr lang="en-US"/>
           </a:p>
         </p:txBody>
       </p:sp>
@@ -4329,7 +4261,7 @@
           <a:p>
             <a:fld id="{5D1846AD-9252-4647-9435-4C2AC365653A}" type="datetime1">
               <a:rPr lang="en-US" smtClean="0"/>
-              <a:t>11/4/2015</a:t>
+              <a:t>10/29/2016</a:t>
             </a:fld>
             <a:endParaRPr lang="en-US"/>
           </a:p>
@@ -4427,10 +4359,9 @@
           </a:lstStyle>
           <a:p>
             <a:r>
-              <a:rPr lang="en-US" smtClean="0"/>
+              <a:rPr lang="en-US"/>
               <a:t>Click to edit Master title style</a:t>
             </a:r>
-            <a:endParaRPr lang="en-US"/>
           </a:p>
         </p:txBody>
       </p:sp>
@@ -4493,7 +4424,7 @@
           <a:p>
             <a:pPr lvl="0"/>
             <a:r>
-              <a:rPr lang="en-US" smtClean="0"/>
+              <a:rPr lang="en-US"/>
               <a:t>Click to edit Master text styles</a:t>
             </a:r>
           </a:p>
@@ -4549,38 +4480,37 @@
           <a:p>
             <a:pPr lvl="0"/>
             <a:r>
-              <a:rPr lang="en-US" smtClean="0"/>
+              <a:rPr lang="en-US"/>
               <a:t>Click to edit Master text styles</a:t>
             </a:r>
           </a:p>
           <a:p>
             <a:pPr lvl="1"/>
             <a:r>
-              <a:rPr lang="en-US" smtClean="0"/>
+              <a:rPr lang="en-US"/>
               <a:t>Second level</a:t>
             </a:r>
           </a:p>
           <a:p>
             <a:pPr lvl="2"/>
             <a:r>
-              <a:rPr lang="en-US" smtClean="0"/>
+              <a:rPr lang="en-US"/>
               <a:t>Third level</a:t>
             </a:r>
           </a:p>
           <a:p>
             <a:pPr lvl="3"/>
             <a:r>
-              <a:rPr lang="en-US" smtClean="0"/>
+              <a:rPr lang="en-US"/>
               <a:t>Fourth level</a:t>
             </a:r>
           </a:p>
           <a:p>
             <a:pPr lvl="4"/>
             <a:r>
-              <a:rPr lang="en-US" smtClean="0"/>
+              <a:rPr lang="en-US"/>
               <a:t>Fifth level</a:t>
             </a:r>
-            <a:endParaRPr lang="en-US"/>
           </a:p>
         </p:txBody>
       </p:sp>
@@ -4643,7 +4573,7 @@
           <a:p>
             <a:pPr lvl="0"/>
             <a:r>
-              <a:rPr lang="en-US" smtClean="0"/>
+              <a:rPr lang="en-US"/>
               <a:t>Click to edit Master text styles</a:t>
             </a:r>
           </a:p>
@@ -4699,38 +4629,37 @@
           <a:p>
             <a:pPr lvl="0"/>
             <a:r>
-              <a:rPr lang="en-US" smtClean="0"/>
+              <a:rPr lang="en-US"/>
               <a:t>Click to edit Master text styles</a:t>
             </a:r>
           </a:p>
           <a:p>
             <a:pPr lvl="1"/>
             <a:r>
-              <a:rPr lang="en-US" smtClean="0"/>
+              <a:rPr lang="en-US"/>
               <a:t>Second level</a:t>
             </a:r>
           </a:p>
           <a:p>
             <a:pPr lvl="2"/>
             <a:r>
-              <a:rPr lang="en-US" smtClean="0"/>
+              <a:rPr lang="en-US"/>
               <a:t>Third level</a:t>
             </a:r>
           </a:p>
           <a:p>
             <a:pPr lvl="3"/>
             <a:r>
-              <a:rPr lang="en-US" smtClean="0"/>
+              <a:rPr lang="en-US"/>
               <a:t>Fourth level</a:t>
             </a:r>
           </a:p>
           <a:p>
             <a:pPr lvl="4"/>
             <a:r>
-              <a:rPr lang="en-US" smtClean="0"/>
+              <a:rPr lang="en-US"/>
               <a:t>Fifth level</a:t>
             </a:r>
-            <a:endParaRPr lang="en-US"/>
           </a:p>
         </p:txBody>
       </p:sp>
@@ -4751,7 +4680,7 @@
           <a:p>
             <a:fld id="{CE56DC10-3561-4063-A6AF-C1CC7A41040A}" type="datetime1">
               <a:rPr lang="en-US" smtClean="0"/>
-              <a:t>11/4/2015</a:t>
+              <a:t>10/29/2016</a:t>
             </a:fld>
             <a:endParaRPr lang="en-US"/>
           </a:p>
@@ -4872,10 +4801,9 @@
           <a:lstStyle/>
           <a:p>
             <a:r>
-              <a:rPr lang="en-US" smtClean="0"/>
+              <a:rPr lang="en-US"/>
               <a:t>Click to edit Master title style</a:t>
             </a:r>
-            <a:endParaRPr lang="en-US"/>
           </a:p>
         </p:txBody>
       </p:sp>
@@ -4906,38 +4834,37 @@
           <a:p>
             <a:pPr lvl="0"/>
             <a:r>
-              <a:rPr lang="en-US" smtClean="0"/>
+              <a:rPr lang="en-US"/>
               <a:t>Click to edit Master text styles</a:t>
             </a:r>
           </a:p>
           <a:p>
             <a:pPr lvl="1"/>
             <a:r>
-              <a:rPr lang="en-US" smtClean="0"/>
+              <a:rPr lang="en-US"/>
               <a:t>Second level</a:t>
             </a:r>
           </a:p>
           <a:p>
             <a:pPr lvl="2"/>
             <a:r>
-              <a:rPr lang="en-US" smtClean="0"/>
+              <a:rPr lang="en-US"/>
               <a:t>Third level</a:t>
             </a:r>
           </a:p>
           <a:p>
             <a:pPr lvl="3"/>
             <a:r>
-              <a:rPr lang="en-US" smtClean="0"/>
+              <a:rPr lang="en-US"/>
               <a:t>Fourth level</a:t>
             </a:r>
           </a:p>
           <a:p>
             <a:pPr lvl="4"/>
             <a:r>
-              <a:rPr lang="en-US" smtClean="0"/>
+              <a:rPr lang="en-US"/>
               <a:t>Fifth level</a:t>
             </a:r>
-            <a:endParaRPr lang="en-US"/>
           </a:p>
         </p:txBody>
       </p:sp>
@@ -4976,7 +4903,7 @@
           <a:p>
             <a:fld id="{02B3F677-983B-48DB-ADFD-63FE6CBC7FB2}" type="datetime1">
               <a:rPr lang="en-US" smtClean="0"/>
-              <a:t>11/4/2015</a:t>
+              <a:t>10/29/2016</a:t>
             </a:fld>
             <a:endParaRPr lang="en-US"/>
           </a:p>
@@ -5085,13 +5012,6 @@
     <p:sldLayoutId id="2147483687" r:id="rId14"/>
     <p:sldLayoutId id="2147483688" r:id="rId15"/>
   </p:sldLayoutIdLst>
-  <p:timing>
-    <p:tnLst>
-      <p:par>
-        <p:cTn id="1" dur="indefinite" restart="never" nodeType="tmRoot"/>
-      </p:par>
-    </p:tnLst>
-  </p:timing>
   <p:hf hdr="0" ftr="0" dt="0"/>
   <p:txStyles>
     <p:titleStyle>
@@ -5379,10 +5299,9 @@
           <a:lstStyle/>
           <a:p>
             <a:r>
-              <a:rPr lang="en-US" dirty="0" smtClean="0"/>
+              <a:rPr lang="en-US" dirty="0"/>
               <a:t>Classes, Objects, and Interfaces</a:t>
             </a:r>
-            <a:endParaRPr lang="en-US" dirty="0"/>
           </a:p>
         </p:txBody>
       </p:sp>
@@ -5402,38 +5321,29 @@
           <a:lstStyle/>
           <a:p>
             <a:r>
-              <a:rPr lang="en-US" dirty="0" smtClean="0"/>
+              <a:rPr lang="en-US" dirty="0"/>
               <a:t>CS 5010 Program Design Paradigms</a:t>
             </a:r>
           </a:p>
           <a:p>
             <a:r>
-              <a:rPr lang="en-US" dirty="0" smtClean="0"/>
+              <a:rPr lang="en-US" dirty="0"/>
               <a:t>"</a:t>
             </a:r>
             <a:r>
-              <a:rPr lang="en-US" dirty="0" err="1" smtClean="0"/>
+              <a:rPr lang="en-US" dirty="0" err="1"/>
               <a:t>Bootcamp</a:t>
             </a:r>
             <a:r>
-              <a:rPr lang="en-US" dirty="0" smtClean="0"/>
+              <a:rPr lang="en-US" dirty="0"/>
               <a:t>"</a:t>
             </a:r>
           </a:p>
           <a:p>
             <a:r>
-              <a:rPr lang="en-US" dirty="0" smtClean="0"/>
-              <a:t>Lesson </a:t>
-            </a:r>
-            <a:r>
-              <a:rPr lang="en-US" dirty="0"/>
-              <a:t>9</a:t>
-            </a:r>
-            <a:r>
-              <a:rPr lang="en-US" dirty="0" smtClean="0"/>
-              <a:t>.1</a:t>
-            </a:r>
-            <a:endParaRPr lang="en-US" dirty="0"/>
+              <a:rPr lang="en-US" dirty="0"/>
+              <a:t>Lesson 9.1</a:t>
+            </a:r>
           </a:p>
         </p:txBody>
       </p:sp>
@@ -5529,27 +5439,13 @@
             <a:p>
               <a:r>
                 <a:rPr lang="en-US" sz="1000" dirty="0"/>
-                <a:t>© Mitchell Wand, </a:t>
-              </a:r>
-              <a:r>
-                <a:rPr lang="en-US" sz="1000" dirty="0" smtClean="0"/>
-                <a:t>2012-2015</a:t>
+                <a:t>© Mitchell Wand, 2012-2015</a:t>
               </a:r>
             </a:p>
             <a:p>
               <a:r>
-                <a:rPr lang="en-US" sz="1000" dirty="0" smtClean="0"/>
+                <a:rPr lang="en-US" sz="1000" dirty="0"/>
                 <a:t>This work is licensed under a </a:t>
-              </a:r>
-              <a:r>
-                <a:rPr lang="en-US" altLang="en-US" sz="1000" dirty="0" smtClean="0">
-                  <a:solidFill>
-                    <a:srgbClr val="4374B7"/>
-                  </a:solidFill>
-                  <a:latin typeface="Helvetica Neue"/>
-                  <a:hlinkClick r:id="rId4"/>
-                </a:rPr>
-                <a:t>Creative </a:t>
               </a:r>
               <a:r>
                 <a:rPr lang="en-US" altLang="en-US" sz="1000" dirty="0">
@@ -5559,7 +5455,7 @@
                   <a:latin typeface="Helvetica Neue"/>
                   <a:hlinkClick r:id="rId4"/>
                 </a:rPr>
-                <a:t>Commons Attribution-</a:t>
+                <a:t>Creative Commons Attribution-</a:t>
               </a:r>
               <a:r>
                 <a:rPr lang="en-US" altLang="en-US" sz="1000" dirty="0" err="1">
@@ -5582,10 +5478,9 @@
                 <a:t> 4.0 International License</a:t>
               </a:r>
               <a:r>
-                <a:rPr lang="en-US" sz="1000" dirty="0" smtClean="0"/>
+                <a:rPr lang="en-US" sz="1000" dirty="0"/>
                 <a:t>.</a:t>
               </a:r>
-              <a:endParaRPr lang="en-US" sz="1000" dirty="0"/>
             </a:p>
           </p:txBody>
         </p:sp>
@@ -5595,13 +5490,6 @@
   <p:clrMapOvr>
     <a:masterClrMapping/>
   </p:clrMapOvr>
-  <p:timing>
-    <p:tnLst>
-      <p:par>
-        <p:cTn id="1" dur="indefinite" restart="never" nodeType="tmRoot"/>
-      </p:par>
-    </p:tnLst>
-  </p:timing>
 </p:sld>
 </file>
 
@@ -5638,10 +5526,9 @@
           <a:lstStyle/>
           <a:p>
             <a:r>
-              <a:rPr lang="en-US" dirty="0" smtClean="0"/>
+              <a:rPr lang="en-US" dirty="0"/>
               <a:t>Every object knows its class (2)</a:t>
             </a:r>
-            <a:endParaRPr lang="en-US" dirty="0"/>
           </a:p>
         </p:txBody>
       </p:sp>
@@ -5712,7 +5599,7 @@
           <a:p>
             <a:pPr algn="ctr"/>
             <a:r>
-              <a:rPr lang="en-US" b="1" dirty="0" smtClean="0">
+              <a:rPr lang="en-US" b="1" dirty="0">
                 <a:solidFill>
                   <a:schemeClr val="tx1"/>
                 </a:solidFill>
@@ -5725,7 +5612,7 @@
           <a:p>
             <a:pPr algn="ctr"/>
             <a:r>
-              <a:rPr lang="en-US" b="1" dirty="0" smtClean="0">
+              <a:rPr lang="en-US" b="1" dirty="0">
                 <a:solidFill>
                   <a:schemeClr val="tx1"/>
                 </a:solidFill>
@@ -5738,7 +5625,7 @@
           <a:p>
             <a:pPr algn="ctr"/>
             <a:r>
-              <a:rPr lang="en-US" b="1" dirty="0" smtClean="0">
+              <a:rPr lang="en-US" b="1" dirty="0">
                 <a:solidFill>
                   <a:schemeClr val="tx1"/>
                 </a:solidFill>
@@ -5793,7 +5680,7 @@
           <a:p>
             <a:pPr algn="ctr"/>
             <a:r>
-              <a:rPr lang="en-US" b="1" dirty="0" smtClean="0">
+              <a:rPr lang="en-US" b="1" dirty="0">
                 <a:solidFill>
                   <a:schemeClr val="tx1"/>
                 </a:solidFill>
@@ -5806,7 +5693,7 @@
           <a:p>
             <a:pPr algn="ctr"/>
             <a:r>
-              <a:rPr lang="en-US" b="1" dirty="0" smtClean="0">
+              <a:rPr lang="en-US" b="1" dirty="0">
                 <a:solidFill>
                   <a:schemeClr val="tx1"/>
                 </a:solidFill>
@@ -5819,7 +5706,7 @@
           <a:p>
             <a:pPr algn="ctr"/>
             <a:r>
-              <a:rPr lang="en-US" b="1" dirty="0" smtClean="0">
+              <a:rPr lang="en-US" b="1" dirty="0">
                 <a:solidFill>
                   <a:schemeClr val="tx1"/>
                 </a:solidFill>
@@ -5873,7 +5760,7 @@
           <a:lstStyle/>
           <a:p>
             <a:r>
-              <a:rPr lang="en-US" sz="1400" b="1" dirty="0" smtClean="0">
+              <a:rPr lang="en-US" sz="1400" b="1" dirty="0">
                 <a:solidFill>
                   <a:schemeClr val="tx1"/>
                 </a:solidFill>
@@ -5885,7 +5772,7 @@
           </a:p>
           <a:p>
             <a:r>
-              <a:rPr lang="en-US" sz="1400" b="1" dirty="0" smtClean="0">
+              <a:rPr lang="en-US" sz="1400" b="1" dirty="0">
                 <a:solidFill>
                   <a:schemeClr val="tx1"/>
                 </a:solidFill>
@@ -5904,44 +5791,24 @@
                 <a:latin typeface="Consolas" pitchFamily="49" charset="0"/>
                 <a:cs typeface="Consolas" pitchFamily="49" charset="0"/>
               </a:rPr>
-              <a:t> </a:t>
-            </a:r>
-            <a:r>
-              <a:rPr lang="en-US" sz="1400" b="1" dirty="0" smtClean="0">
+              <a:t> (define/public (foo) (+ x y))</a:t>
+            </a:r>
+          </a:p>
+          <a:p>
+            <a:r>
+              <a:rPr lang="en-US" sz="1400" b="1" dirty="0">
                 <a:solidFill>
                   <a:schemeClr val="tx1"/>
                 </a:solidFill>
                 <a:latin typeface="Consolas" pitchFamily="49" charset="0"/>
                 <a:cs typeface="Consolas" pitchFamily="49" charset="0"/>
               </a:rPr>
-              <a:t>(define/public (foo) (+ x y))</a:t>
+              <a:t> (define/public (bar n) (+ r n))</a:t>
             </a:r>
           </a:p>
           <a:p>
             <a:r>
               <a:rPr lang="en-US" sz="1400" b="1" dirty="0">
-                <a:solidFill>
-                  <a:schemeClr val="tx1"/>
-                </a:solidFill>
-                <a:latin typeface="Consolas" pitchFamily="49" charset="0"/>
-                <a:cs typeface="Consolas" pitchFamily="49" charset="0"/>
-              </a:rPr>
-              <a:t> </a:t>
-            </a:r>
-            <a:r>
-              <a:rPr lang="en-US" sz="1400" b="1" dirty="0" smtClean="0">
-                <a:solidFill>
-                  <a:schemeClr val="tx1"/>
-                </a:solidFill>
-                <a:latin typeface="Consolas" pitchFamily="49" charset="0"/>
-                <a:cs typeface="Consolas" pitchFamily="49" charset="0"/>
-              </a:rPr>
-              <a:t>(define/public (bar n) (+ r n))</a:t>
-            </a:r>
-          </a:p>
-          <a:p>
-            <a:r>
-              <a:rPr lang="en-US" sz="1400" b="1" dirty="0" smtClean="0">
                 <a:solidFill>
                   <a:schemeClr val="tx1"/>
                 </a:solidFill>
@@ -6066,10 +5933,9 @@
             <a:lstStyle/>
             <a:p>
               <a:r>
-                <a:rPr lang="en-US" dirty="0" smtClean="0"/>
+                <a:rPr lang="en-US" dirty="0"/>
                 <a:t>obj1</a:t>
               </a:r>
-              <a:endParaRPr lang="en-US" dirty="0"/>
             </a:p>
           </p:txBody>
         </p:sp>
@@ -6149,10 +6015,9 @@
             <a:lstStyle/>
             <a:p>
               <a:r>
-                <a:rPr lang="en-US" dirty="0" smtClean="0"/>
+                <a:rPr lang="en-US" dirty="0"/>
                 <a:t>obj2</a:t>
               </a:r>
-              <a:endParaRPr lang="en-US" dirty="0"/>
             </a:p>
           </p:txBody>
         </p:sp>
@@ -6210,12 +6075,14 @@
             <a:avLst/>
           </a:prstGeom>
           <a:solidFill>
-            <a:schemeClr val="accent3">
-              <a:lumMod val="40000"/>
-              <a:lumOff val="60000"/>
+            <a:schemeClr val="accent1">
+              <a:lumMod val="20000"/>
+              <a:lumOff val="80000"/>
             </a:schemeClr>
           </a:solidFill>
-          <a:ln/>
+          <a:ln>
+            <a:noFill/>
+          </a:ln>
         </p:spPr>
         <p:style>
           <a:lnRef idx="2">
@@ -6241,7 +6108,7 @@
           <a:lstStyle/>
           <a:p>
             <a:r>
-              <a:rPr lang="en-US" sz="2000" dirty="0" smtClean="0">
+              <a:rPr lang="en-US" sz="2000" dirty="0">
                 <a:solidFill>
                   <a:schemeClr val="tx1"/>
                 </a:solidFill>
@@ -6258,7 +6125,7 @@
           </a:p>
           <a:p>
             <a:r>
-              <a:rPr lang="en-US" sz="2000" b="1" dirty="0" smtClean="0">
+              <a:rPr lang="en-US" sz="2000" b="1" dirty="0">
                 <a:solidFill>
                   <a:schemeClr val="tx1"/>
                 </a:solidFill>
@@ -6266,7 +6133,7 @@
               <a:t>(send obj1 foo) </a:t>
             </a:r>
             <a:r>
-              <a:rPr lang="en-US" sz="2000" dirty="0" smtClean="0">
+              <a:rPr lang="en-US" sz="2000" dirty="0">
                 <a:solidFill>
                   <a:schemeClr val="tx1"/>
                 </a:solidFill>
@@ -6276,7 +6143,7 @@
           </a:p>
           <a:p>
             <a:r>
-              <a:rPr lang="en-US" sz="2000" b="1" dirty="0" smtClean="0">
+              <a:rPr lang="en-US" sz="2000" b="1" dirty="0">
                 <a:solidFill>
                   <a:schemeClr val="tx1"/>
                 </a:solidFill>
@@ -6284,7 +6151,7 @@
               <a:t>(send obj2 foo) </a:t>
             </a:r>
             <a:r>
-              <a:rPr lang="en-US" sz="2000" dirty="0" smtClean="0">
+              <a:rPr lang="en-US" sz="2000" dirty="0">
                 <a:solidFill>
                   <a:schemeClr val="tx1"/>
                 </a:solidFill>
@@ -6293,7 +6160,7 @@
             </a:r>
           </a:p>
           <a:p>
-            <a:endParaRPr lang="en-US" sz="2000" dirty="0" smtClean="0">
+            <a:endParaRPr lang="en-US" sz="2000" dirty="0">
               <a:solidFill>
                 <a:schemeClr val="tx1"/>
               </a:solidFill>
@@ -6311,13 +6178,6 @@
   <p:clrMapOvr>
     <a:masterClrMapping/>
   </p:clrMapOvr>
-  <p:timing>
-    <p:tnLst>
-      <p:par>
-        <p:cTn id="1" dur="indefinite" restart="never" nodeType="tmRoot"/>
-      </p:par>
-    </p:tnLst>
-  </p:timing>
 </p:sld>
 </file>
 
@@ -6354,10 +6214,9 @@
           <a:lstStyle/>
           <a:p>
             <a:r>
-              <a:rPr lang="en-US" dirty="0" smtClean="0"/>
+              <a:rPr lang="en-US" dirty="0"/>
               <a:t>Every object knows its class (3)</a:t>
             </a:r>
-            <a:endParaRPr lang="en-US" dirty="0"/>
           </a:p>
         </p:txBody>
       </p:sp>
@@ -6428,7 +6287,7 @@
           <a:p>
             <a:pPr algn="ctr"/>
             <a:r>
-              <a:rPr lang="en-US" b="1" dirty="0" smtClean="0">
+              <a:rPr lang="en-US" b="1" dirty="0">
                 <a:solidFill>
                   <a:schemeClr val="tx1"/>
                 </a:solidFill>
@@ -6441,7 +6300,7 @@
           <a:p>
             <a:pPr algn="ctr"/>
             <a:r>
-              <a:rPr lang="en-US" b="1" dirty="0" smtClean="0">
+              <a:rPr lang="en-US" b="1" dirty="0">
                 <a:solidFill>
                   <a:schemeClr val="tx1"/>
                 </a:solidFill>
@@ -6454,7 +6313,7 @@
           <a:p>
             <a:pPr algn="ctr"/>
             <a:r>
-              <a:rPr lang="en-US" b="1" dirty="0" smtClean="0">
+              <a:rPr lang="en-US" b="1" dirty="0">
                 <a:solidFill>
                   <a:schemeClr val="tx1"/>
                 </a:solidFill>
@@ -6509,7 +6368,7 @@
           <a:p>
             <a:pPr algn="ctr"/>
             <a:r>
-              <a:rPr lang="en-US" b="1" dirty="0" smtClean="0">
+              <a:rPr lang="en-US" b="1" dirty="0">
                 <a:solidFill>
                   <a:schemeClr val="tx1"/>
                 </a:solidFill>
@@ -6522,7 +6381,7 @@
           <a:p>
             <a:pPr algn="ctr"/>
             <a:r>
-              <a:rPr lang="en-US" b="1" dirty="0" smtClean="0">
+              <a:rPr lang="en-US" b="1" dirty="0">
                 <a:solidFill>
                   <a:schemeClr val="tx1"/>
                 </a:solidFill>
@@ -6535,7 +6394,7 @@
           <a:p>
             <a:pPr algn="ctr"/>
             <a:r>
-              <a:rPr lang="en-US" b="1" dirty="0" smtClean="0">
+              <a:rPr lang="en-US" b="1" dirty="0">
                 <a:solidFill>
                   <a:schemeClr val="tx1"/>
                 </a:solidFill>
@@ -6589,7 +6448,7 @@
           <a:lstStyle/>
           <a:p>
             <a:r>
-              <a:rPr lang="en-US" sz="1400" b="1" dirty="0" smtClean="0">
+              <a:rPr lang="en-US" sz="1400" b="1" dirty="0">
                 <a:solidFill>
                   <a:schemeClr val="tx1"/>
                 </a:solidFill>
@@ -6601,7 +6460,7 @@
           </a:p>
           <a:p>
             <a:r>
-              <a:rPr lang="en-US" sz="1400" b="1" dirty="0" smtClean="0">
+              <a:rPr lang="en-US" sz="1400" b="1" dirty="0">
                 <a:solidFill>
                   <a:schemeClr val="tx1"/>
                 </a:solidFill>
@@ -6620,44 +6479,24 @@
                 <a:latin typeface="Consolas" pitchFamily="49" charset="0"/>
                 <a:cs typeface="Consolas" pitchFamily="49" charset="0"/>
               </a:rPr>
-              <a:t> </a:t>
-            </a:r>
-            <a:r>
-              <a:rPr lang="en-US" sz="1400" b="1" dirty="0" smtClean="0">
+              <a:t> (define/public (foo) (+ x y))</a:t>
+            </a:r>
+          </a:p>
+          <a:p>
+            <a:r>
+              <a:rPr lang="en-US" sz="1400" b="1" dirty="0">
                 <a:solidFill>
                   <a:schemeClr val="tx1"/>
                 </a:solidFill>
                 <a:latin typeface="Consolas" pitchFamily="49" charset="0"/>
                 <a:cs typeface="Consolas" pitchFamily="49" charset="0"/>
               </a:rPr>
-              <a:t>(define/public (foo) (+ x y))</a:t>
+              <a:t> (define/public (bar n) (+ r n))</a:t>
             </a:r>
           </a:p>
           <a:p>
             <a:r>
               <a:rPr lang="en-US" sz="1400" b="1" dirty="0">
-                <a:solidFill>
-                  <a:schemeClr val="tx1"/>
-                </a:solidFill>
-                <a:latin typeface="Consolas" pitchFamily="49" charset="0"/>
-                <a:cs typeface="Consolas" pitchFamily="49" charset="0"/>
-              </a:rPr>
-              <a:t> </a:t>
-            </a:r>
-            <a:r>
-              <a:rPr lang="en-US" sz="1400" b="1" dirty="0" smtClean="0">
-                <a:solidFill>
-                  <a:schemeClr val="tx1"/>
-                </a:solidFill>
-                <a:latin typeface="Consolas" pitchFamily="49" charset="0"/>
-                <a:cs typeface="Consolas" pitchFamily="49" charset="0"/>
-              </a:rPr>
-              <a:t>(define/public (bar n) (+ r n))</a:t>
-            </a:r>
-          </a:p>
-          <a:p>
-            <a:r>
-              <a:rPr lang="en-US" sz="1400" b="1" dirty="0" smtClean="0">
                 <a:solidFill>
                   <a:schemeClr val="tx1"/>
                 </a:solidFill>
@@ -6782,10 +6621,9 @@
             <a:lstStyle/>
             <a:p>
               <a:r>
-                <a:rPr lang="en-US" dirty="0" smtClean="0"/>
+                <a:rPr lang="en-US" dirty="0"/>
                 <a:t>obj1</a:t>
               </a:r>
-              <a:endParaRPr lang="en-US" dirty="0"/>
             </a:p>
           </p:txBody>
         </p:sp>
@@ -6865,10 +6703,9 @@
             <a:lstStyle/>
             <a:p>
               <a:r>
-                <a:rPr lang="en-US" dirty="0" smtClean="0"/>
+                <a:rPr lang="en-US" dirty="0"/>
                 <a:t>obj2</a:t>
               </a:r>
-              <a:endParaRPr lang="en-US" dirty="0"/>
             </a:p>
           </p:txBody>
         </p:sp>
@@ -6926,12 +6763,14 @@
             <a:avLst/>
           </a:prstGeom>
           <a:solidFill>
-            <a:schemeClr val="accent3">
-              <a:lumMod val="40000"/>
-              <a:lumOff val="60000"/>
+            <a:schemeClr val="accent1">
+              <a:lumMod val="20000"/>
+              <a:lumOff val="80000"/>
             </a:schemeClr>
           </a:solidFill>
-          <a:ln/>
+          <a:ln>
+            <a:noFill/>
+          </a:ln>
         </p:spPr>
         <p:style>
           <a:lnRef idx="2">
@@ -7005,15 +6844,7 @@
                   <a:schemeClr val="tx1"/>
                 </a:solidFill>
               </a:rPr>
-              <a:t>obj2 bar </a:t>
-            </a:r>
-            <a:r>
-              <a:rPr lang="en-US" sz="2000" b="1" smtClean="0">
-                <a:solidFill>
-                  <a:schemeClr val="tx1"/>
-                </a:solidFill>
-              </a:rPr>
-              <a:t>8</a:t>
+              <a:t>obj2 bar 8</a:t>
             </a:r>
             <a:r>
               <a:rPr lang="en-US" sz="2000" b="1" dirty="0">
@@ -7051,13 +6882,6 @@
   <p:clrMapOvr>
     <a:masterClrMapping/>
   </p:clrMapOvr>
-  <p:timing>
-    <p:tnLst>
-      <p:par>
-        <p:cTn id="1" dur="indefinite" restart="never" nodeType="tmRoot"/>
-      </p:par>
-    </p:tnLst>
-  </p:timing>
 </p:sld>
 </file>
 
@@ -7094,10 +6918,9 @@
           <a:lstStyle/>
           <a:p>
             <a:r>
-              <a:rPr lang="en-US" dirty="0" smtClean="0"/>
+              <a:rPr lang="en-US" dirty="0"/>
               <a:t>Every object knows its class (4)</a:t>
             </a:r>
-            <a:endParaRPr lang="en-US" dirty="0"/>
           </a:p>
         </p:txBody>
       </p:sp>
@@ -7167,7 +6990,7 @@
           <a:lstStyle/>
           <a:p>
             <a:r>
-              <a:rPr lang="en-US" sz="1400" b="1" dirty="0" smtClean="0">
+              <a:rPr lang="en-US" sz="1400" b="1" dirty="0">
                 <a:solidFill>
                   <a:schemeClr val="tx1"/>
                 </a:solidFill>
@@ -7179,7 +7002,7 @@
           </a:p>
           <a:p>
             <a:r>
-              <a:rPr lang="en-US" sz="1400" b="1" dirty="0" smtClean="0">
+              <a:rPr lang="en-US" sz="1400" b="1" dirty="0">
                 <a:solidFill>
                   <a:schemeClr val="tx1"/>
                 </a:solidFill>
@@ -7198,17 +7021,19 @@
                 <a:latin typeface="Consolas" pitchFamily="49" charset="0"/>
                 <a:cs typeface="Consolas" pitchFamily="49" charset="0"/>
               </a:rPr>
-              <a:t> </a:t>
-            </a:r>
-            <a:r>
-              <a:rPr lang="en-US" sz="1400" b="1" dirty="0" smtClean="0">
+              <a:t> (define/public (foo) (+ x y))</a:t>
+            </a:r>
+          </a:p>
+          <a:p>
+            <a:r>
+              <a:rPr lang="en-US" sz="1400" b="1" dirty="0">
                 <a:solidFill>
                   <a:schemeClr val="tx1"/>
                 </a:solidFill>
                 <a:latin typeface="Consolas" pitchFamily="49" charset="0"/>
                 <a:cs typeface="Consolas" pitchFamily="49" charset="0"/>
               </a:rPr>
-              <a:t>(define/public (foo) (+ x y))</a:t>
+              <a:t> (define/public (bar n) (+ r n))</a:t>
             </a:r>
           </a:p>
           <a:p>
@@ -7220,20 +7045,18 @@
                 <a:latin typeface="Consolas" pitchFamily="49" charset="0"/>
                 <a:cs typeface="Consolas" pitchFamily="49" charset="0"/>
               </a:rPr>
-              <a:t> </a:t>
-            </a:r>
-            <a:r>
-              <a:rPr lang="en-US" sz="1400" b="1" dirty="0" smtClean="0">
+              <a:t> (define/public (</a:t>
+            </a:r>
+            <a:r>
+              <a:rPr lang="en-US" sz="1400" b="1" dirty="0" err="1">
                 <a:solidFill>
                   <a:schemeClr val="tx1"/>
                 </a:solidFill>
                 <a:latin typeface="Consolas" pitchFamily="49" charset="0"/>
                 <a:cs typeface="Consolas" pitchFamily="49" charset="0"/>
               </a:rPr>
-              <a:t>(define/public (bar n) (+ r n))</a:t>
-            </a:r>
-          </a:p>
-          <a:p>
+              <a:t>baz</a:t>
+            </a:r>
             <a:r>
               <a:rPr lang="en-US" sz="1400" b="1" dirty="0">
                 <a:solidFill>
@@ -7242,64 +7065,24 @@
                 <a:latin typeface="Consolas" pitchFamily="49" charset="0"/>
                 <a:cs typeface="Consolas" pitchFamily="49" charset="0"/>
               </a:rPr>
-              <a:t> </a:t>
-            </a:r>
-            <a:r>
-              <a:rPr lang="en-US" sz="1400" b="1" dirty="0" smtClean="0">
+              <a:t> n) (+ (send this foo)</a:t>
+            </a:r>
+          </a:p>
+          <a:p>
+            <a:r>
+              <a:rPr lang="en-US" sz="1400" b="1" dirty="0">
                 <a:solidFill>
                   <a:schemeClr val="tx1"/>
                 </a:solidFill>
                 <a:latin typeface="Consolas" pitchFamily="49" charset="0"/>
                 <a:cs typeface="Consolas" pitchFamily="49" charset="0"/>
               </a:rPr>
-              <a:t>(define/public (</a:t>
-            </a:r>
-            <a:r>
-              <a:rPr lang="en-US" sz="1400" b="1" dirty="0" err="1" smtClean="0">
-                <a:solidFill>
-                  <a:schemeClr val="tx1"/>
-                </a:solidFill>
-                <a:latin typeface="Consolas" pitchFamily="49" charset="0"/>
-                <a:cs typeface="Consolas" pitchFamily="49" charset="0"/>
-              </a:rPr>
-              <a:t>baz</a:t>
-            </a:r>
-            <a:r>
-              <a:rPr lang="en-US" sz="1400" b="1" dirty="0" smtClean="0">
-                <a:solidFill>
-                  <a:schemeClr val="tx1"/>
-                </a:solidFill>
-                <a:latin typeface="Consolas" pitchFamily="49" charset="0"/>
-                <a:cs typeface="Consolas" pitchFamily="49" charset="0"/>
-              </a:rPr>
-              <a:t> n) (+ (send this foo)</a:t>
+              <a:t>                           n))</a:t>
             </a:r>
           </a:p>
           <a:p>
             <a:r>
               <a:rPr lang="en-US" sz="1400" b="1" dirty="0">
-                <a:solidFill>
-                  <a:schemeClr val="tx1"/>
-                </a:solidFill>
-                <a:latin typeface="Consolas" pitchFamily="49" charset="0"/>
-                <a:cs typeface="Consolas" pitchFamily="49" charset="0"/>
-              </a:rPr>
-              <a:t> </a:t>
-            </a:r>
-            <a:r>
-              <a:rPr lang="en-US" sz="1400" b="1" dirty="0" smtClean="0">
-                <a:solidFill>
-                  <a:schemeClr val="tx1"/>
-                </a:solidFill>
-                <a:latin typeface="Consolas" pitchFamily="49" charset="0"/>
-                <a:cs typeface="Consolas" pitchFamily="49" charset="0"/>
-              </a:rPr>
-              <a:t>                          n))</a:t>
-            </a:r>
-          </a:p>
-          <a:p>
-            <a:r>
-              <a:rPr lang="en-US" sz="1400" b="1" dirty="0" smtClean="0">
                 <a:solidFill>
                   <a:schemeClr val="tx1"/>
                 </a:solidFill>
@@ -7402,12 +7185,14 @@
             <a:avLst/>
           </a:prstGeom>
           <a:solidFill>
-            <a:schemeClr val="accent3">
-              <a:lumMod val="40000"/>
-              <a:lumOff val="60000"/>
+            <a:schemeClr val="accent1">
+              <a:lumMod val="20000"/>
+              <a:lumOff val="80000"/>
             </a:schemeClr>
           </a:solidFill>
-          <a:ln/>
+          <a:ln>
+            <a:noFill/>
+          </a:ln>
         </p:spPr>
         <p:style>
           <a:lnRef idx="2">
@@ -7433,7 +7218,7 @@
           <a:lstStyle/>
           <a:p>
             <a:r>
-              <a:rPr lang="en-US" sz="2000" dirty="0" smtClean="0">
+              <a:rPr lang="en-US" sz="2000" dirty="0">
                 <a:solidFill>
                   <a:schemeClr val="tx1"/>
                 </a:solidFill>
@@ -7450,7 +7235,7 @@
           </a:p>
           <a:p>
             <a:r>
-              <a:rPr lang="en-US" sz="2000" b="1" dirty="0" smtClean="0">
+              <a:rPr lang="en-US" sz="2000" b="1" dirty="0">
                 <a:solidFill>
                   <a:schemeClr val="tx1"/>
                 </a:solidFill>
@@ -7458,7 +7243,7 @@
               <a:t>(send obj1 </a:t>
             </a:r>
             <a:r>
-              <a:rPr lang="en-US" sz="2000" b="1" dirty="0" err="1" smtClean="0">
+              <a:rPr lang="en-US" sz="2000" b="1" dirty="0" err="1">
                 <a:solidFill>
                   <a:schemeClr val="tx1"/>
                 </a:solidFill>
@@ -7466,7 +7251,7 @@
               <a:t>baz</a:t>
             </a:r>
             <a:r>
-              <a:rPr lang="en-US" sz="2000" b="1" dirty="0" smtClean="0">
+              <a:rPr lang="en-US" sz="2000" b="1" dirty="0">
                 <a:solidFill>
                   <a:schemeClr val="tx1"/>
                 </a:solidFill>
@@ -7474,7 +7259,7 @@
               <a:t> 20) </a:t>
             </a:r>
             <a:r>
-              <a:rPr lang="en-US" sz="2000" dirty="0" smtClean="0">
+              <a:rPr lang="en-US" sz="2000" dirty="0">
                 <a:solidFill>
                   <a:schemeClr val="tx1"/>
                 </a:solidFill>
@@ -7484,7 +7269,7 @@
           </a:p>
           <a:p>
             <a:r>
-              <a:rPr lang="en-US" sz="2000" b="1" dirty="0" smtClean="0">
+              <a:rPr lang="en-US" sz="2000" b="1" dirty="0">
                 <a:solidFill>
                   <a:schemeClr val="tx1"/>
                 </a:solidFill>
@@ -7492,7 +7277,7 @@
               <a:t>(send obj2 </a:t>
             </a:r>
             <a:r>
-              <a:rPr lang="en-US" sz="2000" b="1" dirty="0" err="1" smtClean="0">
+              <a:rPr lang="en-US" sz="2000" b="1" dirty="0" err="1">
                 <a:solidFill>
                   <a:schemeClr val="tx1"/>
                 </a:solidFill>
@@ -7500,7 +7285,7 @@
               <a:t>baz</a:t>
             </a:r>
             <a:r>
-              <a:rPr lang="en-US" sz="2000" b="1" dirty="0" smtClean="0">
+              <a:rPr lang="en-US" sz="2000" b="1" dirty="0">
                 <a:solidFill>
                   <a:schemeClr val="tx1"/>
                 </a:solidFill>
@@ -7508,7 +7293,7 @@
               <a:t> 20) </a:t>
             </a:r>
             <a:r>
-              <a:rPr lang="en-US" sz="2000" dirty="0" smtClean="0">
+              <a:rPr lang="en-US" sz="2000" dirty="0">
                 <a:solidFill>
                   <a:schemeClr val="tx1"/>
                 </a:solidFill>
@@ -7517,7 +7302,7 @@
             </a:r>
           </a:p>
           <a:p>
-            <a:endParaRPr lang="en-US" sz="2000" dirty="0" smtClean="0">
+            <a:endParaRPr lang="en-US" sz="2000" dirty="0">
               <a:solidFill>
                 <a:schemeClr val="tx1"/>
               </a:solidFill>
@@ -7620,7 +7405,7 @@
             <a:p>
               <a:pPr algn="ctr"/>
               <a:r>
-                <a:rPr lang="en-US" b="1" dirty="0" smtClean="0">
+                <a:rPr lang="en-US" b="1" dirty="0">
                   <a:solidFill>
                     <a:schemeClr val="tx1"/>
                   </a:solidFill>
@@ -7633,7 +7418,7 @@
             <a:p>
               <a:pPr algn="ctr"/>
               <a:r>
-                <a:rPr lang="en-US" b="1" dirty="0" smtClean="0">
+                <a:rPr lang="en-US" b="1" dirty="0">
                   <a:solidFill>
                     <a:schemeClr val="tx1"/>
                   </a:solidFill>
@@ -7646,7 +7431,7 @@
             <a:p>
               <a:pPr algn="ctr"/>
               <a:r>
-                <a:rPr lang="en-US" b="1" dirty="0" smtClean="0">
+                <a:rPr lang="en-US" b="1" dirty="0">
                   <a:solidFill>
                     <a:schemeClr val="tx1"/>
                   </a:solidFill>
@@ -7659,7 +7444,7 @@
             <a:p>
               <a:pPr algn="ctr"/>
               <a:r>
-                <a:rPr lang="en-US" b="1" dirty="0" smtClean="0">
+                <a:rPr lang="en-US" b="1" dirty="0">
                   <a:solidFill>
                     <a:schemeClr val="tx1"/>
                   </a:solidFill>
@@ -7694,10 +7479,9 @@
             <a:lstStyle/>
             <a:p>
               <a:r>
-                <a:rPr lang="en-US" dirty="0" smtClean="0"/>
+                <a:rPr lang="en-US" dirty="0"/>
                 <a:t>obj1</a:t>
               </a:r>
-              <a:endParaRPr lang="en-US" dirty="0"/>
             </a:p>
           </p:txBody>
         </p:sp>
@@ -7807,7 +7591,7 @@
             <a:p>
               <a:pPr algn="ctr"/>
               <a:r>
-                <a:rPr lang="en-US" b="1" dirty="0" smtClean="0">
+                <a:rPr lang="en-US" b="1" dirty="0">
                   <a:solidFill>
                     <a:schemeClr val="tx1"/>
                   </a:solidFill>
@@ -7820,7 +7604,7 @@
             <a:p>
               <a:pPr algn="ctr"/>
               <a:r>
-                <a:rPr lang="en-US" b="1" dirty="0" smtClean="0">
+                <a:rPr lang="en-US" b="1" dirty="0">
                   <a:solidFill>
                     <a:schemeClr val="tx1"/>
                   </a:solidFill>
@@ -7833,7 +7617,7 @@
             <a:p>
               <a:pPr algn="ctr"/>
               <a:r>
-                <a:rPr lang="en-US" b="1" dirty="0" smtClean="0">
+                <a:rPr lang="en-US" b="1" dirty="0">
                   <a:solidFill>
                     <a:schemeClr val="tx1"/>
                   </a:solidFill>
@@ -7846,7 +7630,7 @@
             <a:p>
               <a:pPr algn="ctr"/>
               <a:r>
-                <a:rPr lang="en-US" b="1" dirty="0" smtClean="0">
+                <a:rPr lang="en-US" b="1" dirty="0">
                   <a:solidFill>
                     <a:schemeClr val="tx1"/>
                   </a:solidFill>
@@ -7881,10 +7665,9 @@
             <a:lstStyle/>
             <a:p>
               <a:r>
-                <a:rPr lang="en-US" dirty="0" smtClean="0"/>
+                <a:rPr lang="en-US" dirty="0"/>
                 <a:t>obj2</a:t>
               </a:r>
-              <a:endParaRPr lang="en-US" dirty="0"/>
             </a:p>
           </p:txBody>
         </p:sp>
@@ -7985,13 +7768,6 @@
   <p:clrMapOvr>
     <a:masterClrMapping/>
   </p:clrMapOvr>
-  <p:timing>
-    <p:tnLst>
-      <p:par>
-        <p:cTn id="1" dur="indefinite" restart="never" nodeType="tmRoot"/>
-      </p:par>
-    </p:tnLst>
-  </p:timing>
 </p:sld>
 </file>
 
@@ -8028,10 +7804,9 @@
           <a:lstStyle/>
           <a:p>
             <a:r>
-              <a:rPr lang="en-US" dirty="0" smtClean="0"/>
+              <a:rPr lang="en-US" dirty="0"/>
               <a:t>Every object knows its class (5)</a:t>
             </a:r>
-            <a:endParaRPr lang="en-US" dirty="0"/>
           </a:p>
         </p:txBody>
       </p:sp>
@@ -8101,7 +7876,7 @@
           <a:lstStyle/>
           <a:p>
             <a:r>
-              <a:rPr lang="en-US" sz="1400" b="1" dirty="0" smtClean="0">
+              <a:rPr lang="en-US" sz="1400" b="1" dirty="0">
                 <a:solidFill>
                   <a:schemeClr val="tx1"/>
                 </a:solidFill>
@@ -8113,7 +7888,7 @@
           </a:p>
           <a:p>
             <a:r>
-              <a:rPr lang="en-US" sz="1400" b="1" dirty="0" smtClean="0">
+              <a:rPr lang="en-US" sz="1400" b="1" dirty="0">
                 <a:solidFill>
                   <a:schemeClr val="tx1"/>
                 </a:solidFill>
@@ -8132,17 +7907,19 @@
                 <a:latin typeface="Consolas" pitchFamily="49" charset="0"/>
                 <a:cs typeface="Consolas" pitchFamily="49" charset="0"/>
               </a:rPr>
-              <a:t> </a:t>
-            </a:r>
-            <a:r>
-              <a:rPr lang="en-US" sz="1400" b="1" dirty="0" smtClean="0">
+              <a:t> (define/public (foo) (+ x y))</a:t>
+            </a:r>
+          </a:p>
+          <a:p>
+            <a:r>
+              <a:rPr lang="en-US" sz="1400" b="1" dirty="0">
                 <a:solidFill>
                   <a:schemeClr val="tx1"/>
                 </a:solidFill>
                 <a:latin typeface="Consolas" pitchFamily="49" charset="0"/>
                 <a:cs typeface="Consolas" pitchFamily="49" charset="0"/>
               </a:rPr>
-              <a:t>(define/public (foo) (+ x y))</a:t>
+              <a:t> (define/public (bar n) (+ r n))</a:t>
             </a:r>
           </a:p>
           <a:p>
@@ -8154,20 +7931,18 @@
                 <a:latin typeface="Consolas" pitchFamily="49" charset="0"/>
                 <a:cs typeface="Consolas" pitchFamily="49" charset="0"/>
               </a:rPr>
-              <a:t> </a:t>
-            </a:r>
-            <a:r>
-              <a:rPr lang="en-US" sz="1400" b="1" dirty="0" smtClean="0">
+              <a:t> (define/public (</a:t>
+            </a:r>
+            <a:r>
+              <a:rPr lang="en-US" sz="1400" b="1" dirty="0" err="1">
                 <a:solidFill>
                   <a:schemeClr val="tx1"/>
                 </a:solidFill>
                 <a:latin typeface="Consolas" pitchFamily="49" charset="0"/>
                 <a:cs typeface="Consolas" pitchFamily="49" charset="0"/>
               </a:rPr>
-              <a:t>(define/public (bar n) (+ r n))</a:t>
-            </a:r>
-          </a:p>
-          <a:p>
+              <a:t>baz</a:t>
+            </a:r>
             <a:r>
               <a:rPr lang="en-US" sz="1400" b="1" dirty="0">
                 <a:solidFill>
@@ -8176,64 +7951,24 @@
                 <a:latin typeface="Consolas" pitchFamily="49" charset="0"/>
                 <a:cs typeface="Consolas" pitchFamily="49" charset="0"/>
               </a:rPr>
-              <a:t> </a:t>
-            </a:r>
-            <a:r>
-              <a:rPr lang="en-US" sz="1400" b="1" dirty="0" smtClean="0">
+              <a:t> n) (+ (send this foo)</a:t>
+            </a:r>
+          </a:p>
+          <a:p>
+            <a:r>
+              <a:rPr lang="en-US" sz="1400" b="1" dirty="0">
                 <a:solidFill>
                   <a:schemeClr val="tx1"/>
                 </a:solidFill>
                 <a:latin typeface="Consolas" pitchFamily="49" charset="0"/>
                 <a:cs typeface="Consolas" pitchFamily="49" charset="0"/>
               </a:rPr>
-              <a:t>(define/public (</a:t>
-            </a:r>
-            <a:r>
-              <a:rPr lang="en-US" sz="1400" b="1" dirty="0" err="1" smtClean="0">
-                <a:solidFill>
-                  <a:schemeClr val="tx1"/>
-                </a:solidFill>
-                <a:latin typeface="Consolas" pitchFamily="49" charset="0"/>
-                <a:cs typeface="Consolas" pitchFamily="49" charset="0"/>
-              </a:rPr>
-              <a:t>baz</a:t>
-            </a:r>
-            <a:r>
-              <a:rPr lang="en-US" sz="1400" b="1" dirty="0" smtClean="0">
-                <a:solidFill>
-                  <a:schemeClr val="tx1"/>
-                </a:solidFill>
-                <a:latin typeface="Consolas" pitchFamily="49" charset="0"/>
-                <a:cs typeface="Consolas" pitchFamily="49" charset="0"/>
-              </a:rPr>
-              <a:t> n) (+ (send this foo)</a:t>
+              <a:t>                           n))</a:t>
             </a:r>
           </a:p>
           <a:p>
             <a:r>
               <a:rPr lang="en-US" sz="1400" b="1" dirty="0">
-                <a:solidFill>
-                  <a:schemeClr val="tx1"/>
-                </a:solidFill>
-                <a:latin typeface="Consolas" pitchFamily="49" charset="0"/>
-                <a:cs typeface="Consolas" pitchFamily="49" charset="0"/>
-              </a:rPr>
-              <a:t> </a:t>
-            </a:r>
-            <a:r>
-              <a:rPr lang="en-US" sz="1400" b="1" dirty="0" smtClean="0">
-                <a:solidFill>
-                  <a:schemeClr val="tx1"/>
-                </a:solidFill>
-                <a:latin typeface="Consolas" pitchFamily="49" charset="0"/>
-                <a:cs typeface="Consolas" pitchFamily="49" charset="0"/>
-              </a:rPr>
-              <a:t>                          n))</a:t>
-            </a:r>
-          </a:p>
-          <a:p>
-            <a:r>
-              <a:rPr lang="en-US" sz="1400" b="1" dirty="0" smtClean="0">
                 <a:solidFill>
                   <a:schemeClr val="tx1"/>
                 </a:solidFill>
@@ -8318,10 +8053,9 @@
             <a:lstStyle/>
             <a:p>
               <a:r>
-                <a:rPr lang="en-US" dirty="0" smtClean="0"/>
+                <a:rPr lang="en-US" dirty="0"/>
                 <a:t>obj2</a:t>
               </a:r>
-              <a:endParaRPr lang="en-US" dirty="0"/>
             </a:p>
           </p:txBody>
         </p:sp>
@@ -8439,10 +8173,9 @@
             <a:lstStyle/>
             <a:p>
               <a:r>
-                <a:rPr lang="en-US" dirty="0" smtClean="0"/>
+                <a:rPr lang="en-US" dirty="0"/>
                 <a:t>obj1</a:t>
               </a:r>
-              <a:endParaRPr lang="en-US" dirty="0"/>
             </a:p>
           </p:txBody>
         </p:sp>
@@ -8541,7 +8274,7 @@
               <a:p>
                 <a:pPr algn="ctr"/>
                 <a:r>
-                  <a:rPr lang="en-US" b="1" dirty="0" smtClean="0">
+                  <a:rPr lang="en-US" b="1" dirty="0">
                     <a:solidFill>
                       <a:schemeClr val="tx1"/>
                     </a:solidFill>
@@ -8554,7 +8287,7 @@
               <a:p>
                 <a:pPr algn="ctr"/>
                 <a:r>
-                  <a:rPr lang="en-US" b="1" dirty="0" smtClean="0">
+                  <a:rPr lang="en-US" b="1" dirty="0">
                     <a:solidFill>
                       <a:schemeClr val="tx1"/>
                     </a:solidFill>
@@ -8567,7 +8300,7 @@
               <a:p>
                 <a:pPr algn="ctr"/>
                 <a:r>
-                  <a:rPr lang="en-US" b="1" dirty="0" smtClean="0">
+                  <a:rPr lang="en-US" b="1" dirty="0">
                     <a:solidFill>
                       <a:schemeClr val="tx1"/>
                     </a:solidFill>
@@ -8580,7 +8313,7 @@
               <a:p>
                 <a:pPr algn="ctr"/>
                 <a:r>
-                  <a:rPr lang="en-US" b="1" dirty="0" smtClean="0">
+                  <a:rPr lang="en-US" b="1" dirty="0">
                     <a:solidFill>
                       <a:schemeClr val="tx1"/>
                     </a:solidFill>
@@ -8699,7 +8432,7 @@
             <a:p>
               <a:pPr algn="ctr"/>
               <a:r>
-                <a:rPr lang="en-US" b="1" dirty="0" smtClean="0">
+                <a:rPr lang="en-US" b="1" dirty="0">
                   <a:solidFill>
                     <a:schemeClr val="tx1"/>
                   </a:solidFill>
@@ -8712,7 +8445,7 @@
             <a:p>
               <a:pPr algn="ctr"/>
               <a:r>
-                <a:rPr lang="en-US" b="1" dirty="0" smtClean="0">
+                <a:rPr lang="en-US" b="1" dirty="0">
                   <a:solidFill>
                     <a:schemeClr val="tx1"/>
                   </a:solidFill>
@@ -8725,7 +8458,7 @@
             <a:p>
               <a:pPr algn="ctr"/>
               <a:r>
-                <a:rPr lang="en-US" b="1" dirty="0" smtClean="0">
+                <a:rPr lang="en-US" b="1" dirty="0">
                   <a:solidFill>
                     <a:schemeClr val="tx1"/>
                   </a:solidFill>
@@ -8738,7 +8471,7 @@
             <a:p>
               <a:pPr algn="ctr"/>
               <a:r>
-                <a:rPr lang="en-US" b="1" dirty="0" smtClean="0">
+                <a:rPr lang="en-US" b="1" dirty="0">
                   <a:solidFill>
                     <a:schemeClr val="tx1"/>
                   </a:solidFill>
@@ -8877,17 +8610,7 @@
                     <a:latin typeface="Consolas" pitchFamily="49" charset="0"/>
                     <a:cs typeface="Consolas" pitchFamily="49" charset="0"/>
                   </a:rPr>
-                  <a:t>a</a:t>
-                </a:r>
-                <a:r>
-                  <a:rPr lang="en-US" b="1" dirty="0" smtClean="0">
-                    <a:solidFill>
-                      <a:schemeClr val="tx1"/>
-                    </a:solidFill>
-                    <a:latin typeface="Consolas" pitchFamily="49" charset="0"/>
-                    <a:cs typeface="Consolas" pitchFamily="49" charset="0"/>
-                  </a:rPr>
-                  <a:t> = 15</a:t>
+                  <a:t>a = 15</a:t>
                 </a:r>
               </a:p>
               <a:p>
@@ -8900,17 +8623,7 @@
                     <a:latin typeface="Consolas" pitchFamily="49" charset="0"/>
                     <a:cs typeface="Consolas" pitchFamily="49" charset="0"/>
                   </a:rPr>
-                  <a:t>b</a:t>
-                </a:r>
-                <a:r>
-                  <a:rPr lang="en-US" b="1" dirty="0" smtClean="0">
-                    <a:solidFill>
-                      <a:schemeClr val="tx1"/>
-                    </a:solidFill>
-                    <a:latin typeface="Consolas" pitchFamily="49" charset="0"/>
-                    <a:cs typeface="Consolas" pitchFamily="49" charset="0"/>
-                  </a:rPr>
-                  <a:t> = 35</a:t>
+                  <a:t>b = 35</a:t>
                 </a:r>
               </a:p>
               <a:p>
@@ -8923,23 +8636,13 @@
                     <a:latin typeface="Consolas" pitchFamily="49" charset="0"/>
                     <a:cs typeface="Consolas" pitchFamily="49" charset="0"/>
                   </a:rPr>
-                  <a:t>c</a:t>
-                </a:r>
-                <a:r>
-                  <a:rPr lang="en-US" b="1" dirty="0" smtClean="0">
-                    <a:solidFill>
-                      <a:schemeClr val="tx1"/>
-                    </a:solidFill>
-                    <a:latin typeface="Consolas" pitchFamily="49" charset="0"/>
-                    <a:cs typeface="Consolas" pitchFamily="49" charset="0"/>
-                  </a:rPr>
-                  <a:t> = 5</a:t>
+                  <a:t>c = 5</a:t>
                 </a:r>
               </a:p>
               <a:p>
                 <a:pPr algn="ctr"/>
                 <a:r>
-                  <a:rPr lang="en-US" b="1" dirty="0" smtClean="0">
+                  <a:rPr lang="en-US" b="1" dirty="0">
                     <a:solidFill>
                       <a:schemeClr val="tx1"/>
                     </a:solidFill>
@@ -9042,7 +8745,7 @@
             <a:lstStyle/>
             <a:p>
               <a:r>
-                <a:rPr lang="en-US" sz="1400" b="1" dirty="0" smtClean="0">
+                <a:rPr lang="en-US" sz="1400" b="1" dirty="0">
                   <a:solidFill>
                     <a:schemeClr val="tx1"/>
                   </a:solidFill>
@@ -9054,7 +8757,7 @@
             </a:p>
             <a:p>
               <a:r>
-                <a:rPr lang="en-US" sz="1400" b="1" dirty="0" smtClean="0">
+                <a:rPr lang="en-US" sz="1400" b="1" dirty="0">
                   <a:solidFill>
                     <a:schemeClr val="tx1"/>
                   </a:solidFill>
@@ -9064,7 +8767,7 @@
                 <a:t> (</a:t>
               </a:r>
               <a:r>
-                <a:rPr lang="en-US" sz="1400" b="1" dirty="0" err="1" smtClean="0">
+                <a:rPr lang="en-US" sz="1400" b="1" dirty="0" err="1">
                   <a:solidFill>
                     <a:schemeClr val="tx1"/>
                   </a:solidFill>
@@ -9074,7 +8777,7 @@
                 <a:t>init</a:t>
               </a:r>
               <a:r>
-                <a:rPr lang="en-US" sz="1400" b="1" dirty="0" smtClean="0">
+                <a:rPr lang="en-US" sz="1400" b="1" dirty="0">
                   <a:solidFill>
                     <a:schemeClr val="tx1"/>
                   </a:solidFill>
@@ -9093,17 +8796,7 @@
                   <a:latin typeface="Consolas" pitchFamily="49" charset="0"/>
                   <a:cs typeface="Consolas" pitchFamily="49" charset="0"/>
                 </a:rPr>
-                <a:t> </a:t>
-              </a:r>
-              <a:r>
-                <a:rPr lang="en-US" sz="1400" b="1" dirty="0" smtClean="0">
-                  <a:solidFill>
-                    <a:schemeClr val="tx1"/>
-                  </a:solidFill>
-                  <a:latin typeface="Consolas" pitchFamily="49" charset="0"/>
-                  <a:cs typeface="Consolas" pitchFamily="49" charset="0"/>
-                </a:rPr>
-                <a:t>(define/public (foo) (+ a b))</a:t>
+                <a:t> (define/public (foo) (+ a b))</a:t>
               </a:r>
             </a:p>
             <a:p>
@@ -9115,37 +8808,7 @@
                   <a:latin typeface="Consolas" pitchFamily="49" charset="0"/>
                   <a:cs typeface="Consolas" pitchFamily="49" charset="0"/>
                 </a:rPr>
-                <a:t> </a:t>
-              </a:r>
-              <a:r>
-                <a:rPr lang="en-US" sz="1400" b="1" dirty="0" smtClean="0">
-                  <a:solidFill>
-                    <a:schemeClr val="tx1"/>
-                  </a:solidFill>
-                  <a:latin typeface="Consolas" pitchFamily="49" charset="0"/>
-                  <a:cs typeface="Consolas" pitchFamily="49" charset="0"/>
-                </a:rPr>
-                <a:t>(define/public (bar n) (</a:t>
-              </a:r>
-              <a:r>
-                <a:rPr lang="en-US" sz="1400" b="1" dirty="0">
-                  <a:solidFill>
-                    <a:schemeClr val="tx1"/>
-                  </a:solidFill>
-                  <a:latin typeface="Consolas" pitchFamily="49" charset="0"/>
-                  <a:cs typeface="Consolas" pitchFamily="49" charset="0"/>
-                </a:rPr>
-                <a:t>*</a:t>
-              </a:r>
-              <a:r>
-                <a:rPr lang="en-US" sz="1400" b="1" dirty="0" smtClean="0">
-                  <a:solidFill>
-                    <a:schemeClr val="tx1"/>
-                  </a:solidFill>
-                  <a:latin typeface="Consolas" pitchFamily="49" charset="0"/>
-                  <a:cs typeface="Consolas" pitchFamily="49" charset="0"/>
-                </a:rPr>
-                <a:t> c n))</a:t>
+                <a:t> (define/public (bar n) (* c n))</a:t>
               </a:r>
             </a:p>
             <a:p>
@@ -9157,20 +8820,10 @@
                   <a:latin typeface="Consolas" pitchFamily="49" charset="0"/>
                   <a:cs typeface="Consolas" pitchFamily="49" charset="0"/>
                 </a:rPr>
-                <a:t> </a:t>
+                <a:t> (define/public (</a:t>
               </a:r>
               <a:r>
-                <a:rPr lang="en-US" sz="1400" b="1" dirty="0" smtClean="0">
-                  <a:solidFill>
-                    <a:schemeClr val="tx1"/>
-                  </a:solidFill>
-                  <a:latin typeface="Consolas" pitchFamily="49" charset="0"/>
-                  <a:cs typeface="Consolas" pitchFamily="49" charset="0"/>
-                </a:rPr>
-                <a:t>(define/public (</a:t>
-              </a:r>
-              <a:r>
-                <a:rPr lang="en-US" sz="1400" b="1" dirty="0" err="1" smtClean="0">
+                <a:rPr lang="en-US" sz="1400" b="1" dirty="0" err="1">
                   <a:solidFill>
                     <a:schemeClr val="tx1"/>
                   </a:solidFill>
@@ -9180,7 +8833,7 @@
                 <a:t>baz</a:t>
               </a:r>
               <a:r>
-                <a:rPr lang="en-US" sz="1400" b="1" dirty="0" smtClean="0">
+                <a:rPr lang="en-US" sz="1400" b="1" dirty="0">
                   <a:solidFill>
                     <a:schemeClr val="tx1"/>
                   </a:solidFill>
@@ -9199,22 +8852,12 @@
                   <a:latin typeface="Consolas" pitchFamily="49" charset="0"/>
                   <a:cs typeface="Consolas" pitchFamily="49" charset="0"/>
                 </a:rPr>
-                <a:t> </a:t>
-              </a:r>
-              <a:r>
-                <a:rPr lang="en-US" sz="1400" b="1" dirty="0" smtClean="0">
-                  <a:solidFill>
-                    <a:schemeClr val="tx1"/>
-                  </a:solidFill>
-                  <a:latin typeface="Consolas" pitchFamily="49" charset="0"/>
-                  <a:cs typeface="Consolas" pitchFamily="49" charset="0"/>
-                </a:rPr>
-                <a:t>  (+ (send this foo) n))</a:t>
+                <a:t>   (+ (send this foo) n))</a:t>
               </a:r>
             </a:p>
             <a:p>
               <a:r>
-                <a:rPr lang="en-US" sz="1400" b="1" dirty="0" smtClean="0">
+                <a:rPr lang="en-US" sz="1400" b="1" dirty="0">
                   <a:solidFill>
                     <a:schemeClr val="tx1"/>
                   </a:solidFill>
@@ -9287,10 +8930,9 @@
             <a:lstStyle/>
             <a:p>
               <a:r>
-                <a:rPr lang="en-US" dirty="0" smtClean="0"/>
+                <a:rPr lang="en-US" dirty="0"/>
                 <a:t>obj3</a:t>
               </a:r>
-              <a:endParaRPr lang="en-US" dirty="0"/>
             </a:p>
           </p:txBody>
         </p:sp>
@@ -9341,19 +8983,21 @@
         </p:nvSpPr>
         <p:spPr>
           <a:xfrm>
-            <a:off x="6422571" y="3461267"/>
-            <a:ext cx="2536372" cy="2558534"/>
+            <a:off x="6553200" y="4038415"/>
+            <a:ext cx="2536372" cy="1994397"/>
           </a:xfrm>
           <a:prstGeom prst="rect">
             <a:avLst/>
           </a:prstGeom>
           <a:solidFill>
-            <a:schemeClr val="accent3">
-              <a:lumMod val="40000"/>
-              <a:lumOff val="60000"/>
+            <a:schemeClr val="accent1">
+              <a:lumMod val="20000"/>
+              <a:lumOff val="80000"/>
             </a:schemeClr>
           </a:solidFill>
-          <a:ln/>
+          <a:ln>
+            <a:noFill/>
+          </a:ln>
         </p:spPr>
         <p:style>
           <a:lnRef idx="2">
@@ -9379,7 +9023,7 @@
           <a:lstStyle/>
           <a:p>
             <a:r>
-              <a:rPr lang="en-US" sz="2000" dirty="0" smtClean="0">
+              <a:rPr lang="en-US" sz="2000" dirty="0">
                 <a:solidFill>
                   <a:schemeClr val="tx1"/>
                 </a:solidFill>
@@ -9387,7 +9031,7 @@
               <a:t>Here's another object, </a:t>
             </a:r>
             <a:r>
-              <a:rPr lang="en-US" sz="2000" b="1" dirty="0" smtClean="0">
+              <a:rPr lang="en-US" sz="2000" b="1" dirty="0">
                 <a:solidFill>
                   <a:schemeClr val="tx1"/>
                 </a:solidFill>
@@ -9395,7 +9039,7 @@
               <a:t>obj3</a:t>
             </a:r>
             <a:r>
-              <a:rPr lang="en-US" sz="2000" dirty="0" smtClean="0">
+              <a:rPr lang="en-US" sz="2000" dirty="0">
                 <a:solidFill>
                   <a:schemeClr val="tx1"/>
                 </a:solidFill>
@@ -9403,7 +9047,7 @@
               <a:t>, of a different class. If we send a message to </a:t>
             </a:r>
             <a:r>
-              <a:rPr lang="en-US" sz="2000" b="1" dirty="0" smtClean="0">
+              <a:rPr lang="en-US" sz="2000" b="1" dirty="0">
                 <a:solidFill>
                   <a:schemeClr val="tx1"/>
                 </a:solidFill>
@@ -9411,7 +9055,7 @@
               <a:t>obj3</a:t>
             </a:r>
             <a:r>
-              <a:rPr lang="en-US" sz="2000" dirty="0" smtClean="0">
+              <a:rPr lang="en-US" sz="2000" dirty="0">
                 <a:solidFill>
                   <a:schemeClr val="tx1"/>
                 </a:solidFill>
@@ -9419,7 +9063,7 @@
               <a:t>, then </a:t>
             </a:r>
             <a:r>
-              <a:rPr lang="en-US" sz="2000" b="1" dirty="0" smtClean="0">
+              <a:rPr lang="en-US" sz="2000" b="1" dirty="0">
                 <a:solidFill>
                   <a:schemeClr val="tx1"/>
                 </a:solidFill>
@@ -9427,7 +9071,7 @@
               <a:t>obj3</a:t>
             </a:r>
             <a:r>
-              <a:rPr lang="en-US" sz="2000" dirty="0" smtClean="0">
+              <a:rPr lang="en-US" sz="2000" dirty="0">
                 <a:solidFill>
                   <a:schemeClr val="tx1"/>
                 </a:solidFill>
@@ -9447,13 +9091,6 @@
   <p:clrMapOvr>
     <a:masterClrMapping/>
   </p:clrMapOvr>
-  <p:timing>
-    <p:tnLst>
-      <p:par>
-        <p:cTn id="1" dur="indefinite" restart="never" nodeType="tmRoot"/>
-      </p:par>
-    </p:tnLst>
-  </p:timing>
 </p:sld>
 </file>
 
@@ -9490,10 +9127,9 @@
           <a:lstStyle/>
           <a:p>
             <a:r>
-              <a:rPr lang="en-US" dirty="0" smtClean="0"/>
+              <a:rPr lang="en-US" dirty="0"/>
               <a:t>Every object knows its class (6)</a:t>
             </a:r>
-            <a:endParaRPr lang="en-US" dirty="0"/>
           </a:p>
         </p:txBody>
       </p:sp>
@@ -9563,7 +9199,7 @@
           <a:lstStyle/>
           <a:p>
             <a:r>
-              <a:rPr lang="en-US" sz="1400" b="1" dirty="0" smtClean="0">
+              <a:rPr lang="en-US" sz="1400" b="1" dirty="0">
                 <a:solidFill>
                   <a:schemeClr val="tx1"/>
                 </a:solidFill>
@@ -9575,7 +9211,7 @@
           </a:p>
           <a:p>
             <a:r>
-              <a:rPr lang="en-US" sz="1400" b="1" dirty="0" smtClean="0">
+              <a:rPr lang="en-US" sz="1400" b="1" dirty="0">
                 <a:solidFill>
                   <a:schemeClr val="tx1"/>
                 </a:solidFill>
@@ -9594,17 +9230,19 @@
                 <a:latin typeface="Consolas" pitchFamily="49" charset="0"/>
                 <a:cs typeface="Consolas" pitchFamily="49" charset="0"/>
               </a:rPr>
-              <a:t> </a:t>
-            </a:r>
-            <a:r>
-              <a:rPr lang="en-US" sz="1400" b="1" dirty="0" smtClean="0">
+              <a:t> (define/public (foo) (+ x y))</a:t>
+            </a:r>
+          </a:p>
+          <a:p>
+            <a:r>
+              <a:rPr lang="en-US" sz="1400" b="1" dirty="0">
                 <a:solidFill>
                   <a:schemeClr val="tx1"/>
                 </a:solidFill>
                 <a:latin typeface="Consolas" pitchFamily="49" charset="0"/>
                 <a:cs typeface="Consolas" pitchFamily="49" charset="0"/>
               </a:rPr>
-              <a:t>(define/public (foo) (+ x y))</a:t>
+              <a:t> (define/public (bar n) (+ r n))</a:t>
             </a:r>
           </a:p>
           <a:p>
@@ -9616,20 +9254,18 @@
                 <a:latin typeface="Consolas" pitchFamily="49" charset="0"/>
                 <a:cs typeface="Consolas" pitchFamily="49" charset="0"/>
               </a:rPr>
-              <a:t> </a:t>
-            </a:r>
-            <a:r>
-              <a:rPr lang="en-US" sz="1400" b="1" dirty="0" smtClean="0">
+              <a:t> (define/public (</a:t>
+            </a:r>
+            <a:r>
+              <a:rPr lang="en-US" sz="1400" b="1" dirty="0" err="1">
                 <a:solidFill>
                   <a:schemeClr val="tx1"/>
                 </a:solidFill>
                 <a:latin typeface="Consolas" pitchFamily="49" charset="0"/>
                 <a:cs typeface="Consolas" pitchFamily="49" charset="0"/>
               </a:rPr>
-              <a:t>(define/public (bar n) (+ r n))</a:t>
-            </a:r>
-          </a:p>
-          <a:p>
+              <a:t>baz</a:t>
+            </a:r>
             <a:r>
               <a:rPr lang="en-US" sz="1400" b="1" dirty="0">
                 <a:solidFill>
@@ -9638,64 +9274,24 @@
                 <a:latin typeface="Consolas" pitchFamily="49" charset="0"/>
                 <a:cs typeface="Consolas" pitchFamily="49" charset="0"/>
               </a:rPr>
-              <a:t> </a:t>
-            </a:r>
-            <a:r>
-              <a:rPr lang="en-US" sz="1400" b="1" dirty="0" smtClean="0">
+              <a:t> n) (+ (send this foo)</a:t>
+            </a:r>
+          </a:p>
+          <a:p>
+            <a:r>
+              <a:rPr lang="en-US" sz="1400" b="1" dirty="0">
                 <a:solidFill>
                   <a:schemeClr val="tx1"/>
                 </a:solidFill>
                 <a:latin typeface="Consolas" pitchFamily="49" charset="0"/>
                 <a:cs typeface="Consolas" pitchFamily="49" charset="0"/>
               </a:rPr>
-              <a:t>(define/public (</a:t>
-            </a:r>
-            <a:r>
-              <a:rPr lang="en-US" sz="1400" b="1" dirty="0" err="1" smtClean="0">
-                <a:solidFill>
-                  <a:schemeClr val="tx1"/>
-                </a:solidFill>
-                <a:latin typeface="Consolas" pitchFamily="49" charset="0"/>
-                <a:cs typeface="Consolas" pitchFamily="49" charset="0"/>
-              </a:rPr>
-              <a:t>baz</a:t>
-            </a:r>
-            <a:r>
-              <a:rPr lang="en-US" sz="1400" b="1" dirty="0" smtClean="0">
-                <a:solidFill>
-                  <a:schemeClr val="tx1"/>
-                </a:solidFill>
-                <a:latin typeface="Consolas" pitchFamily="49" charset="0"/>
-                <a:cs typeface="Consolas" pitchFamily="49" charset="0"/>
-              </a:rPr>
-              <a:t> n) (+ (send this foo)</a:t>
+              <a:t>                           n))</a:t>
             </a:r>
           </a:p>
           <a:p>
             <a:r>
               <a:rPr lang="en-US" sz="1400" b="1" dirty="0">
-                <a:solidFill>
-                  <a:schemeClr val="tx1"/>
-                </a:solidFill>
-                <a:latin typeface="Consolas" pitchFamily="49" charset="0"/>
-                <a:cs typeface="Consolas" pitchFamily="49" charset="0"/>
-              </a:rPr>
-              <a:t> </a:t>
-            </a:r>
-            <a:r>
-              <a:rPr lang="en-US" sz="1400" b="1" dirty="0" smtClean="0">
-                <a:solidFill>
-                  <a:schemeClr val="tx1"/>
-                </a:solidFill>
-                <a:latin typeface="Consolas" pitchFamily="49" charset="0"/>
-                <a:cs typeface="Consolas" pitchFamily="49" charset="0"/>
-              </a:rPr>
-              <a:t>                          n))</a:t>
-            </a:r>
-          </a:p>
-          <a:p>
-            <a:r>
-              <a:rPr lang="en-US" sz="1400" b="1" dirty="0" smtClean="0">
                 <a:solidFill>
                   <a:schemeClr val="tx1"/>
                 </a:solidFill>
@@ -9780,10 +9376,9 @@
             <a:lstStyle/>
             <a:p>
               <a:r>
-                <a:rPr lang="en-US" dirty="0" smtClean="0"/>
+                <a:rPr lang="en-US" dirty="0"/>
                 <a:t>obj2</a:t>
               </a:r>
-              <a:endParaRPr lang="en-US" dirty="0"/>
             </a:p>
           </p:txBody>
         </p:sp>
@@ -9901,10 +9496,9 @@
             <a:lstStyle/>
             <a:p>
               <a:r>
-                <a:rPr lang="en-US" dirty="0" smtClean="0"/>
+                <a:rPr lang="en-US" dirty="0"/>
                 <a:t>obj1</a:t>
               </a:r>
-              <a:endParaRPr lang="en-US" dirty="0"/>
             </a:p>
           </p:txBody>
         </p:sp>
@@ -10003,7 +9597,7 @@
               <a:p>
                 <a:pPr algn="ctr"/>
                 <a:r>
-                  <a:rPr lang="en-US" b="1" dirty="0" smtClean="0">
+                  <a:rPr lang="en-US" b="1" dirty="0">
                     <a:solidFill>
                       <a:schemeClr val="tx1"/>
                     </a:solidFill>
@@ -10016,7 +9610,7 @@
               <a:p>
                 <a:pPr algn="ctr"/>
                 <a:r>
-                  <a:rPr lang="en-US" b="1" dirty="0" smtClean="0">
+                  <a:rPr lang="en-US" b="1" dirty="0">
                     <a:solidFill>
                       <a:schemeClr val="tx1"/>
                     </a:solidFill>
@@ -10029,7 +9623,7 @@
               <a:p>
                 <a:pPr algn="ctr"/>
                 <a:r>
-                  <a:rPr lang="en-US" b="1" dirty="0" smtClean="0">
+                  <a:rPr lang="en-US" b="1" dirty="0">
                     <a:solidFill>
                       <a:schemeClr val="tx1"/>
                     </a:solidFill>
@@ -10042,7 +9636,7 @@
               <a:p>
                 <a:pPr algn="ctr"/>
                 <a:r>
-                  <a:rPr lang="en-US" b="1" dirty="0" smtClean="0">
+                  <a:rPr lang="en-US" b="1" dirty="0">
                     <a:solidFill>
                       <a:schemeClr val="tx1"/>
                     </a:solidFill>
@@ -10161,7 +9755,7 @@
             <a:p>
               <a:pPr algn="ctr"/>
               <a:r>
-                <a:rPr lang="en-US" b="1" dirty="0" smtClean="0">
+                <a:rPr lang="en-US" b="1" dirty="0">
                   <a:solidFill>
                     <a:schemeClr val="tx1"/>
                   </a:solidFill>
@@ -10174,7 +9768,7 @@
             <a:p>
               <a:pPr algn="ctr"/>
               <a:r>
-                <a:rPr lang="en-US" b="1" dirty="0" smtClean="0">
+                <a:rPr lang="en-US" b="1" dirty="0">
                   <a:solidFill>
                     <a:schemeClr val="tx1"/>
                   </a:solidFill>
@@ -10187,7 +9781,7 @@
             <a:p>
               <a:pPr algn="ctr"/>
               <a:r>
-                <a:rPr lang="en-US" b="1" dirty="0" smtClean="0">
+                <a:rPr lang="en-US" b="1" dirty="0">
                   <a:solidFill>
                     <a:schemeClr val="tx1"/>
                   </a:solidFill>
@@ -10200,7 +9794,7 @@
             <a:p>
               <a:pPr algn="ctr"/>
               <a:r>
-                <a:rPr lang="en-US" b="1" dirty="0" smtClean="0">
+                <a:rPr lang="en-US" b="1" dirty="0">
                   <a:solidFill>
                     <a:schemeClr val="tx1"/>
                   </a:solidFill>
@@ -10276,12 +9870,14 @@
             <a:avLst/>
           </a:prstGeom>
           <a:solidFill>
-            <a:schemeClr val="accent3">
-              <a:lumMod val="40000"/>
-              <a:lumOff val="60000"/>
+            <a:schemeClr val="accent1">
+              <a:lumMod val="20000"/>
+              <a:lumOff val="80000"/>
             </a:schemeClr>
           </a:solidFill>
-          <a:ln/>
+          <a:ln>
+            <a:noFill/>
+          </a:ln>
         </p:spPr>
         <p:style>
           <a:lnRef idx="2">
@@ -10307,7 +9903,7 @@
           <a:lstStyle/>
           <a:p>
             <a:r>
-              <a:rPr lang="en-US" sz="2000" dirty="0" smtClean="0">
+              <a:rPr lang="en-US" sz="2000" dirty="0">
                 <a:solidFill>
                   <a:schemeClr val="tx1"/>
                 </a:solidFill>
@@ -10317,7 +9913,7 @@
           </a:p>
           <a:p>
             <a:r>
-              <a:rPr lang="en-US" sz="2000" b="1" dirty="0" smtClean="0">
+              <a:rPr lang="en-US" sz="2000" b="1" dirty="0">
                 <a:solidFill>
                   <a:schemeClr val="tx1"/>
                 </a:solidFill>
@@ -10327,7 +9923,7 @@
           </a:p>
           <a:p>
             <a:r>
-              <a:rPr lang="en-US" sz="2000" dirty="0" smtClean="0">
+              <a:rPr lang="en-US" sz="2000" dirty="0">
                 <a:solidFill>
                   <a:schemeClr val="tx1"/>
                 </a:solidFill>
@@ -10335,7 +9931,7 @@
               <a:t>= </a:t>
             </a:r>
             <a:r>
-              <a:rPr lang="en-US" sz="2000" b="1" dirty="0" smtClean="0">
+              <a:rPr lang="en-US" sz="2000" b="1" dirty="0">
                 <a:solidFill>
                   <a:schemeClr val="tx1"/>
                 </a:solidFill>
@@ -10345,7 +9941,7 @@
           </a:p>
           <a:p>
             <a:r>
-              <a:rPr lang="en-US" sz="2000" dirty="0" smtClean="0">
+              <a:rPr lang="en-US" sz="2000" dirty="0">
                 <a:solidFill>
                   <a:schemeClr val="tx1"/>
                 </a:solidFill>
@@ -10353,7 +9949,7 @@
               <a:t>= </a:t>
             </a:r>
             <a:r>
-              <a:rPr lang="en-US" sz="2000" b="1" dirty="0" smtClean="0">
+              <a:rPr lang="en-US" sz="2000" b="1" dirty="0">
                 <a:solidFill>
                   <a:schemeClr val="tx1"/>
                 </a:solidFill>
@@ -10363,7 +9959,7 @@
           </a:p>
           <a:p>
             <a:r>
-              <a:rPr lang="en-US" sz="2000" b="1" dirty="0" smtClean="0">
+              <a:rPr lang="en-US" sz="2000" b="1" dirty="0">
                 <a:solidFill>
                   <a:schemeClr val="tx1"/>
                 </a:solidFill>
@@ -10373,7 +9969,7 @@
           </a:p>
           <a:p>
             <a:r>
-              <a:rPr lang="en-US" sz="2000" dirty="0" smtClean="0">
+              <a:rPr lang="en-US" sz="2000" dirty="0">
                 <a:solidFill>
                   <a:schemeClr val="tx1"/>
                 </a:solidFill>
@@ -10381,7 +9977,7 @@
               <a:t>= </a:t>
             </a:r>
             <a:r>
-              <a:rPr lang="en-US" sz="2000" b="1" dirty="0" smtClean="0">
+              <a:rPr lang="en-US" sz="2000" b="1" dirty="0">
                 <a:solidFill>
                   <a:schemeClr val="tx1"/>
                 </a:solidFill>
@@ -10391,7 +9987,7 @@
           </a:p>
           <a:p>
             <a:r>
-              <a:rPr lang="en-US" sz="2000" dirty="0" smtClean="0">
+              <a:rPr lang="en-US" sz="2000" dirty="0">
                 <a:solidFill>
                   <a:schemeClr val="tx1"/>
                 </a:solidFill>
@@ -10399,18 +9995,13 @@
               <a:t>= </a:t>
             </a:r>
             <a:r>
-              <a:rPr lang="en-US" sz="2000" b="1" dirty="0" smtClean="0">
+              <a:rPr lang="en-US" sz="2000" b="1" dirty="0">
                 <a:solidFill>
                   <a:schemeClr val="tx1"/>
                 </a:solidFill>
               </a:rPr>
               <a:t>40</a:t>
             </a:r>
-            <a:endParaRPr lang="en-US" sz="2000" b="1" dirty="0">
-              <a:solidFill>
-                <a:schemeClr val="tx1"/>
-              </a:solidFill>
-            </a:endParaRPr>
           </a:p>
         </p:txBody>
       </p:sp>
@@ -10492,17 +10083,7 @@
                     <a:latin typeface="Consolas" pitchFamily="49" charset="0"/>
                     <a:cs typeface="Consolas" pitchFamily="49" charset="0"/>
                   </a:rPr>
-                  <a:t>a</a:t>
-                </a:r>
-                <a:r>
-                  <a:rPr lang="en-US" b="1" dirty="0" smtClean="0">
-                    <a:solidFill>
-                      <a:schemeClr val="tx1"/>
-                    </a:solidFill>
-                    <a:latin typeface="Consolas" pitchFamily="49" charset="0"/>
-                    <a:cs typeface="Consolas" pitchFamily="49" charset="0"/>
-                  </a:rPr>
-                  <a:t> = 15</a:t>
+                  <a:t>a = 15</a:t>
                 </a:r>
               </a:p>
               <a:p>
@@ -10515,17 +10096,7 @@
                     <a:latin typeface="Consolas" pitchFamily="49" charset="0"/>
                     <a:cs typeface="Consolas" pitchFamily="49" charset="0"/>
                   </a:rPr>
-                  <a:t>b</a:t>
-                </a:r>
-                <a:r>
-                  <a:rPr lang="en-US" b="1" dirty="0" smtClean="0">
-                    <a:solidFill>
-                      <a:schemeClr val="tx1"/>
-                    </a:solidFill>
-                    <a:latin typeface="Consolas" pitchFamily="49" charset="0"/>
-                    <a:cs typeface="Consolas" pitchFamily="49" charset="0"/>
-                  </a:rPr>
-                  <a:t> = 35</a:t>
+                  <a:t>b = 35</a:t>
                 </a:r>
               </a:p>
               <a:p>
@@ -10538,23 +10109,13 @@
                     <a:latin typeface="Consolas" pitchFamily="49" charset="0"/>
                     <a:cs typeface="Consolas" pitchFamily="49" charset="0"/>
                   </a:rPr>
-                  <a:t>c</a:t>
-                </a:r>
-                <a:r>
-                  <a:rPr lang="en-US" b="1" dirty="0" smtClean="0">
-                    <a:solidFill>
-                      <a:schemeClr val="tx1"/>
-                    </a:solidFill>
-                    <a:latin typeface="Consolas" pitchFamily="49" charset="0"/>
-                    <a:cs typeface="Consolas" pitchFamily="49" charset="0"/>
-                  </a:rPr>
-                  <a:t> = 5</a:t>
+                  <a:t>c = 5</a:t>
                 </a:r>
               </a:p>
               <a:p>
                 <a:pPr algn="ctr"/>
                 <a:r>
-                  <a:rPr lang="en-US" b="1" dirty="0" smtClean="0">
+                  <a:rPr lang="en-US" b="1" dirty="0">
                     <a:solidFill>
                       <a:schemeClr val="tx1"/>
                     </a:solidFill>
@@ -10657,7 +10218,7 @@
             <a:lstStyle/>
             <a:p>
               <a:r>
-                <a:rPr lang="en-US" sz="1400" b="1" dirty="0" smtClean="0">
+                <a:rPr lang="en-US" sz="1400" b="1" dirty="0">
                   <a:solidFill>
                     <a:schemeClr val="tx1"/>
                   </a:solidFill>
@@ -10669,7 +10230,7 @@
             </a:p>
             <a:p>
               <a:r>
-                <a:rPr lang="en-US" sz="1400" b="1" dirty="0" smtClean="0">
+                <a:rPr lang="en-US" sz="1400" b="1" dirty="0">
                   <a:solidFill>
                     <a:schemeClr val="tx1"/>
                   </a:solidFill>
@@ -10679,7 +10240,7 @@
                 <a:t> (</a:t>
               </a:r>
               <a:r>
-                <a:rPr lang="en-US" sz="1400" b="1" dirty="0" err="1" smtClean="0">
+                <a:rPr lang="en-US" sz="1400" b="1" dirty="0" err="1">
                   <a:solidFill>
                     <a:schemeClr val="tx1"/>
                   </a:solidFill>
@@ -10689,7 +10250,7 @@
                 <a:t>init</a:t>
               </a:r>
               <a:r>
-                <a:rPr lang="en-US" sz="1400" b="1" dirty="0" smtClean="0">
+                <a:rPr lang="en-US" sz="1400" b="1" dirty="0">
                   <a:solidFill>
                     <a:schemeClr val="tx1"/>
                   </a:solidFill>
@@ -10708,17 +10269,7 @@
                   <a:latin typeface="Consolas" pitchFamily="49" charset="0"/>
                   <a:cs typeface="Consolas" pitchFamily="49" charset="0"/>
                 </a:rPr>
-                <a:t> </a:t>
-              </a:r>
-              <a:r>
-                <a:rPr lang="en-US" sz="1400" b="1" dirty="0" smtClean="0">
-                  <a:solidFill>
-                    <a:schemeClr val="tx1"/>
-                  </a:solidFill>
-                  <a:latin typeface="Consolas" pitchFamily="49" charset="0"/>
-                  <a:cs typeface="Consolas" pitchFamily="49" charset="0"/>
-                </a:rPr>
-                <a:t>(define/public (foo) (+ a b))</a:t>
+                <a:t> (define/public (foo) (+ a b))</a:t>
               </a:r>
             </a:p>
             <a:p>
@@ -10730,37 +10281,7 @@
                   <a:latin typeface="Consolas" pitchFamily="49" charset="0"/>
                   <a:cs typeface="Consolas" pitchFamily="49" charset="0"/>
                 </a:rPr>
-                <a:t> </a:t>
-              </a:r>
-              <a:r>
-                <a:rPr lang="en-US" sz="1400" b="1" dirty="0" smtClean="0">
-                  <a:solidFill>
-                    <a:schemeClr val="tx1"/>
-                  </a:solidFill>
-                  <a:latin typeface="Consolas" pitchFamily="49" charset="0"/>
-                  <a:cs typeface="Consolas" pitchFamily="49" charset="0"/>
-                </a:rPr>
-                <a:t>(define/public (bar n) (</a:t>
-              </a:r>
-              <a:r>
-                <a:rPr lang="en-US" sz="1400" b="1" dirty="0">
-                  <a:solidFill>
-                    <a:schemeClr val="tx1"/>
-                  </a:solidFill>
-                  <a:latin typeface="Consolas" pitchFamily="49" charset="0"/>
-                  <a:cs typeface="Consolas" pitchFamily="49" charset="0"/>
-                </a:rPr>
-                <a:t>*</a:t>
-              </a:r>
-              <a:r>
-                <a:rPr lang="en-US" sz="1400" b="1" dirty="0" smtClean="0">
-                  <a:solidFill>
-                    <a:schemeClr val="tx1"/>
-                  </a:solidFill>
-                  <a:latin typeface="Consolas" pitchFamily="49" charset="0"/>
-                  <a:cs typeface="Consolas" pitchFamily="49" charset="0"/>
-                </a:rPr>
-                <a:t> c n))</a:t>
+                <a:t> (define/public (bar n) (* c n))</a:t>
               </a:r>
             </a:p>
             <a:p>
@@ -10772,20 +10293,10 @@
                   <a:latin typeface="Consolas" pitchFamily="49" charset="0"/>
                   <a:cs typeface="Consolas" pitchFamily="49" charset="0"/>
                 </a:rPr>
-                <a:t> </a:t>
+                <a:t> (define/public (</a:t>
               </a:r>
               <a:r>
-                <a:rPr lang="en-US" sz="1400" b="1" dirty="0" smtClean="0">
-                  <a:solidFill>
-                    <a:schemeClr val="tx1"/>
-                  </a:solidFill>
-                  <a:latin typeface="Consolas" pitchFamily="49" charset="0"/>
-                  <a:cs typeface="Consolas" pitchFamily="49" charset="0"/>
-                </a:rPr>
-                <a:t>(define/public (</a:t>
-              </a:r>
-              <a:r>
-                <a:rPr lang="en-US" sz="1400" b="1" dirty="0" err="1" smtClean="0">
+                <a:rPr lang="en-US" sz="1400" b="1" dirty="0" err="1">
                   <a:solidFill>
                     <a:schemeClr val="tx1"/>
                   </a:solidFill>
@@ -10795,7 +10306,7 @@
                 <a:t>baz</a:t>
               </a:r>
               <a:r>
-                <a:rPr lang="en-US" sz="1400" b="1" dirty="0" smtClean="0">
+                <a:rPr lang="en-US" sz="1400" b="1" dirty="0">
                   <a:solidFill>
                     <a:schemeClr val="tx1"/>
                   </a:solidFill>
@@ -10814,22 +10325,12 @@
                   <a:latin typeface="Consolas" pitchFamily="49" charset="0"/>
                   <a:cs typeface="Consolas" pitchFamily="49" charset="0"/>
                 </a:rPr>
-                <a:t> </a:t>
-              </a:r>
-              <a:r>
-                <a:rPr lang="en-US" sz="1400" b="1" dirty="0" smtClean="0">
-                  <a:solidFill>
-                    <a:schemeClr val="tx1"/>
-                  </a:solidFill>
-                  <a:latin typeface="Consolas" pitchFamily="49" charset="0"/>
-                  <a:cs typeface="Consolas" pitchFamily="49" charset="0"/>
-                </a:rPr>
-                <a:t>  (+ (send this foo) n))</a:t>
+                <a:t>   (+ (send this foo) n))</a:t>
               </a:r>
             </a:p>
             <a:p>
               <a:r>
-                <a:rPr lang="en-US" sz="1400" b="1" dirty="0" smtClean="0">
+                <a:rPr lang="en-US" sz="1400" b="1" dirty="0">
                   <a:solidFill>
                     <a:schemeClr val="tx1"/>
                   </a:solidFill>
@@ -10902,10 +10403,9 @@
             <a:lstStyle/>
             <a:p>
               <a:r>
-                <a:rPr lang="en-US" dirty="0" smtClean="0"/>
+                <a:rPr lang="en-US" dirty="0"/>
                 <a:t>obj3</a:t>
               </a:r>
-              <a:endParaRPr lang="en-US" dirty="0"/>
             </a:p>
           </p:txBody>
         </p:sp>
@@ -10958,13 +10458,6 @@
   <p:clrMapOvr>
     <a:masterClrMapping/>
   </p:clrMapOvr>
-  <p:timing>
-    <p:tnLst>
-      <p:par>
-        <p:cTn id="1" dur="indefinite" restart="never" nodeType="tmRoot"/>
-      </p:par>
-    </p:tnLst>
-  </p:timing>
 </p:sld>
 </file>
 
@@ -11003,10 +10496,9 @@
           <a:lstStyle/>
           <a:p>
             <a:r>
-              <a:rPr lang="en-US" dirty="0" smtClean="0"/>
+              <a:rPr lang="en-US" dirty="0"/>
               <a:t>The important  thing about an object is what methods it responds to</a:t>
             </a:r>
-            <a:endParaRPr lang="en-US" dirty="0"/>
           </a:p>
         </p:txBody>
       </p:sp>
@@ -11026,7 +10518,7 @@
           <a:lstStyle/>
           <a:p>
             <a:r>
-              <a:rPr lang="en-US" dirty="0" smtClean="0"/>
+              <a:rPr lang="en-US" dirty="0"/>
               <a:t>So if I wrote</a:t>
             </a:r>
           </a:p>
@@ -11035,7 +10527,7 @@
               <a:buNone/>
             </a:pPr>
             <a:r>
-              <a:rPr lang="en-US" sz="2400" b="1" dirty="0" smtClean="0">
+              <a:rPr lang="en-US" sz="2400" b="1" dirty="0">
                 <a:latin typeface="Consolas" panose="020B0609020204030204" pitchFamily="49" charset="0"/>
                 <a:cs typeface="Consolas" panose="020B0609020204030204" pitchFamily="49" charset="0"/>
               </a:rPr>
@@ -11044,67 +10536,67 @@
           </a:p>
           <a:p>
             <a:r>
-              <a:rPr lang="en-US" dirty="0" smtClean="0">
+              <a:rPr lang="en-US" dirty="0">
                 <a:cs typeface="Consolas" panose="020B0609020204030204" pitchFamily="49" charset="0"/>
               </a:rPr>
               <a:t>I  could call </a:t>
             </a:r>
             <a:r>
-              <a:rPr lang="en-US" b="1" dirty="0" smtClean="0">
+              <a:rPr lang="en-US" b="1" dirty="0">
                 <a:cs typeface="Consolas" panose="020B0609020204030204" pitchFamily="49" charset="0"/>
               </a:rPr>
               <a:t>foo1</a:t>
             </a:r>
             <a:r>
-              <a:rPr lang="en-US" dirty="0" smtClean="0">
+              <a:rPr lang="en-US" dirty="0">
                 <a:cs typeface="Consolas" panose="020B0609020204030204" pitchFamily="49" charset="0"/>
               </a:rPr>
               <a:t> on </a:t>
             </a:r>
             <a:r>
-              <a:rPr lang="en-US" b="1" dirty="0" smtClean="0">
+              <a:rPr lang="en-US" b="1" dirty="0">
                 <a:cs typeface="Consolas" panose="020B0609020204030204" pitchFamily="49" charset="0"/>
               </a:rPr>
               <a:t>obj1</a:t>
             </a:r>
             <a:r>
-              <a:rPr lang="en-US" dirty="0" smtClean="0">
+              <a:rPr lang="en-US" dirty="0">
                 <a:cs typeface="Consolas" panose="020B0609020204030204" pitchFamily="49" charset="0"/>
               </a:rPr>
               <a:t>, </a:t>
             </a:r>
             <a:r>
-              <a:rPr lang="en-US" b="1" dirty="0" smtClean="0">
+              <a:rPr lang="en-US" b="1" dirty="0">
                 <a:cs typeface="Consolas" panose="020B0609020204030204" pitchFamily="49" charset="0"/>
               </a:rPr>
               <a:t>obj2</a:t>
             </a:r>
             <a:r>
-              <a:rPr lang="en-US" dirty="0" smtClean="0">
+              <a:rPr lang="en-US" dirty="0">
                 <a:cs typeface="Consolas" panose="020B0609020204030204" pitchFamily="49" charset="0"/>
               </a:rPr>
               <a:t>, or </a:t>
             </a:r>
             <a:r>
-              <a:rPr lang="en-US" b="1" dirty="0" smtClean="0">
+              <a:rPr lang="en-US" b="1" dirty="0">
                 <a:cs typeface="Consolas" panose="020B0609020204030204" pitchFamily="49" charset="0"/>
               </a:rPr>
               <a:t>obj3</a:t>
             </a:r>
             <a:r>
-              <a:rPr lang="en-US" dirty="0" smtClean="0">
+              <a:rPr lang="en-US" dirty="0">
                 <a:cs typeface="Consolas" panose="020B0609020204030204" pitchFamily="49" charset="0"/>
               </a:rPr>
               <a:t>, because all of them respond to the </a:t>
             </a:r>
             <a:r>
-              <a:rPr lang="en-US" b="1" dirty="0" smtClean="0">
+              <a:rPr lang="en-US" b="1" dirty="0">
                 <a:cs typeface="Consolas" panose="020B0609020204030204" pitchFamily="49" charset="0"/>
               </a:rPr>
               <a:t>bar</a:t>
             </a:r>
             <a:r>
-              <a:rPr lang="en-US" dirty="0" smtClean="0">
+              <a:rPr lang="en-US" dirty="0">
                 <a:cs typeface="Consolas" panose="020B0609020204030204" pitchFamily="49" charset="0"/>
               </a:rPr>
               <a:t> message with an integer argument. </a:t>
@@ -11112,31 +10604,31 @@
           </a:p>
           <a:p>
             <a:r>
-              <a:rPr lang="en-US" dirty="0" smtClean="0">
+              <a:rPr lang="en-US" dirty="0">
                 <a:cs typeface="Consolas" panose="020B0609020204030204" pitchFamily="49" charset="0"/>
               </a:rPr>
               <a:t>The contract for </a:t>
             </a:r>
             <a:r>
-              <a:rPr lang="en-US" b="1" dirty="0" smtClean="0">
+              <a:rPr lang="en-US" b="1" dirty="0">
                 <a:cs typeface="Consolas" panose="020B0609020204030204" pitchFamily="49" charset="0"/>
               </a:rPr>
               <a:t>foo1</a:t>
             </a:r>
             <a:r>
-              <a:rPr lang="en-US" dirty="0" smtClean="0">
+              <a:rPr lang="en-US" dirty="0">
                 <a:cs typeface="Consolas" panose="020B0609020204030204" pitchFamily="49" charset="0"/>
               </a:rPr>
               <a:t> should  specify that its argument will accept a </a:t>
             </a:r>
             <a:r>
-              <a:rPr lang="en-US" b="1" dirty="0" smtClean="0">
+              <a:rPr lang="en-US" b="1" dirty="0">
                 <a:cs typeface="Consolas" panose="020B0609020204030204" pitchFamily="49" charset="0"/>
               </a:rPr>
               <a:t>bar</a:t>
             </a:r>
             <a:r>
-              <a:rPr lang="en-US" dirty="0" smtClean="0">
+              <a:rPr lang="en-US" dirty="0">
                 <a:cs typeface="Consolas" panose="020B0609020204030204" pitchFamily="49" charset="0"/>
               </a:rPr>
               <a:t> message with an integer argument.</a:t>
@@ -11213,10 +10705,9 @@
           <a:lstStyle/>
           <a:p>
             <a:r>
-              <a:rPr lang="en-US" dirty="0" smtClean="0"/>
+              <a:rPr lang="en-US" dirty="0"/>
               <a:t>Interfaces are data types</a:t>
             </a:r>
-            <a:endParaRPr lang="en-US" dirty="0"/>
           </a:p>
         </p:txBody>
       </p:sp>
@@ -11235,41 +10726,55 @@
           <a:bodyPr/>
           <a:lstStyle/>
           <a:p>
-            <a:r>
-              <a:rPr lang="en-US" dirty="0" smtClean="0">
-                <a:cs typeface="Consolas" panose="020B0609020204030204" pitchFamily="49" charset="0"/>
-              </a:rPr>
-              <a:t>The </a:t>
-            </a:r>
             <a:r>
               <a:rPr lang="en-US" dirty="0">
                 <a:cs typeface="Consolas" panose="020B0609020204030204" pitchFamily="49" charset="0"/>
               </a:rPr>
-              <a:t>set of messages to which an object responds (along </a:t>
-            </a:r>
-            <a:r>
-              <a:rPr lang="en-US" dirty="0" smtClean="0">
+              <a:t>The set of messages to which an object responds (along with their contracts) is called its </a:t>
+            </a:r>
+            <a:r>
+              <a:rPr lang="en-US" i="1" dirty="0">
+                <a:solidFill>
+                  <a:srgbClr val="FF0000"/>
+                </a:solidFill>
                 <a:cs typeface="Consolas" panose="020B0609020204030204" pitchFamily="49" charset="0"/>
               </a:rPr>
-              <a:t>with </a:t>
+              <a:t>interface</a:t>
             </a:r>
             <a:r>
               <a:rPr lang="en-US" dirty="0">
                 <a:cs typeface="Consolas" panose="020B0609020204030204" pitchFamily="49" charset="0"/>
               </a:rPr>
-              <a:t>their contracts) is called its </a:t>
+              <a:t>.</a:t>
+            </a:r>
+          </a:p>
+          <a:p>
+            <a:r>
+              <a:rPr lang="en-US" dirty="0">
+                <a:cs typeface="Consolas" panose="020B0609020204030204" pitchFamily="49" charset="0"/>
+              </a:rPr>
+              <a:t>So the contract for </a:t>
+            </a:r>
+            <a:r>
+              <a:rPr lang="en-US" b="1" dirty="0">
+                <a:cs typeface="Consolas" panose="020B0609020204030204" pitchFamily="49" charset="0"/>
+              </a:rPr>
+              <a:t>foo1</a:t>
+            </a:r>
+            <a:r>
+              <a:rPr lang="en-US" dirty="0">
+                <a:cs typeface="Consolas" panose="020B0609020204030204" pitchFamily="49" charset="0"/>
+              </a:rPr>
+              <a:t> (or any other function that takes an object as an argument) should be expressed in terms of </a:t>
             </a:r>
             <a:r>
               <a:rPr lang="en-US" i="1" dirty="0">
-                <a:solidFill>
-                  <a:srgbClr val="FF0000"/>
-                </a:solidFill>
                 <a:cs typeface="Consolas" panose="020B0609020204030204" pitchFamily="49" charset="0"/>
               </a:rPr>
-              <a:t>interface</a:t>
-            </a:r>
-            <a:r>
-              <a:rPr lang="en-US" dirty="0" smtClean="0">
+              <a:t>interfaces</a:t>
+            </a:r>
+            <a:r>
+              <a:rPr lang="en-US" dirty="0">
                 <a:cs typeface="Consolas" panose="020B0609020204030204" pitchFamily="49" charset="0"/>
               </a:rPr>
               <a:t>.</a:t>
@@ -11277,46 +10782,11 @@
           </a:p>
           <a:p>
             <a:r>
-              <a:rPr lang="en-US" dirty="0" smtClean="0">
+              <a:rPr lang="en-US" dirty="0">
                 <a:cs typeface="Consolas" panose="020B0609020204030204" pitchFamily="49" charset="0"/>
               </a:rPr>
-              <a:t>So the contract for </a:t>
-            </a:r>
-            <a:r>
-              <a:rPr lang="en-US" b="1" dirty="0" smtClean="0">
-                <a:cs typeface="Consolas" panose="020B0609020204030204" pitchFamily="49" charset="0"/>
-              </a:rPr>
-              <a:t>foo1</a:t>
-            </a:r>
-            <a:r>
-              <a:rPr lang="en-US" dirty="0" smtClean="0">
-                <a:cs typeface="Consolas" panose="020B0609020204030204" pitchFamily="49" charset="0"/>
-              </a:rPr>
-              <a:t> (or any other function that takes an object as an argument) should be expressed in terms of </a:t>
-            </a:r>
-            <a:r>
-              <a:rPr lang="en-US" i="1" dirty="0" smtClean="0">
-                <a:cs typeface="Consolas" panose="020B0609020204030204" pitchFamily="49" charset="0"/>
-              </a:rPr>
-              <a:t>interfaces</a:t>
-            </a:r>
-            <a:r>
-              <a:rPr lang="en-US" dirty="0" smtClean="0">
-                <a:cs typeface="Consolas" panose="020B0609020204030204" pitchFamily="49" charset="0"/>
-              </a:rPr>
-              <a:t>.</a:t>
-            </a:r>
-          </a:p>
-          <a:p>
-            <a:r>
-              <a:rPr lang="en-US" dirty="0" smtClean="0">
-                <a:cs typeface="Consolas" panose="020B0609020204030204" pitchFamily="49" charset="0"/>
-              </a:rPr>
               <a:t>So interfaces play the role of data types in the OOP setting.</a:t>
             </a:r>
-            <a:endParaRPr lang="en-US" dirty="0">
-              <a:cs typeface="Consolas" panose="020B0609020204030204" pitchFamily="49" charset="0"/>
-            </a:endParaRPr>
           </a:p>
           <a:p>
             <a:endParaRPr lang="en-US" dirty="0"/>
@@ -11392,10 +10862,9 @@
           <a:lstStyle/>
           <a:p>
             <a:r>
-              <a:rPr lang="en-US" dirty="0" smtClean="0"/>
+              <a:rPr lang="en-US" dirty="0"/>
               <a:t>Using The Racket Class System</a:t>
             </a:r>
-            <a:endParaRPr lang="en-US" dirty="0"/>
           </a:p>
         </p:txBody>
       </p:sp>
@@ -11415,13 +10884,13 @@
           <a:lstStyle/>
           <a:p>
             <a:r>
-              <a:rPr lang="en-US" dirty="0" smtClean="0"/>
+              <a:rPr lang="en-US" dirty="0"/>
               <a:t>We will use full Racket (yay!)</a:t>
             </a:r>
           </a:p>
           <a:p>
             <a:r>
-              <a:rPr lang="en-US" dirty="0" smtClean="0"/>
+              <a:rPr lang="en-US" dirty="0"/>
               <a:t>Write </a:t>
             </a:r>
           </a:p>
@@ -11431,18 +10900,14 @@
             </a:pPr>
             <a:r>
               <a:rPr lang="en-US" dirty="0"/>
-              <a:t>	</a:t>
-            </a:r>
-            <a:r>
-              <a:rPr lang="en-US" dirty="0" smtClean="0"/>
-              <a:t>#</a:t>
-            </a:r>
-            <a:r>
-              <a:rPr lang="en-US" dirty="0" err="1" smtClean="0"/>
+              <a:t>	#</a:t>
+            </a:r>
+            <a:r>
+              <a:rPr lang="en-US" dirty="0" err="1"/>
               <a:t>lang</a:t>
             </a:r>
             <a:r>
-              <a:rPr lang="en-US" dirty="0" smtClean="0"/>
+              <a:rPr lang="en-US" dirty="0"/>
               <a:t> racket</a:t>
             </a:r>
           </a:p>
@@ -11452,16 +10917,12 @@
             </a:pPr>
             <a:r>
               <a:rPr lang="en-US" dirty="0"/>
-              <a:t> </a:t>
-            </a:r>
-            <a:r>
-              <a:rPr lang="en-US" dirty="0" smtClean="0"/>
-              <a:t>  at the beginning of each file</a:t>
-            </a:r>
-          </a:p>
-          <a:p>
-            <a:r>
-              <a:rPr lang="en-US" dirty="0" smtClean="0"/>
+              <a:t>   at the beginning of each file</a:t>
+            </a:r>
+          </a:p>
+          <a:p>
+            <a:r>
+              <a:rPr lang="en-US" dirty="0"/>
               <a:t>And set the Language level to "Determine Language from Source"</a:t>
             </a:r>
           </a:p>
@@ -11501,13 +10962,6 @@
   <p:clrMapOvr>
     <a:masterClrMapping/>
   </p:clrMapOvr>
-  <p:timing>
-    <p:tnLst>
-      <p:par>
-        <p:cTn id="1" dur="indefinite" restart="never" nodeType="tmRoot"/>
-      </p:par>
-    </p:tnLst>
-  </p:timing>
 </p:sld>
 </file>
 
@@ -11544,10 +10998,9 @@
           <a:lstStyle/>
           <a:p>
             <a:r>
-              <a:rPr lang="en-US" dirty="0" smtClean="0"/>
+              <a:rPr lang="en-US" dirty="0"/>
               <a:t>Interface definition</a:t>
             </a:r>
-            <a:endParaRPr lang="en-US" dirty="0"/>
           </a:p>
         </p:txBody>
       </p:sp>
@@ -11751,12 +11204,14 @@
             <a:avLst/>
           </a:prstGeom>
           <a:solidFill>
-            <a:schemeClr val="accent3">
-              <a:lumMod val="40000"/>
-              <a:lumOff val="60000"/>
+            <a:schemeClr val="accent1">
+              <a:lumMod val="20000"/>
+              <a:lumOff val="80000"/>
             </a:schemeClr>
           </a:solidFill>
-          <a:ln/>
+          <a:ln>
+            <a:noFill/>
+          </a:ln>
         </p:spPr>
         <p:style>
           <a:lnRef idx="2">
@@ -11783,7 +11238,7 @@
           <a:p>
             <a:pPr algn="ctr"/>
             <a:r>
-              <a:rPr lang="en-US" dirty="0" smtClean="0">
+              <a:rPr lang="en-US" dirty="0">
                 <a:solidFill>
                   <a:schemeClr val="tx1"/>
                 </a:solidFill>
@@ -11791,7 +11246,7 @@
               <a:t>In Racket, names of interfaces end with </a:t>
             </a:r>
             <a:r>
-              <a:rPr lang="en-US" b="1" dirty="0" smtClean="0">
+              <a:rPr lang="en-US" b="1" dirty="0">
                 <a:solidFill>
                   <a:schemeClr val="tx1"/>
                 </a:solidFill>
@@ -11801,18 +11256,13 @@
               <a:t>&lt;%&gt; </a:t>
             </a:r>
             <a:r>
-              <a:rPr lang="en-US" dirty="0" smtClean="0">
+              <a:rPr lang="en-US" dirty="0">
                 <a:solidFill>
                   <a:schemeClr val="tx1"/>
                 </a:solidFill>
               </a:rPr>
               <a:t>(by convention)</a:t>
             </a:r>
-            <a:endParaRPr lang="en-US" dirty="0">
-              <a:solidFill>
-                <a:schemeClr val="tx1"/>
-              </a:solidFill>
-            </a:endParaRPr>
           </a:p>
         </p:txBody>
       </p:sp>
@@ -11866,12 +11316,14 @@
             <a:avLst/>
           </a:prstGeom>
           <a:solidFill>
-            <a:schemeClr val="accent3">
-              <a:lumMod val="40000"/>
-              <a:lumOff val="60000"/>
+            <a:schemeClr val="accent1">
+              <a:lumMod val="20000"/>
+              <a:lumOff val="80000"/>
             </a:schemeClr>
           </a:solidFill>
-          <a:ln/>
+          <a:ln>
+            <a:noFill/>
+          </a:ln>
         </p:spPr>
         <p:style>
           <a:lnRef idx="2">
@@ -11898,7 +11350,7 @@
           <a:p>
             <a:pPr algn="ctr"/>
             <a:r>
-              <a:rPr lang="en-US" dirty="0" smtClean="0">
+              <a:rPr lang="en-US" dirty="0">
                 <a:solidFill>
                   <a:schemeClr val="tx1"/>
                 </a:solidFill>
@@ -11906,7 +11358,7 @@
               <a:t>Ignore that</a:t>
             </a:r>
             <a:r>
-              <a:rPr lang="en-US" b="1" dirty="0" smtClean="0">
+              <a:rPr lang="en-US" b="1" dirty="0">
                 <a:solidFill>
                   <a:schemeClr val="tx1"/>
                 </a:solidFill>
@@ -11914,18 +11366,13 @@
               <a:t> () </a:t>
             </a:r>
             <a:r>
-              <a:rPr lang="en-US" dirty="0" smtClean="0">
+              <a:rPr lang="en-US" dirty="0">
                 <a:solidFill>
                   <a:schemeClr val="tx1"/>
                 </a:solidFill>
               </a:rPr>
               <a:t>for now</a:t>
             </a:r>
-            <a:endParaRPr lang="en-US" dirty="0">
-              <a:solidFill>
-                <a:schemeClr val="tx1"/>
-              </a:solidFill>
-            </a:endParaRPr>
           </a:p>
         </p:txBody>
       </p:sp>
@@ -11979,12 +11426,14 @@
             <a:avLst/>
           </a:prstGeom>
           <a:solidFill>
-            <a:schemeClr val="accent3">
-              <a:lumMod val="40000"/>
-              <a:lumOff val="60000"/>
+            <a:schemeClr val="accent1">
+              <a:lumMod val="20000"/>
+              <a:lumOff val="80000"/>
             </a:schemeClr>
           </a:solidFill>
-          <a:ln/>
+          <a:ln>
+            <a:noFill/>
+          </a:ln>
         </p:spPr>
         <p:style>
           <a:lnRef idx="2">
@@ -12011,18 +11460,13 @@
           <a:p>
             <a:pPr algn="ctr"/>
             <a:r>
-              <a:rPr lang="en-US" dirty="0" smtClean="0">
+              <a:rPr lang="en-US" dirty="0">
                 <a:solidFill>
                   <a:schemeClr val="tx1"/>
                 </a:solidFill>
               </a:rPr>
               <a:t>We write down each method name, with its contract as a comment.  We can write them in any order</a:t>
             </a:r>
-            <a:endParaRPr lang="en-US" dirty="0">
-              <a:solidFill>
-                <a:schemeClr val="tx1"/>
-              </a:solidFill>
-            </a:endParaRPr>
           </a:p>
         </p:txBody>
       </p:sp>
@@ -12076,12 +11520,14 @@
             <a:avLst/>
           </a:prstGeom>
           <a:solidFill>
-            <a:schemeClr val="accent3">
-              <a:lumMod val="40000"/>
-              <a:lumOff val="60000"/>
+            <a:schemeClr val="accent1">
+              <a:lumMod val="20000"/>
+              <a:lumOff val="80000"/>
             </a:schemeClr>
           </a:solidFill>
-          <a:ln/>
+          <a:ln>
+            <a:noFill/>
+          </a:ln>
         </p:spPr>
         <p:style>
           <a:lnRef idx="2">
@@ -12108,7 +11554,7 @@
           <a:p>
             <a:pPr algn="ctr"/>
             <a:r>
-              <a:rPr lang="en-US" b="1" dirty="0" smtClean="0">
+              <a:rPr lang="en-US" b="1" dirty="0">
                 <a:solidFill>
                   <a:schemeClr val="tx1"/>
                 </a:solidFill>
@@ -12116,7 +11562,7 @@
               <a:t>foo</a:t>
             </a:r>
             <a:r>
-              <a:rPr lang="en-US" dirty="0" smtClean="0">
+              <a:rPr lang="en-US" dirty="0">
                 <a:solidFill>
                   <a:schemeClr val="tx1"/>
                 </a:solidFill>
@@ -12124,7 +11570,7 @@
               <a:t> is a function of no arguments (legal in #</a:t>
             </a:r>
             <a:r>
-              <a:rPr lang="en-US" dirty="0" err="1" smtClean="0">
+              <a:rPr lang="en-US" dirty="0" err="1">
                 <a:solidFill>
                   <a:schemeClr val="tx1"/>
                 </a:solidFill>
@@ -12132,18 +11578,13 @@
               <a:t>lang</a:t>
             </a:r>
             <a:r>
-              <a:rPr lang="en-US" dirty="0" smtClean="0">
+              <a:rPr lang="en-US" dirty="0">
                 <a:solidFill>
                   <a:schemeClr val="tx1"/>
                 </a:solidFill>
               </a:rPr>
               <a:t> racket)</a:t>
             </a:r>
-            <a:endParaRPr lang="en-US" dirty="0">
-              <a:solidFill>
-                <a:schemeClr val="tx1"/>
-              </a:solidFill>
-            </a:endParaRPr>
           </a:p>
         </p:txBody>
       </p:sp>
@@ -12226,10 +11667,9 @@
           <a:lstStyle/>
           <a:p>
             <a:r>
-              <a:rPr lang="en-US" dirty="0" smtClean="0"/>
+              <a:rPr lang="en-US" dirty="0"/>
               <a:t>A Class Definition (1)</a:t>
             </a:r>
-            <a:endParaRPr lang="en-US" dirty="0"/>
           </a:p>
         </p:txBody>
       </p:sp>
@@ -12453,12 +11893,14 @@
             <a:avLst/>
           </a:prstGeom>
           <a:solidFill>
-            <a:schemeClr val="accent3">
-              <a:lumMod val="40000"/>
-              <a:lumOff val="60000"/>
+            <a:schemeClr val="accent1">
+              <a:lumMod val="20000"/>
+              <a:lumOff val="80000"/>
             </a:schemeClr>
           </a:solidFill>
-          <a:ln/>
+          <a:ln>
+            <a:noFill/>
+          </a:ln>
         </p:spPr>
         <p:style>
           <a:lnRef idx="2">
@@ -12484,7 +11926,7 @@
           <a:lstStyle/>
           <a:p>
             <a:r>
-              <a:rPr lang="en-US" dirty="0" smtClean="0">
+              <a:rPr lang="en-US" dirty="0">
                 <a:solidFill>
                   <a:schemeClr val="tx1"/>
                 </a:solidFill>
@@ -12492,7 +11934,7 @@
               <a:t>This means that this class is supposed to implement </a:t>
             </a:r>
             <a:r>
-              <a:rPr lang="en-US" b="1" dirty="0" smtClean="0">
+              <a:rPr lang="en-US" b="1" dirty="0">
                 <a:solidFill>
                   <a:schemeClr val="tx1"/>
                 </a:solidFill>
@@ -12500,7 +11942,7 @@
               <a:t>Interface1&lt;%&gt;</a:t>
             </a:r>
             <a:r>
-              <a:rPr lang="en-US" dirty="0" smtClean="0">
+              <a:rPr lang="en-US" dirty="0">
                 <a:solidFill>
                   <a:schemeClr val="tx1"/>
                 </a:solidFill>
@@ -12508,7 +11950,7 @@
               <a:t>.</a:t>
             </a:r>
             <a:r>
-              <a:rPr lang="en-US" b="1" dirty="0" smtClean="0">
+              <a:rPr lang="en-US" b="1" dirty="0">
                 <a:solidFill>
                   <a:schemeClr val="tx1"/>
                 </a:solidFill>
@@ -12516,18 +11958,13 @@
               <a:t>  </a:t>
             </a:r>
             <a:r>
-              <a:rPr lang="en-US" dirty="0" smtClean="0">
+              <a:rPr lang="en-US" dirty="0">
                 <a:solidFill>
                   <a:schemeClr val="tx1"/>
                 </a:solidFill>
               </a:rPr>
               <a:t>If we leave off one of the methods, we’ll  get an error message.</a:t>
             </a:r>
-            <a:endParaRPr lang="en-US" dirty="0">
-              <a:solidFill>
-                <a:schemeClr val="tx1"/>
-              </a:solidFill>
-            </a:endParaRPr>
           </a:p>
         </p:txBody>
       </p:sp>
@@ -12581,12 +12018,14 @@
             <a:avLst/>
           </a:prstGeom>
           <a:solidFill>
-            <a:schemeClr val="accent3">
-              <a:lumMod val="40000"/>
-              <a:lumOff val="60000"/>
+            <a:schemeClr val="accent1">
+              <a:lumMod val="20000"/>
+              <a:lumOff val="80000"/>
             </a:schemeClr>
           </a:solidFill>
-          <a:ln/>
+          <a:ln>
+            <a:noFill/>
+          </a:ln>
         </p:spPr>
         <p:style>
           <a:lnRef idx="2">
@@ -12612,7 +12051,7 @@
           <a:lstStyle/>
           <a:p>
             <a:r>
-              <a:rPr lang="en-US" b="1" dirty="0" smtClean="0">
+              <a:rPr lang="en-US" b="1" dirty="0">
                 <a:solidFill>
                   <a:schemeClr val="tx1"/>
                 </a:solidFill>
@@ -12620,7 +12059,7 @@
               <a:t>x</a:t>
             </a:r>
             <a:r>
-              <a:rPr lang="en-US" dirty="0" smtClean="0">
+              <a:rPr lang="en-US" dirty="0">
                 <a:solidFill>
                   <a:schemeClr val="tx1"/>
                 </a:solidFill>
@@ -12628,7 +12067,7 @@
               <a:t>, </a:t>
             </a:r>
             <a:r>
-              <a:rPr lang="en-US" b="1" dirty="0" smtClean="0">
+              <a:rPr lang="en-US" b="1" dirty="0">
                 <a:solidFill>
                   <a:schemeClr val="tx1"/>
                 </a:solidFill>
@@ -12636,7 +12075,7 @@
               <a:t>y</a:t>
             </a:r>
             <a:r>
-              <a:rPr lang="en-US" dirty="0" smtClean="0">
+              <a:rPr lang="en-US" dirty="0">
                 <a:solidFill>
                   <a:schemeClr val="tx1"/>
                 </a:solidFill>
@@ -12644,7 +12083,7 @@
               <a:t>, and </a:t>
             </a:r>
             <a:r>
-              <a:rPr lang="en-US" b="1" dirty="0" smtClean="0">
+              <a:rPr lang="en-US" b="1" dirty="0">
                 <a:solidFill>
                   <a:schemeClr val="tx1"/>
                 </a:solidFill>
@@ -12652,15 +12091,15 @@
               <a:t>r</a:t>
             </a:r>
             <a:r>
-              <a:rPr lang="en-US" dirty="0" smtClean="0">
+              <a:rPr lang="en-US" dirty="0">
                 <a:solidFill>
                   <a:schemeClr val="tx1"/>
                 </a:solidFill>
               </a:rPr>
-              <a:t> are the field names.  We’ve put in their contracts as a comment. In a real example, you’d put an interpretation for each field, just  as  you do the fields  of a </a:t>
-            </a:r>
-            <a:r>
-              <a:rPr lang="en-US" b="1" dirty="0" err="1" smtClean="0">
+              <a:t> are the field names.  We’ve put in their contracts as a comment. In a real example, you’d put an interpretation for each field, just as you do for the fields  of a </a:t>
+            </a:r>
+            <a:r>
+              <a:rPr lang="en-US" b="1" dirty="0" err="1">
                 <a:solidFill>
                   <a:schemeClr val="tx1"/>
                 </a:solidFill>
@@ -12668,18 +12107,13 @@
               <a:t>struct</a:t>
             </a:r>
             <a:r>
-              <a:rPr lang="en-US" dirty="0" smtClean="0">
+              <a:rPr lang="en-US" dirty="0">
                 <a:solidFill>
                   <a:schemeClr val="tx1"/>
                 </a:solidFill>
               </a:rPr>
               <a:t>.</a:t>
             </a:r>
-            <a:endParaRPr lang="en-US" dirty="0">
-              <a:solidFill>
-                <a:schemeClr val="tx1"/>
-              </a:solidFill>
-            </a:endParaRPr>
           </a:p>
         </p:txBody>
       </p:sp>
@@ -12733,12 +12167,14 @@
             <a:avLst/>
           </a:prstGeom>
           <a:solidFill>
-            <a:schemeClr val="accent3">
-              <a:lumMod val="40000"/>
-              <a:lumOff val="60000"/>
+            <a:schemeClr val="accent1">
+              <a:lumMod val="20000"/>
+              <a:lumOff val="80000"/>
             </a:schemeClr>
           </a:solidFill>
-          <a:ln/>
+          <a:ln>
+            <a:noFill/>
+          </a:ln>
         </p:spPr>
         <p:style>
           <a:lnRef idx="2">
@@ -12769,45 +12205,32 @@
                   <a:schemeClr val="tx1"/>
                 </a:solidFill>
               </a:rPr>
-              <a:t>o</a:t>
-            </a:r>
-            <a:r>
-              <a:rPr lang="en-US" b="1" dirty="0" smtClean="0">
+              <a:t>object% </a:t>
+            </a:r>
+            <a:r>
+              <a:rPr lang="en-US" dirty="0">
                 <a:solidFill>
                   <a:schemeClr val="tx1"/>
                 </a:solidFill>
               </a:rPr>
-              <a:t>bject% </a:t>
-            </a:r>
-            <a:r>
-              <a:rPr lang="en-US" dirty="0" smtClean="0">
+              <a:t>and </a:t>
+            </a:r>
+            <a:r>
+              <a:rPr lang="en-US" b="1" dirty="0">
                 <a:solidFill>
                   <a:schemeClr val="tx1"/>
                 </a:solidFill>
               </a:rPr>
-              <a:t>and </a:t>
-            </a:r>
-            <a:r>
-              <a:rPr lang="en-US" b="1" dirty="0" smtClean="0">
+              <a:t>(super-new) </a:t>
+            </a:r>
+            <a:r>
+              <a:rPr lang="en-US" dirty="0">
                 <a:solidFill>
                   <a:schemeClr val="tx1"/>
                 </a:solidFill>
               </a:rPr>
-              <a:t>(super-new) </a:t>
-            </a:r>
-            <a:r>
-              <a:rPr lang="en-US" dirty="0" smtClean="0">
-                <a:solidFill>
-                  <a:schemeClr val="tx1"/>
-                </a:solidFill>
-              </a:rPr>
               <a:t>are required magic.  We’ll learn about them in a later module</a:t>
             </a:r>
-            <a:endParaRPr lang="en-US" dirty="0">
-              <a:solidFill>
-                <a:schemeClr val="tx1"/>
-              </a:solidFill>
-            </a:endParaRPr>
           </a:p>
         </p:txBody>
       </p:sp>
@@ -12927,10 +12350,9 @@
           <a:lstStyle/>
           <a:p>
             <a:r>
-              <a:rPr lang="en-US" dirty="0" smtClean="0"/>
+              <a:rPr lang="en-US" dirty="0"/>
               <a:t>Module Introduction</a:t>
             </a:r>
-            <a:endParaRPr lang="en-US" dirty="0"/>
           </a:p>
         </p:txBody>
       </p:sp>
@@ -12952,22 +12374,21 @@
           <a:lstStyle/>
           <a:p>
             <a:r>
-              <a:rPr lang="en-US" dirty="0" smtClean="0"/>
+              <a:rPr lang="en-US" dirty="0"/>
               <a:t>In this module, we will see how classes, objects, and interfaces fit into our account of information analysis and data design</a:t>
             </a:r>
           </a:p>
           <a:p>
             <a:r>
-              <a:rPr lang="en-US" dirty="0" smtClean="0"/>
+              <a:rPr lang="en-US" dirty="0"/>
               <a:t>We'll see how the functional and the object-oriented models are related</a:t>
             </a:r>
           </a:p>
           <a:p>
             <a:r>
-              <a:rPr lang="en-US" dirty="0" smtClean="0"/>
+              <a:rPr lang="en-US" dirty="0"/>
               <a:t>We'll learn how to apply the design recipe in an object-oriented setting.</a:t>
             </a:r>
-            <a:endParaRPr lang="en-US" dirty="0"/>
           </a:p>
         </p:txBody>
       </p:sp>
@@ -13005,13 +12426,6 @@
   <p:clrMapOvr>
     <a:masterClrMapping/>
   </p:clrMapOvr>
-  <p:timing>
-    <p:tnLst>
-      <p:par>
-        <p:cTn id="1" dur="indefinite" restart="never" nodeType="tmRoot"/>
-      </p:par>
-    </p:tnLst>
-  </p:timing>
 </p:sld>
 </file>
 
@@ -13048,10 +12462,9 @@
           <a:lstStyle/>
           <a:p>
             <a:r>
-              <a:rPr lang="en-US" dirty="0" smtClean="0"/>
+              <a:rPr lang="en-US" dirty="0"/>
               <a:t>A Class Definition (2)</a:t>
             </a:r>
-            <a:endParaRPr lang="en-US" dirty="0"/>
           </a:p>
         </p:txBody>
       </p:sp>
@@ -13275,12 +12688,14 @@
             <a:avLst/>
           </a:prstGeom>
           <a:solidFill>
-            <a:schemeClr val="accent3">
-              <a:lumMod val="40000"/>
-              <a:lumOff val="60000"/>
+            <a:schemeClr val="accent1">
+              <a:lumMod val="20000"/>
+              <a:lumOff val="80000"/>
             </a:schemeClr>
           </a:solidFill>
-          <a:ln/>
+          <a:ln>
+            <a:noFill/>
+          </a:ln>
         </p:spPr>
         <p:style>
           <a:lnRef idx="2">
@@ -13307,7 +12722,7 @@
           <a:p>
             <a:pPr algn="ctr"/>
             <a:r>
-              <a:rPr lang="en-US" dirty="0" smtClean="0">
+              <a:rPr lang="en-US" dirty="0">
                 <a:solidFill>
                   <a:schemeClr val="tx1"/>
                 </a:solidFill>
@@ -13315,7 +12730,7 @@
               <a:t>We use </a:t>
             </a:r>
             <a:r>
-              <a:rPr lang="en-US" b="1" dirty="0" smtClean="0">
+              <a:rPr lang="en-US" b="1" dirty="0">
                 <a:solidFill>
                   <a:schemeClr val="tx1"/>
                 </a:solidFill>
@@ -13323,18 +12738,13 @@
               <a:t>define/public</a:t>
             </a:r>
             <a:r>
-              <a:rPr lang="en-US" dirty="0" smtClean="0">
+              <a:rPr lang="en-US" dirty="0">
                 <a:solidFill>
                   <a:schemeClr val="tx1"/>
                 </a:solidFill>
               </a:rPr>
               <a:t> to define  methods.  Here we’ve written the contract for each method; later we’ll see what the Design Recipe deliverables for methods are. </a:t>
             </a:r>
-            <a:endParaRPr lang="en-US" dirty="0">
-              <a:solidFill>
-                <a:schemeClr val="tx1"/>
-              </a:solidFill>
-            </a:endParaRPr>
           </a:p>
         </p:txBody>
       </p:sp>
@@ -13487,10 +12897,9 @@
           <a:lstStyle/>
           <a:p>
             <a:r>
-              <a:rPr lang="en-US" dirty="0" smtClean="0"/>
+              <a:rPr lang="en-US" dirty="0"/>
               <a:t>Another class definition</a:t>
             </a:r>
-            <a:endParaRPr lang="en-US" dirty="0"/>
           </a:p>
         </p:txBody>
       </p:sp>
@@ -13712,12 +13121,14 @@
             <a:avLst/>
           </a:prstGeom>
           <a:solidFill>
-            <a:schemeClr val="accent3">
-              <a:lumMod val="40000"/>
-              <a:lumOff val="60000"/>
+            <a:schemeClr val="accent1">
+              <a:lumMod val="20000"/>
+              <a:lumOff val="80000"/>
             </a:schemeClr>
           </a:solidFill>
-          <a:ln/>
+          <a:ln>
+            <a:noFill/>
+          </a:ln>
         </p:spPr>
         <p:style>
           <a:lnRef idx="2">
@@ -13744,18 +13155,13 @@
           <a:p>
             <a:pPr algn="ctr"/>
             <a:r>
-              <a:rPr lang="en-US" dirty="0" smtClean="0">
+              <a:rPr lang="en-US" dirty="0">
                 <a:solidFill>
                   <a:schemeClr val="tx1"/>
                 </a:solidFill>
               </a:rPr>
               <a:t>Here’s the definition of Class2% .  Observe that it has different field names, but the same method names.  The method definitions refer to the new field names.</a:t>
             </a:r>
-            <a:endParaRPr lang="en-US" dirty="0">
-              <a:solidFill>
-                <a:schemeClr val="tx1"/>
-              </a:solidFill>
-            </a:endParaRPr>
           </a:p>
         </p:txBody>
       </p:sp>
@@ -13805,10 +13211,9 @@
           <a:lstStyle/>
           <a:p>
             <a:r>
-              <a:rPr lang="en-US" dirty="0" smtClean="0"/>
+              <a:rPr lang="en-US" dirty="0"/>
               <a:t>Yet another class definition</a:t>
             </a:r>
-            <a:endParaRPr lang="en-US" dirty="0"/>
           </a:p>
         </p:txBody>
       </p:sp>
@@ -13860,29 +13265,21 @@
               <a:t>-field a b c)  ; a, b, c : </a:t>
             </a:r>
             <a:r>
-              <a:rPr lang="en-US" dirty="0" err="1" smtClean="0"/>
+              <a:rPr lang="en-US" dirty="0" err="1"/>
               <a:t>Int</a:t>
             </a:r>
             <a:r>
-              <a:rPr lang="en-US" dirty="0" smtClean="0"/>
+              <a:rPr lang="en-US" dirty="0"/>
               <a:t> </a:t>
             </a:r>
           </a:p>
           <a:p>
-            <a:endParaRPr lang="en-US" dirty="0" smtClean="0"/>
-          </a:p>
-          <a:p>
-            <a:r>
-              <a:rPr lang="en-US" dirty="0"/>
-              <a:t> </a:t>
-            </a:r>
-            <a:r>
-              <a:rPr lang="en-US" dirty="0" smtClean="0"/>
-              <a:t>   (</a:t>
-            </a:r>
-            <a:r>
-              <a:rPr lang="en-US" dirty="0"/>
-              <a:t>super-new)</a:t>
+            <a:endParaRPr lang="en-US" dirty="0"/>
+          </a:p>
+          <a:p>
+            <a:r>
+              <a:rPr lang="en-US" dirty="0"/>
+              <a:t>    (super-new)</a:t>
             </a:r>
           </a:p>
           <a:p>
@@ -14075,67 +13472,26 @@
           <a:p>
             <a:r>
               <a:rPr lang="en-US" dirty="0"/>
-              <a:t> </a:t>
-            </a:r>
-            <a:r>
-              <a:rPr lang="en-US" dirty="0" smtClean="0"/>
-              <a:t>   </a:t>
-            </a:r>
-            <a:r>
-              <a:rPr lang="en-US" dirty="0" smtClean="0">
+              <a:t>    </a:t>
+            </a:r>
+            <a:r>
+              <a:rPr lang="en-US" dirty="0">
                 <a:solidFill>
                   <a:srgbClr val="FF0000"/>
                 </a:solidFill>
               </a:rPr>
-              <a:t>; </a:t>
-            </a:r>
+              <a:t>; add a new field, initialized to (– a)</a:t>
+            </a:r>
+          </a:p>
+          <a:p>
             <a:r>
               <a:rPr lang="en-US" dirty="0">
                 <a:solidFill>
                   <a:srgbClr val="FF0000"/>
                 </a:solidFill>
               </a:rPr>
-              <a:t>add a new field, initialized to </a:t>
-            </a:r>
-            <a:r>
-              <a:rPr lang="en-US" dirty="0" smtClean="0">
-                <a:solidFill>
-                  <a:srgbClr val="FF0000"/>
-                </a:solidFill>
-              </a:rPr>
-              <a:t>(– a)</a:t>
-            </a:r>
-          </a:p>
-          <a:p>
-            <a:r>
-              <a:rPr lang="en-US" dirty="0" smtClean="0">
-                <a:solidFill>
-                  <a:srgbClr val="FF0000"/>
-                </a:solidFill>
-              </a:rPr>
-              <a:t>    (field </a:t>
-            </a:r>
-            <a:r>
-              <a:rPr lang="en-US" dirty="0">
-                <a:solidFill>
-                  <a:srgbClr val="FF0000"/>
-                </a:solidFill>
-              </a:rPr>
-              <a:t>[a1 (- a</a:t>
-            </a:r>
-            <a:r>
-              <a:rPr lang="en-US" dirty="0" smtClean="0">
-                <a:solidFill>
-                  <a:srgbClr val="FF0000"/>
-                </a:solidFill>
-              </a:rPr>
-              <a:t>)])</a:t>
-            </a:r>
-            <a:endParaRPr lang="en-US" dirty="0">
-              <a:solidFill>
-                <a:srgbClr val="FF0000"/>
-              </a:solidFill>
-            </a:endParaRPr>
+              <a:t>    (field [a1 (- a)])</a:t>
+            </a:r>
           </a:p>
           <a:p>
             <a:endParaRPr lang="en-US" dirty="0"/>
@@ -14169,20 +13525,12 @@
               <a:t>    </a:t>
             </a:r>
             <a:r>
-              <a:rPr lang="en-US" dirty="0" smtClean="0">
+              <a:rPr lang="en-US" dirty="0">
                 <a:solidFill>
                   <a:srgbClr val="FF0000"/>
                 </a:solidFill>
               </a:rPr>
-              <a:t>(</a:t>
-            </a:r>
-            <a:r>
-              <a:rPr lang="en-US" dirty="0">
-                <a:solidFill>
-                  <a:srgbClr val="FF0000"/>
-                </a:solidFill>
-              </a:rPr>
-              <a:t>define/public (foo) (- b a1))</a:t>
+              <a:t>(define/public (foo) (- b a1))</a:t>
             </a:r>
           </a:p>
           <a:p>
@@ -14318,12 +13666,14 @@
             <a:avLst/>
           </a:prstGeom>
           <a:solidFill>
-            <a:schemeClr val="accent3">
-              <a:lumMod val="40000"/>
-              <a:lumOff val="60000"/>
+            <a:schemeClr val="accent1">
+              <a:lumMod val="20000"/>
+              <a:lumOff val="80000"/>
             </a:schemeClr>
           </a:solidFill>
-          <a:ln/>
+          <a:ln>
+            <a:noFill/>
+          </a:ln>
         </p:spPr>
         <p:style>
           <a:lnRef idx="2">
@@ -14350,18 +13700,45 @@
           <a:p>
             <a:pPr algn="ctr"/>
             <a:r>
-              <a:rPr lang="en-US" dirty="0" smtClean="0">
+              <a:rPr lang="en-US" dirty="0">
                 <a:solidFill>
                   <a:schemeClr val="tx1"/>
                 </a:solidFill>
               </a:rPr>
-              <a:t>Objects of Class2% and Class2a% are built the same way and give the same answer for every method call. Any procedure that works with one will work the same way with the other.  </a:t>
-            </a:r>
-            <a:endParaRPr lang="en-US" dirty="0">
-              <a:solidFill>
-                <a:schemeClr val="tx1"/>
-              </a:solidFill>
-            </a:endParaRPr>
+              <a:t>Objects of </a:t>
+            </a:r>
+            <a:r>
+              <a:rPr lang="en-US" b="1" dirty="0">
+                <a:solidFill>
+                  <a:schemeClr val="tx1"/>
+                </a:solidFill>
+              </a:rPr>
+              <a:t>Class2% </a:t>
+            </a:r>
+            <a:r>
+              <a:rPr lang="en-US" dirty="0">
+                <a:solidFill>
+                  <a:schemeClr val="tx1"/>
+                </a:solidFill>
+              </a:rPr>
+              <a:t>and </a:t>
+            </a:r>
+            <a:r>
+              <a:rPr lang="en-US" b="1" dirty="0">
+                <a:solidFill>
+                  <a:schemeClr val="tx1"/>
+                </a:solidFill>
+              </a:rPr>
+              <a:t>Class2a% </a:t>
+            </a:r>
+            <a:r>
+              <a:rPr lang="en-US" dirty="0">
+                <a:solidFill>
+                  <a:schemeClr val="tx1"/>
+                </a:solidFill>
+              </a:rPr>
+              <a:t>are built the same way and give the same answer for every method call. Any procedure that works with one will work the same way with the other.  </a:t>
+            </a:r>
           </a:p>
         </p:txBody>
       </p:sp>
@@ -14380,12 +13757,14 @@
             <a:avLst/>
           </a:prstGeom>
           <a:solidFill>
-            <a:schemeClr val="accent3">
-              <a:lumMod val="40000"/>
-              <a:lumOff val="60000"/>
+            <a:schemeClr val="accent1">
+              <a:lumMod val="20000"/>
+              <a:lumOff val="80000"/>
             </a:schemeClr>
           </a:solidFill>
-          <a:ln/>
+          <a:ln>
+            <a:noFill/>
+          </a:ln>
         </p:spPr>
         <p:style>
           <a:lnRef idx="2">
@@ -14412,18 +13791,13 @@
           <a:p>
             <a:pPr algn="ctr"/>
             <a:r>
-              <a:rPr lang="en-US" dirty="0" smtClean="0">
+              <a:rPr lang="en-US" dirty="0">
                 <a:solidFill>
                   <a:schemeClr val="tx1"/>
                 </a:solidFill>
               </a:rPr>
               <a:t>This is another reason we write contracts in terms of interfaces, not classes.</a:t>
             </a:r>
-            <a:endParaRPr lang="en-US" dirty="0">
-              <a:solidFill>
-                <a:schemeClr val="tx1"/>
-              </a:solidFill>
-            </a:endParaRPr>
           </a:p>
         </p:txBody>
       </p:sp>
@@ -14526,10 +13900,9 @@
           <a:lstStyle/>
           <a:p>
             <a:r>
-              <a:rPr lang="en-US" dirty="0" smtClean="0"/>
+              <a:rPr lang="en-US" dirty="0"/>
               <a:t>Creating objects and testing</a:t>
             </a:r>
-            <a:endParaRPr lang="en-US" dirty="0"/>
           </a:p>
         </p:txBody>
       </p:sp>
@@ -14558,15 +13931,7 @@
           <a:p>
             <a:r>
               <a:rPr lang="en-US" dirty="0"/>
-              <a:t>(define obj2 (new Class1% </a:t>
-            </a:r>
-            <a:r>
-              <a:rPr lang="en-US" dirty="0" smtClean="0"/>
-              <a:t>[y 35][x 15][</a:t>
-            </a:r>
-            <a:r>
-              <a:rPr lang="en-US" dirty="0"/>
-              <a:t>r 5]))</a:t>
+              <a:t>(define obj2 (new Class1% [y 35][x 15][r 5]))</a:t>
             </a:r>
           </a:p>
           <a:p>
@@ -14663,22 +14028,17 @@
           <a:p>
             <a:r>
               <a:rPr lang="en-US" dirty="0"/>
-              <a:t>  (check-equal? (send obj3 bar 8) 40</a:t>
-            </a:r>
-            <a:r>
-              <a:rPr lang="en-US" dirty="0" smtClean="0"/>
+              <a:t>  (check-equal? (send obj3 bar 8) 40)</a:t>
+            </a:r>
+          </a:p>
+          <a:p>
+            <a:endParaRPr lang="en-US" dirty="0"/>
+          </a:p>
+          <a:p>
+            <a:r>
+              <a:rPr lang="en-US" dirty="0"/>
               <a:t>)</a:t>
             </a:r>
-          </a:p>
-          <a:p>
-            <a:endParaRPr lang="en-US" dirty="0"/>
-          </a:p>
-          <a:p>
-            <a:r>
-              <a:rPr lang="en-US" dirty="0" smtClean="0"/>
-              <a:t>)</a:t>
-            </a:r>
-            <a:endParaRPr lang="en-US" dirty="0"/>
           </a:p>
           <a:p>
             <a:endParaRPr lang="en-US" dirty="0"/>
@@ -14723,12 +14083,14 @@
             <a:avLst/>
           </a:prstGeom>
           <a:solidFill>
-            <a:schemeClr val="accent3">
-              <a:lumMod val="40000"/>
-              <a:lumOff val="60000"/>
+            <a:schemeClr val="accent1">
+              <a:lumMod val="20000"/>
+              <a:lumOff val="80000"/>
             </a:schemeClr>
           </a:solidFill>
-          <a:ln/>
+          <a:ln>
+            <a:noFill/>
+          </a:ln>
         </p:spPr>
         <p:style>
           <a:lnRef idx="2">
@@ -14755,18 +14117,13 @@
           <a:p>
             <a:pPr algn="ctr"/>
             <a:r>
-              <a:rPr lang="en-US" dirty="0" smtClean="0">
+              <a:rPr lang="en-US" dirty="0">
                 <a:solidFill>
                   <a:schemeClr val="tx1"/>
                 </a:solidFill>
               </a:rPr>
               <a:t>Here is the syntax for creating objects.  The fields can be listed in any order. </a:t>
             </a:r>
-            <a:endParaRPr lang="en-US" dirty="0">
-              <a:solidFill>
-                <a:schemeClr val="tx1"/>
-              </a:solidFill>
-            </a:endParaRPr>
           </a:p>
         </p:txBody>
       </p:sp>
@@ -14820,12 +14177,14 @@
             <a:avLst/>
           </a:prstGeom>
           <a:solidFill>
-            <a:schemeClr val="accent3">
-              <a:lumMod val="40000"/>
-              <a:lumOff val="60000"/>
+            <a:schemeClr val="accent1">
+              <a:lumMod val="20000"/>
+              <a:lumOff val="80000"/>
             </a:schemeClr>
           </a:solidFill>
-          <a:ln/>
+          <a:ln>
+            <a:noFill/>
+          </a:ln>
         </p:spPr>
         <p:style>
           <a:lnRef idx="2">
@@ -14852,18 +14211,13 @@
           <a:p>
             <a:pPr algn="ctr"/>
             <a:r>
-              <a:rPr lang="en-US" dirty="0" smtClean="0">
+              <a:rPr lang="en-US" dirty="0">
                 <a:solidFill>
                   <a:schemeClr val="tx1"/>
                 </a:solidFill>
               </a:rPr>
               <a:t>And here we send the objects some messages and check that the results are as we predicted on the slides above.</a:t>
             </a:r>
-            <a:endParaRPr lang="en-US" dirty="0">
-              <a:solidFill>
-                <a:schemeClr val="tx1"/>
-              </a:solidFill>
-            </a:endParaRPr>
           </a:p>
         </p:txBody>
       </p:sp>
@@ -14948,10 +14302,9 @@
           <a:lstStyle/>
           <a:p>
             <a:r>
-              <a:rPr lang="en-US" dirty="0" smtClean="0"/>
+              <a:rPr lang="en-US" dirty="0"/>
               <a:t>Lesson Summary</a:t>
             </a:r>
-            <a:endParaRPr lang="en-US" dirty="0"/>
           </a:p>
         </p:txBody>
       </p:sp>
@@ -14973,59 +14326,58 @@
           <a:lstStyle/>
           <a:p>
             <a:r>
-              <a:rPr lang="en-US" dirty="0" smtClean="0"/>
+              <a:rPr lang="en-US" dirty="0"/>
               <a:t>In this lesson we’ve learned:</a:t>
             </a:r>
           </a:p>
           <a:p>
             <a:pPr lvl="1"/>
             <a:r>
-              <a:rPr lang="en-US" dirty="0" smtClean="0"/>
+              <a:rPr lang="en-US" dirty="0"/>
               <a:t>Classes are like define-</a:t>
             </a:r>
             <a:r>
-              <a:rPr lang="en-US" dirty="0" err="1" smtClean="0"/>
+              <a:rPr lang="en-US" dirty="0" err="1"/>
               <a:t>structs</a:t>
             </a:r>
             <a:r>
-              <a:rPr lang="en-US" dirty="0" smtClean="0"/>
+              <a:rPr lang="en-US" dirty="0"/>
               <a:t>, but with methods (functions) as  well as fields.</a:t>
             </a:r>
           </a:p>
           <a:p>
             <a:pPr lvl="1"/>
             <a:r>
-              <a:rPr lang="en-US" dirty="0" smtClean="0"/>
+              <a:rPr lang="en-US" dirty="0"/>
               <a:t>Every object knows its class.</a:t>
             </a:r>
           </a:p>
           <a:p>
             <a:pPr lvl="1"/>
             <a:r>
-              <a:rPr lang="en-US" dirty="0" smtClean="0"/>
+              <a:rPr lang="en-US" dirty="0"/>
               <a:t>Invoke a method of an object by sending it a message.</a:t>
             </a:r>
           </a:p>
           <a:p>
             <a:pPr lvl="1"/>
             <a:r>
-              <a:rPr lang="en-US" dirty="0" smtClean="0"/>
+              <a:rPr lang="en-US" dirty="0"/>
               <a:t>The interface of an object is the set of messages to which it responds.</a:t>
             </a:r>
           </a:p>
           <a:p>
             <a:pPr lvl="1"/>
             <a:r>
-              <a:rPr lang="en-US" dirty="0" smtClean="0"/>
+              <a:rPr lang="en-US" dirty="0"/>
               <a:t>Interfaces are data types.</a:t>
             </a:r>
           </a:p>
           <a:p>
             <a:r>
-              <a:rPr lang="en-US" dirty="0" smtClean="0"/>
+              <a:rPr lang="en-US" dirty="0"/>
               <a:t>We’ve seen how to define classes, objects, and interfaces in the Racket object system.</a:t>
             </a:r>
-            <a:endParaRPr lang="en-US" dirty="0"/>
           </a:p>
         </p:txBody>
       </p:sp>
@@ -15098,10 +14450,9 @@
           <a:lstStyle/>
           <a:p>
             <a:r>
-              <a:rPr lang="en-US" dirty="0" smtClean="0"/>
+              <a:rPr lang="en-US" dirty="0"/>
               <a:t>Next Steps</a:t>
             </a:r>
-            <a:endParaRPr lang="en-US" dirty="0"/>
           </a:p>
         </p:txBody>
       </p:sp>
@@ -15121,30 +14472,29 @@
           <a:lstStyle/>
           <a:p>
             <a:r>
-              <a:rPr lang="en-US" dirty="0" smtClean="0"/>
+              <a:rPr lang="en-US" dirty="0"/>
               <a:t>Study the </a:t>
             </a:r>
             <a:r>
-              <a:rPr lang="en-US" smtClean="0"/>
+              <a:rPr lang="en-US"/>
               <a:t>file 09-1-basics.rkt </a:t>
             </a:r>
             <a:r>
-              <a:rPr lang="en-US" dirty="0" smtClean="0"/>
+              <a:rPr lang="en-US" dirty="0"/>
               <a:t>in the Examples folder</a:t>
             </a:r>
           </a:p>
           <a:p>
             <a:r>
-              <a:rPr lang="en-US" dirty="0" smtClean="0"/>
+              <a:rPr lang="en-US" dirty="0"/>
               <a:t>If you have questions about this lesson, ask them on the Discussion Board</a:t>
             </a:r>
           </a:p>
           <a:p>
             <a:r>
-              <a:rPr lang="en-US" dirty="0" smtClean="0"/>
+              <a:rPr lang="en-US" dirty="0"/>
               <a:t>Go on to the next lesson</a:t>
             </a:r>
-            <a:endParaRPr lang="en-US" dirty="0"/>
           </a:p>
         </p:txBody>
       </p:sp>
@@ -15181,13 +14531,6 @@
   <p:clrMapOvr>
     <a:masterClrMapping/>
   </p:clrMapOvr>
-  <p:timing>
-    <p:tnLst>
-      <p:par>
-        <p:cTn id="1" dur="indefinite" restart="never" nodeType="tmRoot"/>
-      </p:par>
-    </p:tnLst>
-  </p:timing>
 </p:sld>
 </file>
 
@@ -15243,10 +14586,9 @@
           <a:p>
             <a:pPr algn="ctr"/>
             <a:r>
-              <a:rPr lang="en-US" dirty="0" smtClean="0"/>
+              <a:rPr lang="en-US" dirty="0"/>
               <a:t>Generalization</a:t>
             </a:r>
-            <a:endParaRPr lang="en-US" dirty="0"/>
           </a:p>
         </p:txBody>
       </p:sp>
@@ -15291,10 +14633,9 @@
           <a:p>
             <a:pPr algn="ctr"/>
             <a:r>
-              <a:rPr lang="en-US" dirty="0" smtClean="0"/>
+              <a:rPr lang="en-US" dirty="0"/>
               <a:t>Over Constants</a:t>
             </a:r>
-            <a:endParaRPr lang="en-US" dirty="0"/>
           </a:p>
         </p:txBody>
       </p:sp>
@@ -15339,7 +14680,7 @@
           <a:p>
             <a:pPr algn="ctr"/>
             <a:r>
-              <a:rPr lang="en-US" dirty="0" smtClean="0"/>
+              <a:rPr lang="en-US" dirty="0"/>
               <a:t>Over Expressions</a:t>
             </a:r>
           </a:p>
@@ -15386,10 +14727,9 @@
           <a:p>
             <a:pPr algn="ctr"/>
             <a:r>
-              <a:rPr lang="en-US" dirty="0" smtClean="0"/>
+              <a:rPr lang="en-US" dirty="0"/>
               <a:t>Over Contexts</a:t>
             </a:r>
-            <a:endParaRPr lang="en-US" dirty="0"/>
           </a:p>
         </p:txBody>
       </p:sp>
@@ -15434,10 +14774,9 @@
           <a:p>
             <a:pPr algn="ctr"/>
             <a:r>
-              <a:rPr lang="en-US" dirty="0" smtClean="0"/>
+              <a:rPr lang="en-US" dirty="0"/>
               <a:t>Over Data Representations</a:t>
             </a:r>
-            <a:endParaRPr lang="en-US" dirty="0"/>
           </a:p>
         </p:txBody>
       </p:sp>
@@ -15482,10 +14821,9 @@
           <a:p>
             <a:pPr algn="ctr"/>
             <a:r>
-              <a:rPr lang="en-US" dirty="0" smtClean="0"/>
+              <a:rPr lang="en-US" dirty="0"/>
               <a:t>Over Method Implementations</a:t>
             </a:r>
-            <a:endParaRPr lang="en-US" dirty="0"/>
           </a:p>
         </p:txBody>
       </p:sp>
@@ -15544,10 +14882,9 @@
             <a:p>
               <a:pPr algn="ctr"/>
               <a:r>
-                <a:rPr lang="en-US" dirty="0" smtClean="0"/>
+                <a:rPr lang="en-US" dirty="0"/>
                 <a:t>Mixed Data</a:t>
               </a:r>
-              <a:endParaRPr lang="en-US" dirty="0"/>
             </a:p>
           </p:txBody>
         </p:sp>
@@ -15586,10 +14923,9 @@
             <a:p>
               <a:pPr algn="ctr"/>
               <a:r>
-                <a:rPr lang="en-US" dirty="0" smtClean="0"/>
+                <a:rPr lang="en-US" dirty="0"/>
                 <a:t>Data Representations</a:t>
               </a:r>
-              <a:endParaRPr lang="en-US" dirty="0"/>
             </a:p>
           </p:txBody>
         </p:sp>
@@ -15634,10 +14970,9 @@
             <a:p>
               <a:pPr algn="ctr"/>
               <a:r>
-                <a:rPr lang="en-US" dirty="0" smtClean="0"/>
+                <a:rPr lang="en-US" dirty="0"/>
                 <a:t>Basics</a:t>
               </a:r>
-              <a:endParaRPr lang="en-US" dirty="0"/>
             </a:p>
           </p:txBody>
         </p:sp>
@@ -15682,10 +15017,9 @@
             <a:p>
               <a:pPr algn="ctr"/>
               <a:r>
-                <a:rPr lang="en-US" dirty="0" smtClean="0"/>
+                <a:rPr lang="en-US" dirty="0"/>
                 <a:t>Recursive Data</a:t>
               </a:r>
-              <a:endParaRPr lang="en-US" dirty="0"/>
             </a:p>
           </p:txBody>
         </p:sp>
@@ -15730,10 +15064,9 @@
             <a:p>
               <a:pPr algn="ctr"/>
               <a:r>
-                <a:rPr lang="en-US" dirty="0" smtClean="0"/>
+                <a:rPr lang="en-US" dirty="0"/>
                 <a:t>Functional Data</a:t>
               </a:r>
-              <a:endParaRPr lang="en-US" dirty="0"/>
             </a:p>
           </p:txBody>
         </p:sp>
@@ -15774,10 +15107,9 @@
             <a:p>
               <a:pPr algn="ctr"/>
               <a:r>
-                <a:rPr lang="en-US" dirty="0" smtClean="0"/>
+                <a:rPr lang="en-US" dirty="0"/>
                 <a:t>Objects &amp; Classes</a:t>
               </a:r>
-              <a:endParaRPr lang="en-US" dirty="0"/>
             </a:p>
           </p:txBody>
         </p:sp>
@@ -15822,14 +15154,13 @@
             <a:p>
               <a:pPr algn="ctr"/>
               <a:r>
-                <a:rPr lang="en-US" dirty="0" err="1" smtClean="0"/>
+                <a:rPr lang="en-US" dirty="0" err="1"/>
                 <a:t>Stateful</a:t>
               </a:r>
               <a:r>
-                <a:rPr lang="en-US" dirty="0" smtClean="0"/>
+                <a:rPr lang="en-US" dirty="0"/>
                 <a:t> Objects</a:t>
               </a:r>
-              <a:endParaRPr lang="en-US" dirty="0"/>
             </a:p>
           </p:txBody>
         </p:sp>
@@ -16132,7 +15463,7 @@
           <a:p>
             <a:pPr algn="ctr"/>
             <a:r>
-              <a:rPr lang="en-US" sz="4400" dirty="0" smtClean="0"/>
+              <a:rPr lang="en-US" sz="4400" dirty="0"/>
               <a:t>Module 09</a:t>
             </a:r>
             <a:endParaRPr lang="en-US" sz="4400" dirty="0">
@@ -16361,10 +15692,9 @@
             <a:p>
               <a:pPr algn="ctr"/>
               <a:r>
-                <a:rPr lang="en-US" dirty="0" smtClean="0"/>
+                <a:rPr lang="en-US" dirty="0"/>
                 <a:t>Design Strategies</a:t>
               </a:r>
-              <a:endParaRPr lang="en-US" dirty="0"/>
             </a:p>
           </p:txBody>
         </p:sp>
@@ -16409,10 +15739,9 @@
             <a:p>
               <a:pPr algn="ctr"/>
               <a:r>
-                <a:rPr lang="en-US" dirty="0" smtClean="0"/>
+                <a:rPr lang="en-US" dirty="0"/>
                 <a:t>Combine simpler functions</a:t>
               </a:r>
-              <a:endParaRPr lang="en-US" dirty="0"/>
             </a:p>
           </p:txBody>
         </p:sp>
@@ -16457,10 +15786,9 @@
             <a:p>
               <a:pPr algn="ctr"/>
               <a:r>
-                <a:rPr lang="en-US" dirty="0" smtClean="0"/>
+                <a:rPr lang="en-US" dirty="0"/>
                 <a:t>Use a template</a:t>
               </a:r>
-              <a:endParaRPr lang="en-US" dirty="0"/>
             </a:p>
           </p:txBody>
         </p:sp>
@@ -16505,10 +15833,9 @@
             <a:p>
               <a:pPr algn="ctr"/>
               <a:r>
-                <a:rPr lang="en-US" dirty="0" smtClean="0"/>
+                <a:rPr lang="en-US" dirty="0"/>
                 <a:t>Divide into Cases</a:t>
               </a:r>
-              <a:endParaRPr lang="en-US" dirty="0"/>
             </a:p>
           </p:txBody>
         </p:sp>
@@ -16553,10 +15880,9 @@
             <a:p>
               <a:pPr algn="ctr"/>
               <a:r>
-                <a:rPr lang="en-US" dirty="0" smtClean="0"/>
+                <a:rPr lang="en-US" dirty="0"/>
                 <a:t>Call a more general function</a:t>
               </a:r>
-              <a:endParaRPr lang="en-US" dirty="0"/>
             </a:p>
           </p:txBody>
         </p:sp>
@@ -16601,10 +15927,9 @@
             <a:p>
               <a:pPr algn="ctr"/>
               <a:r>
-                <a:rPr lang="en-US" dirty="0" smtClean="0"/>
+                <a:rPr lang="en-US" dirty="0"/>
                 <a:t>Communicate via State</a:t>
               </a:r>
-              <a:endParaRPr lang="en-US" dirty="0"/>
             </a:p>
           </p:txBody>
         </p:sp>
@@ -16793,18 +16118,17 @@
             <a:p>
               <a:pPr algn="ctr"/>
               <a:r>
-                <a:rPr lang="en-US" dirty="0" smtClean="0"/>
+                <a:rPr lang="en-US" dirty="0"/>
                 <a:t>Recur on </a:t>
               </a:r>
               <a:r>
-                <a:rPr lang="en-US" dirty="0" err="1" smtClean="0"/>
+                <a:rPr lang="en-US" dirty="0" err="1"/>
                 <a:t>subproblem</a:t>
               </a:r>
               <a:r>
-                <a:rPr lang="en-US" dirty="0" smtClean="0"/>
+                <a:rPr lang="en-US" dirty="0"/>
                 <a:t>(s)</a:t>
               </a:r>
-              <a:endParaRPr lang="en-US" dirty="0"/>
             </a:p>
           </p:txBody>
         </p:sp>
@@ -16855,13 +16179,6 @@
   <p:clrMapOvr>
     <a:masterClrMapping/>
   </p:clrMapOvr>
-  <p:timing>
-    <p:tnLst>
-      <p:par>
-        <p:cTn id="1" dur="indefinite" restart="never" nodeType="tmRoot"/>
-      </p:par>
-    </p:tnLst>
-  </p:timing>
 </p:sld>
 </file>
 
@@ -16898,10 +16215,9 @@
           <a:lstStyle/>
           <a:p>
             <a:r>
-              <a:rPr lang="en-US" dirty="0" smtClean="0"/>
+              <a:rPr lang="en-US" dirty="0"/>
               <a:t>Goals of this lesson</a:t>
             </a:r>
-            <a:endParaRPr lang="en-US" dirty="0"/>
           </a:p>
         </p:txBody>
       </p:sp>
@@ -16923,19 +16239,19 @@
           <a:lstStyle/>
           <a:p>
             <a:r>
-              <a:rPr lang="en-US" dirty="0" smtClean="0"/>
+              <a:rPr lang="en-US" dirty="0"/>
               <a:t>Learn the basics about classes, objects, fields, and methods.</a:t>
             </a:r>
           </a:p>
           <a:p>
             <a:r>
-              <a:rPr lang="en-US" dirty="0" smtClean="0"/>
+              <a:rPr lang="en-US" dirty="0"/>
               <a:t>Learn how these ideas are expressed in the Racket object system</a:t>
             </a:r>
           </a:p>
           <a:p>
             <a:r>
-              <a:rPr lang="en-US" dirty="0" smtClean="0"/>
+              <a:rPr lang="en-US" dirty="0"/>
               <a:t>We assume that you already know a little about object-oriented programming.</a:t>
             </a:r>
           </a:p>
@@ -16970,13 +16286,6 @@
   <p:clrMapOvr>
     <a:masterClrMapping/>
   </p:clrMapOvr>
-  <p:timing>
-    <p:tnLst>
-      <p:par>
-        <p:cTn id="1" dur="indefinite" restart="never" nodeType="tmRoot"/>
-      </p:par>
-    </p:tnLst>
-  </p:timing>
 </p:sld>
 </file>
 
@@ -17013,10 +16322,9 @@
           <a:lstStyle/>
           <a:p>
             <a:r>
-              <a:rPr lang="en-US" dirty="0" smtClean="0"/>
+              <a:rPr lang="en-US" dirty="0"/>
               <a:t>Slogans for this lesson</a:t>
             </a:r>
-            <a:endParaRPr lang="en-US" dirty="0"/>
           </a:p>
         </p:txBody>
       </p:sp>
@@ -17036,42 +16344,41 @@
           <a:lstStyle/>
           <a:p>
             <a:r>
-              <a:rPr lang="en-US" dirty="0" smtClean="0"/>
+              <a:rPr lang="en-US" dirty="0"/>
               <a:t>Classes are like define-</a:t>
             </a:r>
             <a:r>
-              <a:rPr lang="en-US" dirty="0" err="1" smtClean="0"/>
+              <a:rPr lang="en-US" dirty="0" err="1"/>
               <a:t>structs</a:t>
             </a:r>
             <a:r>
-              <a:rPr lang="en-US" dirty="0" smtClean="0"/>
+              <a:rPr lang="en-US" dirty="0"/>
               <a:t>, but with methods (functions) as  well as fields.</a:t>
             </a:r>
           </a:p>
           <a:p>
             <a:r>
-              <a:rPr lang="en-US" dirty="0" smtClean="0"/>
+              <a:rPr lang="en-US" dirty="0"/>
               <a:t>Every object knows its class.</a:t>
             </a:r>
           </a:p>
           <a:p>
             <a:r>
-              <a:rPr lang="en-US" dirty="0" smtClean="0"/>
+              <a:rPr lang="en-US" dirty="0"/>
               <a:t>Invoke a method of an object by sending it a message.</a:t>
             </a:r>
           </a:p>
           <a:p>
             <a:r>
-              <a:rPr lang="en-US" dirty="0" smtClean="0"/>
+              <a:rPr lang="en-US" dirty="0"/>
               <a:t>The interface of an object is the set of messages to which it responds.</a:t>
             </a:r>
           </a:p>
           <a:p>
             <a:r>
-              <a:rPr lang="en-US" dirty="0" smtClean="0"/>
+              <a:rPr lang="en-US" dirty="0"/>
               <a:t>Interfaces are data types</a:t>
             </a:r>
-            <a:endParaRPr lang="en-US" dirty="0"/>
           </a:p>
         </p:txBody>
       </p:sp>
@@ -17144,7 +16451,7 @@
           <a:lstStyle/>
           <a:p>
             <a:r>
-              <a:rPr lang="en-US" dirty="0" smtClean="0"/>
+              <a:rPr lang="en-US" dirty="0"/>
               <a:t>Classes and Objects</a:t>
             </a:r>
             <a:endParaRPr lang="en-US" i="1" dirty="0">
@@ -17173,35 +16480,35 @@
           <a:lstStyle/>
           <a:p>
             <a:r>
-              <a:rPr lang="en-US" dirty="0" smtClean="0"/>
+              <a:rPr lang="en-US" dirty="0"/>
               <a:t>A class is  like a </a:t>
             </a:r>
             <a:r>
-              <a:rPr lang="en-US" b="1" dirty="0" smtClean="0"/>
+              <a:rPr lang="en-US" b="1" dirty="0"/>
               <a:t>define-</a:t>
             </a:r>
             <a:r>
-              <a:rPr lang="en-US" b="1" dirty="0" err="1" smtClean="0"/>
+              <a:rPr lang="en-US" b="1" dirty="0" err="1"/>
               <a:t>struct</a:t>
             </a:r>
             <a:r>
-              <a:rPr lang="en-US" dirty="0" smtClean="0"/>
+              <a:rPr lang="en-US" dirty="0"/>
               <a:t>.</a:t>
             </a:r>
           </a:p>
           <a:p>
             <a:r>
-              <a:rPr lang="en-US" dirty="0" smtClean="0"/>
+              <a:rPr lang="en-US" dirty="0"/>
               <a:t>It specifies the names of  the fields of its objects.</a:t>
             </a:r>
           </a:p>
           <a:p>
             <a:r>
-              <a:rPr lang="en-US" dirty="0" smtClean="0"/>
+              <a:rPr lang="en-US" dirty="0"/>
               <a:t>It also contains some </a:t>
             </a:r>
             <a:r>
-              <a:rPr lang="en-US" i="1" dirty="0" smtClean="0">
+              <a:rPr lang="en-US" i="1" dirty="0">
                 <a:solidFill>
                   <a:srgbClr val="FF0000"/>
                 </a:solidFill>
@@ -17209,21 +16516,21 @@
               <a:t>methods</a:t>
             </a:r>
             <a:r>
-              <a:rPr lang="en-US" dirty="0" smtClean="0"/>
+              <a:rPr lang="en-US" dirty="0"/>
               <a:t>.  Each method has a name and a definition.</a:t>
             </a:r>
           </a:p>
           <a:p>
             <a:r>
-              <a:rPr lang="en-US" dirty="0" smtClean="0"/>
+              <a:rPr lang="en-US" dirty="0"/>
               <a:t>To create an object of class </a:t>
             </a:r>
             <a:r>
-              <a:rPr lang="en-US" b="1" dirty="0" smtClean="0"/>
+              <a:rPr lang="en-US" b="1" dirty="0"/>
               <a:t>C</a:t>
             </a:r>
             <a:r>
-              <a:rPr lang="en-US" dirty="0" smtClean="0"/>
+              <a:rPr lang="en-US" dirty="0"/>
               <a:t>, we say</a:t>
             </a:r>
           </a:p>
@@ -17232,7 +16539,7 @@
               <a:buNone/>
             </a:pPr>
             <a:r>
-              <a:rPr lang="en-US" b="1" dirty="0" smtClean="0">
+              <a:rPr lang="en-US" b="1" dirty="0">
                 <a:latin typeface="Consolas" panose="020B0609020204030204" pitchFamily="49" charset="0"/>
                 <a:cs typeface="Consolas" panose="020B0609020204030204" pitchFamily="49" charset="0"/>
               </a:rPr>
@@ -17273,19 +16580,21 @@
         </p:nvSpPr>
         <p:spPr>
           <a:xfrm>
-            <a:off x="5746139" y="4968227"/>
+            <a:off x="5630879" y="5388851"/>
             <a:ext cx="2532888" cy="841248"/>
           </a:xfrm>
           <a:prstGeom prst="rect">
             <a:avLst/>
           </a:prstGeom>
           <a:solidFill>
-            <a:schemeClr val="accent3">
-              <a:lumMod val="40000"/>
-              <a:lumOff val="60000"/>
+            <a:schemeClr val="accent1">
+              <a:lumMod val="20000"/>
+              <a:lumOff val="80000"/>
             </a:schemeClr>
           </a:solidFill>
-          <a:ln/>
+          <a:ln>
+            <a:noFill/>
+          </a:ln>
         </p:spPr>
         <p:style>
           <a:lnRef idx="2">
@@ -17312,7 +16621,7 @@
           <a:p>
             <a:pPr algn="ctr"/>
             <a:r>
-              <a:rPr lang="en-US" sz="1600" dirty="0" smtClean="0">
+              <a:rPr lang="en-US" sz="1600" dirty="0">
                 <a:solidFill>
                   <a:schemeClr val="tx1"/>
                 </a:solidFill>
@@ -17332,13 +16641,6 @@
   <p:clrMapOvr>
     <a:masterClrMapping/>
   </p:clrMapOvr>
-  <p:timing>
-    <p:tnLst>
-      <p:par>
-        <p:cTn id="1" dur="indefinite" restart="never" nodeType="tmRoot"/>
-      </p:par>
-    </p:tnLst>
-  </p:timing>
 </p:sld>
 </file>
 
@@ -17375,10 +16677,9 @@
           <a:lstStyle/>
           <a:p>
             <a:r>
-              <a:rPr lang="en-US" dirty="0" smtClean="0"/>
+              <a:rPr lang="en-US" dirty="0"/>
               <a:t>What is an object?</a:t>
             </a:r>
-            <a:endParaRPr lang="en-US" dirty="0"/>
           </a:p>
         </p:txBody>
       </p:sp>
@@ -17400,17 +16701,17 @@
           <a:lstStyle/>
           <a:p>
             <a:r>
-              <a:rPr lang="en-US" sz="2400" dirty="0" smtClean="0"/>
+              <a:rPr lang="en-US" sz="2400" dirty="0"/>
               <a:t>An object is another way of representing compound data, like a struct.  </a:t>
             </a:r>
           </a:p>
           <a:p>
             <a:r>
-              <a:rPr lang="en-US" sz="2400" dirty="0" smtClean="0"/>
+              <a:rPr lang="en-US" sz="2400" dirty="0"/>
               <a:t>Like a struct, it has </a:t>
             </a:r>
             <a:r>
-              <a:rPr lang="en-US" sz="2400" i="1" dirty="0" smtClean="0">
+              <a:rPr lang="en-US" sz="2400" i="1" dirty="0">
                 <a:solidFill>
                   <a:srgbClr val="FF0000"/>
                 </a:solidFill>
@@ -17418,31 +16719,30 @@
               <a:t>fields</a:t>
             </a:r>
             <a:r>
-              <a:rPr lang="en-US" sz="2400" i="1" dirty="0" smtClean="0"/>
+              <a:rPr lang="en-US" sz="2400" i="1" dirty="0"/>
               <a:t>.</a:t>
             </a:r>
             <a:endParaRPr lang="en-US" sz="2400" dirty="0"/>
           </a:p>
           <a:p>
             <a:r>
-              <a:rPr lang="en-US" sz="2400" dirty="0" smtClean="0"/>
+              <a:rPr lang="en-US" sz="2400" dirty="0"/>
               <a:t>It has one built-in field, called </a:t>
             </a:r>
             <a:r>
-              <a:rPr lang="en-US" sz="2400" b="1" dirty="0" smtClean="0"/>
+              <a:rPr lang="en-US" sz="2400" b="1" dirty="0"/>
               <a:t>this</a:t>
             </a:r>
             <a:r>
-              <a:rPr lang="en-US" sz="2400" dirty="0" smtClean="0"/>
+              <a:rPr lang="en-US" sz="2400" dirty="0"/>
               <a:t>, which always refers to this object</a:t>
             </a:r>
           </a:p>
           <a:p>
             <a:r>
-              <a:rPr lang="en-US" sz="2400" dirty="0" smtClean="0"/>
+              <a:rPr lang="en-US" sz="2400" dirty="0"/>
               <a:t>Here are pictures of two simple objects:</a:t>
             </a:r>
-            <a:endParaRPr lang="en-US" sz="2400" dirty="0"/>
           </a:p>
         </p:txBody>
       </p:sp>
@@ -17513,7 +16813,7 @@
           <a:p>
             <a:pPr algn="ctr"/>
             <a:r>
-              <a:rPr lang="en-US" b="1" dirty="0" smtClean="0">
+              <a:rPr lang="en-US" b="1" dirty="0">
                 <a:solidFill>
                   <a:schemeClr val="tx1"/>
                 </a:solidFill>
@@ -17526,7 +16826,7 @@
           <a:p>
             <a:pPr algn="ctr"/>
             <a:r>
-              <a:rPr lang="en-US" b="1" dirty="0" smtClean="0">
+              <a:rPr lang="en-US" b="1" dirty="0">
                 <a:solidFill>
                   <a:schemeClr val="tx1"/>
                 </a:solidFill>
@@ -17539,7 +16839,7 @@
           <a:p>
             <a:pPr algn="ctr"/>
             <a:r>
-              <a:rPr lang="en-US" b="1" dirty="0" smtClean="0">
+              <a:rPr lang="en-US" b="1" dirty="0">
                 <a:solidFill>
                   <a:schemeClr val="tx1"/>
                 </a:solidFill>
@@ -17552,7 +16852,7 @@
           <a:p>
             <a:pPr algn="ctr"/>
             <a:r>
-              <a:rPr lang="en-US" b="1" dirty="0" smtClean="0">
+              <a:rPr lang="en-US" b="1" dirty="0">
                 <a:solidFill>
                   <a:schemeClr val="tx1"/>
                 </a:solidFill>
@@ -17614,17 +16914,20 @@
                 <a:latin typeface="Consolas" pitchFamily="49" charset="0"/>
                 <a:cs typeface="Consolas" pitchFamily="49" charset="0"/>
               </a:rPr>
-              <a:t>h</a:t>
-            </a:r>
-            <a:r>
-              <a:rPr lang="en-US" b="1" dirty="0" smtClean="0">
+              <a:t>h = 30</a:t>
+            </a:r>
+          </a:p>
+          <a:p>
+            <a:pPr algn="ctr"/>
+            <a:r>
+              <a:rPr lang="en-US" b="1" dirty="0">
                 <a:solidFill>
                   <a:schemeClr val="tx1"/>
                 </a:solidFill>
                 <a:latin typeface="Consolas" pitchFamily="49" charset="0"/>
                 <a:cs typeface="Consolas" pitchFamily="49" charset="0"/>
               </a:rPr>
-              <a:t> = 30</a:t>
+              <a:t>w = 15</a:t>
             </a:r>
           </a:p>
           <a:p>
@@ -17637,36 +16940,13 @@
                 <a:latin typeface="Consolas" pitchFamily="49" charset="0"/>
                 <a:cs typeface="Consolas" pitchFamily="49" charset="0"/>
               </a:rPr>
-              <a:t>w</a:t>
-            </a:r>
-            <a:r>
-              <a:rPr lang="en-US" b="1" dirty="0" smtClean="0">
-                <a:solidFill>
-                  <a:schemeClr val="tx1"/>
-                </a:solidFill>
-                <a:latin typeface="Consolas" pitchFamily="49" charset="0"/>
-                <a:cs typeface="Consolas" pitchFamily="49" charset="0"/>
-              </a:rPr>
-              <a:t> = 15</a:t>
+              <a:t>color = "blue"</a:t>
             </a:r>
           </a:p>
           <a:p>
             <a:pPr algn="ctr"/>
             <a:r>
-              <a:rPr lang="en-US" b="1" dirty="0" smtClean="0">
-                <a:solidFill>
-                  <a:schemeClr val="tx1"/>
-                </a:solidFill>
-                <a:latin typeface="Consolas" pitchFamily="49" charset="0"/>
-                <a:cs typeface="Consolas" pitchFamily="49" charset="0"/>
-              </a:rPr>
-              <a:t>color = "blue"</a:t>
-            </a:r>
-          </a:p>
-          <a:p>
-            <a:pPr algn="ctr"/>
-            <a:r>
-              <a:rPr lang="en-US" b="1" dirty="0" smtClean="0">
+              <a:rPr lang="en-US" b="1" dirty="0">
                 <a:solidFill>
                   <a:schemeClr val="tx1"/>
                 </a:solidFill>
@@ -17789,12 +17069,14 @@
             <a:avLst/>
           </a:prstGeom>
           <a:solidFill>
-            <a:schemeClr val="accent3">
-              <a:lumMod val="40000"/>
-              <a:lumOff val="60000"/>
+            <a:schemeClr val="accent1">
+              <a:lumMod val="20000"/>
+              <a:lumOff val="80000"/>
             </a:schemeClr>
           </a:solidFill>
-          <a:ln/>
+          <a:ln>
+            <a:noFill/>
+          </a:ln>
         </p:spPr>
         <p:style>
           <a:lnRef idx="2">
@@ -17820,7 +17102,7 @@
           <a:lstStyle/>
           <a:p>
             <a:r>
-              <a:rPr lang="en-US" sz="1400" dirty="0" smtClean="0">
+              <a:rPr lang="en-US" sz="1400" dirty="0">
                 <a:solidFill>
                   <a:schemeClr val="tx1"/>
                 </a:solidFill>
@@ -17837,7 +17119,7 @@
           </a:p>
           <a:p>
             <a:r>
-              <a:rPr lang="en-US" sz="1400" dirty="0" smtClean="0">
+              <a:rPr lang="en-US" sz="1400" dirty="0">
                 <a:solidFill>
                   <a:schemeClr val="tx1"/>
                 </a:solidFill>
@@ -17857,13 +17139,6 @@
   <p:clrMapOvr>
     <a:masterClrMapping/>
   </p:clrMapOvr>
-  <p:timing>
-    <p:tnLst>
-      <p:par>
-        <p:cTn id="1" dur="indefinite" restart="never" nodeType="tmRoot"/>
-      </p:par>
-    </p:tnLst>
-  </p:timing>
 </p:sld>
 </file>
 
@@ -17900,10 +17175,9 @@
           <a:lstStyle/>
           <a:p>
             <a:r>
-              <a:rPr lang="en-US" dirty="0" smtClean="0"/>
+              <a:rPr lang="en-US" dirty="0"/>
               <a:t>Every object knows its class (1)</a:t>
             </a:r>
-            <a:endParaRPr lang="en-US" dirty="0"/>
           </a:p>
         </p:txBody>
       </p:sp>
@@ -17974,7 +17248,7 @@
           <a:p>
             <a:pPr algn="ctr"/>
             <a:r>
-              <a:rPr lang="en-US" b="1" dirty="0" smtClean="0">
+              <a:rPr lang="en-US" b="1" dirty="0">
                 <a:solidFill>
                   <a:schemeClr val="tx1"/>
                 </a:solidFill>
@@ -17987,7 +17261,7 @@
           <a:p>
             <a:pPr algn="ctr"/>
             <a:r>
-              <a:rPr lang="en-US" b="1" dirty="0" smtClean="0">
+              <a:rPr lang="en-US" b="1" dirty="0">
                 <a:solidFill>
                   <a:schemeClr val="tx1"/>
                 </a:solidFill>
@@ -18000,7 +17274,7 @@
           <a:p>
             <a:pPr algn="ctr"/>
             <a:r>
-              <a:rPr lang="en-US" b="1" dirty="0" smtClean="0">
+              <a:rPr lang="en-US" b="1" dirty="0">
                 <a:solidFill>
                   <a:schemeClr val="tx1"/>
                 </a:solidFill>
@@ -18055,7 +17329,7 @@
           <a:p>
             <a:pPr algn="ctr"/>
             <a:r>
-              <a:rPr lang="en-US" b="1" dirty="0" smtClean="0">
+              <a:rPr lang="en-US" b="1" dirty="0">
                 <a:solidFill>
                   <a:schemeClr val="tx1"/>
                 </a:solidFill>
@@ -18068,7 +17342,7 @@
           <a:p>
             <a:pPr algn="ctr"/>
             <a:r>
-              <a:rPr lang="en-US" b="1" dirty="0" smtClean="0">
+              <a:rPr lang="en-US" b="1" dirty="0">
                 <a:solidFill>
                   <a:schemeClr val="tx1"/>
                 </a:solidFill>
@@ -18081,7 +17355,7 @@
           <a:p>
             <a:pPr algn="ctr"/>
             <a:r>
-              <a:rPr lang="en-US" b="1" dirty="0" smtClean="0">
+              <a:rPr lang="en-US" b="1" dirty="0">
                 <a:solidFill>
                   <a:schemeClr val="tx1"/>
                 </a:solidFill>
@@ -18135,7 +17409,7 @@
           <a:lstStyle/>
           <a:p>
             <a:r>
-              <a:rPr lang="en-US" sz="1400" b="1" dirty="0" smtClean="0">
+              <a:rPr lang="en-US" sz="1400" b="1" dirty="0">
                 <a:solidFill>
                   <a:schemeClr val="tx1"/>
                 </a:solidFill>
@@ -18147,7 +17421,7 @@
           </a:p>
           <a:p>
             <a:r>
-              <a:rPr lang="en-US" sz="1400" b="1" dirty="0" smtClean="0">
+              <a:rPr lang="en-US" sz="1400" b="1" dirty="0">
                 <a:solidFill>
                   <a:schemeClr val="tx1"/>
                 </a:solidFill>
@@ -18166,44 +17440,24 @@
                 <a:latin typeface="Consolas" pitchFamily="49" charset="0"/>
                 <a:cs typeface="Consolas" pitchFamily="49" charset="0"/>
               </a:rPr>
-              <a:t> </a:t>
-            </a:r>
-            <a:r>
-              <a:rPr lang="en-US" sz="1400" b="1" dirty="0" smtClean="0">
+              <a:t> (define/public (foo) (+ x y))</a:t>
+            </a:r>
+          </a:p>
+          <a:p>
+            <a:r>
+              <a:rPr lang="en-US" sz="1400" b="1" dirty="0">
                 <a:solidFill>
                   <a:schemeClr val="tx1"/>
                 </a:solidFill>
                 <a:latin typeface="Consolas" pitchFamily="49" charset="0"/>
                 <a:cs typeface="Consolas" pitchFamily="49" charset="0"/>
               </a:rPr>
-              <a:t>(define/public (foo) (+ x y))</a:t>
+              <a:t> (define/public (bar n) (+ r n))</a:t>
             </a:r>
           </a:p>
           <a:p>
             <a:r>
               <a:rPr lang="en-US" sz="1400" b="1" dirty="0">
-                <a:solidFill>
-                  <a:schemeClr val="tx1"/>
-                </a:solidFill>
-                <a:latin typeface="Consolas" pitchFamily="49" charset="0"/>
-                <a:cs typeface="Consolas" pitchFamily="49" charset="0"/>
-              </a:rPr>
-              <a:t> </a:t>
-            </a:r>
-            <a:r>
-              <a:rPr lang="en-US" sz="1400" b="1" dirty="0" smtClean="0">
-                <a:solidFill>
-                  <a:schemeClr val="tx1"/>
-                </a:solidFill>
-                <a:latin typeface="Consolas" pitchFamily="49" charset="0"/>
-                <a:cs typeface="Consolas" pitchFamily="49" charset="0"/>
-              </a:rPr>
-              <a:t>(define/public (bar n) (+ r n))</a:t>
-            </a:r>
-          </a:p>
-          <a:p>
-            <a:r>
-              <a:rPr lang="en-US" sz="1400" b="1" dirty="0" smtClean="0">
                 <a:solidFill>
                   <a:schemeClr val="tx1"/>
                 </a:solidFill>
@@ -18307,12 +17561,14 @@
             <a:avLst/>
           </a:prstGeom>
           <a:solidFill>
-            <a:schemeClr val="accent3">
-              <a:lumMod val="40000"/>
-              <a:lumOff val="60000"/>
+            <a:schemeClr val="accent1">
+              <a:lumMod val="20000"/>
+              <a:lumOff val="80000"/>
             </a:schemeClr>
           </a:solidFill>
-          <a:ln/>
+          <a:ln>
+            <a:noFill/>
+          </a:ln>
         </p:spPr>
         <p:style>
           <a:lnRef idx="2">
@@ -18338,7 +17594,7 @@
           <a:lstStyle/>
           <a:p>
             <a:r>
-              <a:rPr lang="en-US" sz="2000" dirty="0" smtClean="0">
+              <a:rPr lang="en-US" sz="2000" dirty="0">
                 <a:solidFill>
                   <a:schemeClr val="tx1"/>
                 </a:solidFill>
@@ -18348,7 +17604,7 @@
           </a:p>
           <a:p>
             <a:r>
-              <a:rPr lang="en-US" sz="2000" dirty="0" smtClean="0">
+              <a:rPr lang="en-US" sz="2000" dirty="0">
                 <a:solidFill>
                   <a:schemeClr val="tx1"/>
                 </a:solidFill>
@@ -18356,7 +17612,7 @@
               <a:t>In the class definition, the </a:t>
             </a:r>
             <a:r>
-              <a:rPr lang="en-US" sz="2000" b="1" dirty="0" err="1" smtClean="0">
+              <a:rPr lang="en-US" sz="2000" b="1" dirty="0" err="1">
                 <a:solidFill>
                   <a:schemeClr val="tx1"/>
                 </a:solidFill>
@@ -18364,7 +17620,7 @@
               <a:t>init</a:t>
             </a:r>
             <a:r>
-              <a:rPr lang="en-US" sz="2000" b="1" dirty="0" smtClean="0">
+              <a:rPr lang="en-US" sz="2000" b="1" dirty="0">
                 <a:solidFill>
                   <a:schemeClr val="tx1"/>
                 </a:solidFill>
@@ -18372,7 +17628,7 @@
               <a:t>-field</a:t>
             </a:r>
             <a:r>
-              <a:rPr lang="en-US" sz="2000" dirty="0" smtClean="0">
+              <a:rPr lang="en-US" sz="2000" dirty="0">
                 <a:solidFill>
                   <a:schemeClr val="tx1"/>
                 </a:solidFill>
@@ -18380,7 +17636,7 @@
               <a:t> declaration specifies that each object of this class has 3 fields, named </a:t>
             </a:r>
             <a:r>
-              <a:rPr lang="en-US" sz="2000" b="1" dirty="0" smtClean="0">
+              <a:rPr lang="en-US" sz="2000" b="1" dirty="0">
                 <a:solidFill>
                   <a:schemeClr val="tx1"/>
                 </a:solidFill>
@@ -18388,7 +17644,7 @@
               <a:t>x</a:t>
             </a:r>
             <a:r>
-              <a:rPr lang="en-US" sz="2000" dirty="0" smtClean="0">
+              <a:rPr lang="en-US" sz="2000" dirty="0">
                 <a:solidFill>
                   <a:schemeClr val="tx1"/>
                 </a:solidFill>
@@ -18396,7 +17652,7 @@
               <a:t>, </a:t>
             </a:r>
             <a:r>
-              <a:rPr lang="en-US" sz="2000" b="1" dirty="0" smtClean="0">
+              <a:rPr lang="en-US" sz="2000" b="1" dirty="0">
                 <a:solidFill>
                   <a:schemeClr val="tx1"/>
                 </a:solidFill>
@@ -18404,7 +17660,7 @@
               <a:t>y</a:t>
             </a:r>
             <a:r>
-              <a:rPr lang="en-US" sz="2000" dirty="0" smtClean="0">
+              <a:rPr lang="en-US" sz="2000" dirty="0">
                 <a:solidFill>
                   <a:schemeClr val="tx1"/>
                 </a:solidFill>
@@ -18412,7 +17668,7 @@
               <a:t>, and </a:t>
             </a:r>
             <a:r>
-              <a:rPr lang="en-US" sz="2000" b="1" dirty="0" smtClean="0">
+              <a:rPr lang="en-US" sz="2000" b="1" dirty="0">
                 <a:solidFill>
                   <a:schemeClr val="tx1"/>
                 </a:solidFill>
@@ -18420,7 +17676,7 @@
               <a:t>r</a:t>
             </a:r>
             <a:r>
-              <a:rPr lang="en-US" sz="2000" dirty="0" smtClean="0">
+              <a:rPr lang="en-US" sz="2000" dirty="0">
                 <a:solidFill>
                   <a:schemeClr val="tx1"/>
                 </a:solidFill>
@@ -18430,7 +17686,7 @@
           </a:p>
           <a:p>
             <a:r>
-              <a:rPr lang="en-US" sz="2000" dirty="0" smtClean="0">
+              <a:rPr lang="en-US" sz="2000" dirty="0">
                 <a:solidFill>
                   <a:schemeClr val="tx1"/>
                 </a:solidFill>
@@ -18438,7 +17694,7 @@
               <a:t>The class definition also defines two methods, named </a:t>
             </a:r>
             <a:r>
-              <a:rPr lang="en-US" sz="2000" b="1" dirty="0" smtClean="0">
+              <a:rPr lang="en-US" sz="2000" b="1" dirty="0">
                 <a:solidFill>
                   <a:schemeClr val="tx1"/>
                 </a:solidFill>
@@ -18446,7 +17702,7 @@
               <a:t>foo</a:t>
             </a:r>
             <a:r>
-              <a:rPr lang="en-US" sz="2000" dirty="0" smtClean="0">
+              <a:rPr lang="en-US" sz="2000" dirty="0">
                 <a:solidFill>
                   <a:schemeClr val="tx1"/>
                 </a:solidFill>
@@ -18454,7 +17710,7 @@
               <a:t> and </a:t>
             </a:r>
             <a:r>
-              <a:rPr lang="en-US" sz="2000" b="1" dirty="0" smtClean="0">
+              <a:rPr lang="en-US" sz="2000" b="1" dirty="0">
                 <a:solidFill>
                   <a:schemeClr val="tx1"/>
                 </a:solidFill>
@@ -18462,7 +17718,7 @@
               <a:t>bar</a:t>
             </a:r>
             <a:r>
-              <a:rPr lang="en-US" sz="2000" dirty="0" smtClean="0">
+              <a:rPr lang="en-US" sz="2000" dirty="0">
                 <a:solidFill>
                   <a:schemeClr val="tx1"/>
                 </a:solidFill>
@@ -18487,12 +17743,14 @@
             <a:avLst/>
           </a:prstGeom>
           <a:solidFill>
-            <a:schemeClr val="accent3">
-              <a:lumMod val="40000"/>
-              <a:lumOff val="60000"/>
+            <a:schemeClr val="accent1">
+              <a:lumMod val="20000"/>
+              <a:lumOff val="80000"/>
             </a:schemeClr>
           </a:solidFill>
-          <a:ln/>
+          <a:ln>
+            <a:noFill/>
+          </a:ln>
         </p:spPr>
         <p:style>
           <a:lnRef idx="2">
@@ -18519,7 +17777,7 @@
           <a:p>
             <a:pPr algn="ctr"/>
             <a:r>
-              <a:rPr lang="en-US" sz="2000" dirty="0" smtClean="0">
+              <a:rPr lang="en-US" sz="2000" dirty="0">
                 <a:solidFill>
                   <a:schemeClr val="tx1"/>
                 </a:solidFill>
@@ -18527,7 +17785,7 @@
               <a:t>These objects also have a </a:t>
             </a:r>
             <a:r>
-              <a:rPr lang="en-US" sz="2000" b="1" dirty="0" smtClean="0">
+              <a:rPr lang="en-US" sz="2000" b="1" dirty="0">
                 <a:solidFill>
                   <a:schemeClr val="tx1"/>
                 </a:solidFill>
@@ -18535,7 +17793,7 @@
               <a:t>this</a:t>
             </a:r>
             <a:r>
-              <a:rPr lang="en-US" sz="2000" dirty="0" smtClean="0">
+              <a:rPr lang="en-US" sz="2000" dirty="0">
                 <a:solidFill>
                   <a:schemeClr val="tx1"/>
                 </a:solidFill>
@@ -18555,13 +17813,6 @@
   <p:clrMapOvr>
     <a:masterClrMapping/>
   </p:clrMapOvr>
-  <p:timing>
-    <p:tnLst>
-      <p:par>
-        <p:cTn id="1" dur="indefinite" restart="never" nodeType="tmRoot"/>
-      </p:par>
-    </p:tnLst>
-  </p:timing>
 </p:sld>
 </file>
 
@@ -18600,10 +17851,9 @@
           <a:lstStyle/>
           <a:p>
             <a:r>
-              <a:rPr lang="en-US" dirty="0" smtClean="0"/>
+              <a:rPr lang="en-US" dirty="0"/>
               <a:t>How do you compute with an object?</a:t>
             </a:r>
-            <a:endParaRPr lang="en-US" dirty="0"/>
           </a:p>
         </p:txBody>
       </p:sp>
@@ -18634,15 +17884,7 @@
                   <a:srgbClr val="FF0000"/>
                 </a:solidFill>
               </a:rPr>
-              <a:t>send the object a message</a:t>
-            </a:r>
-            <a:r>
-              <a:rPr lang="en-US" i="1" dirty="0" smtClean="0">
-                <a:solidFill>
-                  <a:srgbClr val="FF0000"/>
-                </a:solidFill>
-              </a:rPr>
-              <a:t>.</a:t>
+              <a:t>send the object a message.</a:t>
             </a:r>
           </a:p>
           <a:p>
@@ -18676,47 +17918,36 @@
                 <a:latin typeface="Consolas" panose="020B0609020204030204" pitchFamily="49" charset="0"/>
                 <a:cs typeface="Consolas" panose="020B0609020204030204" pitchFamily="49" charset="0"/>
               </a:rPr>
-              <a:t>(send obj1 area</a:t>
-            </a:r>
-            <a:r>
-              <a:rPr lang="en-US" b="1" dirty="0" smtClean="0">
-                <a:latin typeface="Consolas" panose="020B0609020204030204" pitchFamily="49" charset="0"/>
-                <a:cs typeface="Consolas" panose="020B0609020204030204" pitchFamily="49" charset="0"/>
-              </a:rPr>
-              <a:t>)</a:t>
-            </a:r>
-            <a:endParaRPr lang="en-US" b="1" dirty="0">
-              <a:latin typeface="Consolas" panose="020B0609020204030204" pitchFamily="49" charset="0"/>
-              <a:cs typeface="Consolas" panose="020B0609020204030204" pitchFamily="49" charset="0"/>
-            </a:endParaRPr>
-          </a:p>
-          <a:p>
-            <a:r>
-              <a:rPr lang="en-US" dirty="0" smtClean="0"/>
+              <a:t>(send obj1 area)</a:t>
+            </a:r>
+          </a:p>
+          <a:p>
+            <a:r>
+              <a:rPr lang="en-US" dirty="0"/>
               <a:t>If </a:t>
             </a:r>
             <a:r>
-              <a:rPr lang="en-US" b="1" dirty="0" smtClean="0"/>
+              <a:rPr lang="en-US" b="1" dirty="0"/>
               <a:t>obj1</a:t>
             </a:r>
             <a:r>
-              <a:rPr lang="en-US" dirty="0" smtClean="0"/>
+              <a:rPr lang="en-US" dirty="0"/>
               <a:t> is  an object of class </a:t>
             </a:r>
             <a:r>
-              <a:rPr lang="en-US" b="1" dirty="0" smtClean="0"/>
+              <a:rPr lang="en-US" b="1" dirty="0"/>
               <a:t>C</a:t>
             </a:r>
             <a:r>
-              <a:rPr lang="en-US" dirty="0" smtClean="0"/>
+              <a:rPr lang="en-US" dirty="0"/>
               <a:t>, this invokes the area method in class </a:t>
             </a:r>
             <a:r>
-              <a:rPr lang="en-US" b="1" dirty="0" smtClean="0"/>
+              <a:rPr lang="en-US" b="1" dirty="0"/>
               <a:t>C</a:t>
             </a:r>
             <a:r>
-              <a:rPr lang="en-US" dirty="0" smtClean="0"/>
+              <a:rPr lang="en-US" dirty="0"/>
               <a:t>.</a:t>
             </a:r>
           </a:p>
@@ -18756,13 +17987,6 @@
   <p:clrMapOvr>
     <a:masterClrMapping/>
   </p:clrMapOvr>
-  <p:timing>
-    <p:tnLst>
-      <p:par>
-        <p:cTn id="1" dur="indefinite" restart="never" nodeType="tmRoot"/>
-      </p:par>
-    </p:tnLst>
-  </p:timing>
 </p:sld>
 </file>
 

--- a/Slides/Lesson 9.1 Classes, Objects, and Methods.pptx
+++ b/Slides/Lesson 9.1 Classes, Objects, and Methods.pptx
@@ -235,7 +235,7 @@
           <a:p>
             <a:fld id="{36D53524-F9CC-4A8B-8CCD-2FA372311425}" type="datetimeFigureOut">
               <a:rPr lang="en-US" smtClean="0"/>
-              <a:t>10/29/2016</a:t>
+              <a:t>11/1/2016</a:t>
             </a:fld>
             <a:endParaRPr lang="en-US"/>
           </a:p>
@@ -1521,7 +1521,7 @@
           <a:p>
             <a:fld id="{2F1F79F5-7BEC-496A-AFC7-876E38F64D71}" type="datetime1">
               <a:rPr lang="en-US" smtClean="0"/>
-              <a:t>10/29/2016</a:t>
+              <a:t>11/1/2016</a:t>
             </a:fld>
             <a:endParaRPr lang="en-US"/>
           </a:p>
@@ -1638,7 +1638,7 @@
           <a:p>
             <a:fld id="{2F7B77F5-1464-4F6B-92A8-64FC8A508293}" type="datetime1">
               <a:rPr lang="en-US" smtClean="0"/>
-              <a:t>10/29/2016</a:t>
+              <a:t>11/1/2016</a:t>
             </a:fld>
             <a:endParaRPr lang="en-US"/>
           </a:p>
@@ -1733,7 +1733,7 @@
           <a:p>
             <a:fld id="{0A05703A-7669-4FEA-9056-25299B4D29D4}" type="datetime1">
               <a:rPr lang="en-US" smtClean="0"/>
-              <a:t>10/29/2016</a:t>
+              <a:t>11/1/2016</a:t>
             </a:fld>
             <a:endParaRPr lang="en-US"/>
           </a:p>
@@ -2008,7 +2008,7 @@
           <a:p>
             <a:fld id="{6E5077B5-BB57-49DB-88CA-226A139E5C01}" type="datetime1">
               <a:rPr lang="en-US" smtClean="0"/>
-              <a:t>10/29/2016</a:t>
+              <a:t>11/1/2016</a:t>
             </a:fld>
             <a:endParaRPr lang="en-US"/>
           </a:p>
@@ -2260,7 +2260,7 @@
           <a:p>
             <a:fld id="{C48D9447-CBD6-49A1-89FD-8512A8CF8999}" type="datetime1">
               <a:rPr lang="en-US" smtClean="0"/>
-              <a:t>10/29/2016</a:t>
+              <a:t>11/1/2016</a:t>
             </a:fld>
             <a:endParaRPr lang="en-US"/>
           </a:p>
@@ -2428,7 +2428,7 @@
           <a:p>
             <a:fld id="{A3639A2A-823D-48B7-9ACE-7FAF42870BA9}" type="datetime1">
               <a:rPr lang="en-US" smtClean="0"/>
-              <a:t>10/29/2016</a:t>
+              <a:t>11/1/2016</a:t>
             </a:fld>
             <a:endParaRPr lang="en-US"/>
           </a:p>
@@ -2606,7 +2606,7 @@
           <a:p>
             <a:fld id="{ED1B6996-82E9-463C-972C-7B56056E426C}" type="datetime1">
               <a:rPr lang="en-US" smtClean="0"/>
-              <a:t>10/29/2016</a:t>
+              <a:t>11/1/2016</a:t>
             </a:fld>
             <a:endParaRPr lang="en-US"/>
           </a:p>
@@ -2780,7 +2780,7 @@
           <a:p>
             <a:fld id="{E22ED4DA-448D-4BB1-B935-CC112220207B}" type="datetime1">
               <a:rPr lang="en-US" smtClean="0"/>
-              <a:t>10/29/2016</a:t>
+              <a:t>11/1/2016</a:t>
             </a:fld>
             <a:endParaRPr lang="en-US"/>
           </a:p>
@@ -2953,7 +2953,7 @@
           <a:p>
             <a:fld id="{E22ED4DA-448D-4BB1-B935-CC112220207B}" type="datetime1">
               <a:rPr lang="en-US" smtClean="0"/>
-              <a:t>10/29/2016</a:t>
+              <a:t>11/1/2016</a:t>
             </a:fld>
             <a:endParaRPr lang="en-US"/>
           </a:p>
@@ -3213,7 +3213,7 @@
           <a:p>
             <a:fld id="{FF5D65A6-AB94-4435-B0B7-3743215FA46C}" type="datetime1">
               <a:rPr lang="en-US" smtClean="0"/>
-              <a:t>10/29/2016</a:t>
+              <a:t>11/1/2016</a:t>
             </a:fld>
             <a:endParaRPr lang="en-US"/>
           </a:p>
@@ -3506,7 +3506,7 @@
           <a:p>
             <a:fld id="{5D1846AD-9252-4647-9435-4C2AC365653A}" type="datetime1">
               <a:rPr lang="en-US" smtClean="0"/>
-              <a:t>10/29/2016</a:t>
+              <a:t>11/1/2016</a:t>
             </a:fld>
             <a:endParaRPr lang="en-US"/>
           </a:p>
@@ -3682,7 +3682,7 @@
           <a:p>
             <a:fld id="{FF5D65A6-AB94-4435-B0B7-3743215FA46C}" type="datetime1">
               <a:rPr lang="en-US" smtClean="0"/>
-              <a:t>10/29/2016</a:t>
+              <a:t>11/1/2016</a:t>
             </a:fld>
             <a:endParaRPr lang="en-US"/>
           </a:p>
@@ -3976,7 +3976,7 @@
           <a:p>
             <a:fld id="{7C193DC4-6EF0-48C9-B29C-616106A645E1}" type="datetime1">
               <a:rPr lang="en-US" smtClean="0"/>
-              <a:t>10/29/2016</a:t>
+              <a:t>11/1/2016</a:t>
             </a:fld>
             <a:endParaRPr lang="en-US"/>
           </a:p>
@@ -4261,7 +4261,7 @@
           <a:p>
             <a:fld id="{5D1846AD-9252-4647-9435-4C2AC365653A}" type="datetime1">
               <a:rPr lang="en-US" smtClean="0"/>
-              <a:t>10/29/2016</a:t>
+              <a:t>11/1/2016</a:t>
             </a:fld>
             <a:endParaRPr lang="en-US"/>
           </a:p>
@@ -4680,7 +4680,7 @@
           <a:p>
             <a:fld id="{CE56DC10-3561-4063-A6AF-C1CC7A41040A}" type="datetime1">
               <a:rPr lang="en-US" smtClean="0"/>
-              <a:t>10/29/2016</a:t>
+              <a:t>11/1/2016</a:t>
             </a:fld>
             <a:endParaRPr lang="en-US"/>
           </a:p>
@@ -4903,7 +4903,7 @@
           <a:p>
             <a:fld id="{02B3F677-983B-48DB-ADFD-63FE6CBC7FB2}" type="datetime1">
               <a:rPr lang="en-US" smtClean="0"/>
-              <a:t>10/29/2016</a:t>
+              <a:t>11/1/2016</a:t>
             </a:fld>
             <a:endParaRPr lang="en-US"/>
           </a:p>
@@ -11513,8 +11513,8 @@
         </p:nvSpPr>
         <p:spPr>
           <a:xfrm>
-            <a:off x="2236573" y="6111564"/>
-            <a:ext cx="5906529" cy="442601"/>
+            <a:off x="2236574" y="6111564"/>
+            <a:ext cx="4668080" cy="658844"/>
           </a:xfrm>
           <a:prstGeom prst="rect">
             <a:avLst/>
@@ -11567,7 +11567,7 @@
                   <a:schemeClr val="tx1"/>
                 </a:solidFill>
               </a:rPr>
-              <a:t> is a function of no arguments (legal in #</a:t>
+              <a:t> will be the name of a method that takes no arguments (legal in #</a:t>
             </a:r>
             <a:r>
               <a:rPr lang="en-US" dirty="0" err="1">
@@ -13160,7 +13160,23 @@
                   <a:schemeClr val="tx1"/>
                 </a:solidFill>
               </a:rPr>
-              <a:t>Here’s the definition of Class2% .  Observe that it has different field names, but the same method names.  The method definitions refer to the new field names.</a:t>
+              <a:t>Here’s the definition of </a:t>
+            </a:r>
+            <a:r>
+              <a:rPr lang="en-US" b="1" dirty="0">
+                <a:solidFill>
+                  <a:schemeClr val="tx1"/>
+                </a:solidFill>
+              </a:rPr>
+              <a:t>Class2% </a:t>
+            </a:r>
+            <a:r>
+              <a:rPr lang="en-US" dirty="0">
+                <a:solidFill>
+                  <a:schemeClr val="tx1"/>
+                </a:solidFill>
+              </a:rPr>
+              <a:t>.  Observe that it has different field names, but the same method names.  The method definitions refer to the new field names.</a:t>
             </a:r>
           </a:p>
         </p:txBody>

--- a/Slides/Lesson 9.1 Classes, Objects, and Methods.pptx
+++ b/Slides/Lesson 9.1 Classes, Objects, and Methods.pptx
@@ -5,7 +5,7 @@
     <p:sldMasterId id="2147483674" r:id="rId1"/>
   </p:sldMasterIdLst>
   <p:notesMasterIdLst>
-    <p:notesMasterId r:id="rId27"/>
+    <p:notesMasterId r:id="rId28"/>
   </p:notesMasterIdLst>
   <p:sldIdLst>
     <p:sldId id="256" r:id="rId2"/>
@@ -31,13 +31,14 @@
     <p:sldId id="366" r:id="rId22"/>
     <p:sldId id="369" r:id="rId23"/>
     <p:sldId id="367" r:id="rId24"/>
-    <p:sldId id="368" r:id="rId25"/>
-    <p:sldId id="356" r:id="rId26"/>
+    <p:sldId id="370" r:id="rId25"/>
+    <p:sldId id="368" r:id="rId26"/>
+    <p:sldId id="356" r:id="rId27"/>
   </p:sldIdLst>
   <p:sldSz cx="9144000" cy="6858000" type="screen4x3"/>
   <p:notesSz cx="6858000" cy="9144000"/>
   <p:custDataLst>
-    <p:tags r:id="rId28"/>
+    <p:tags r:id="rId29"/>
   </p:custDataLst>
   <p:defaultTextStyle>
     <a:defPPr>
@@ -235,7 +236,7 @@
           <a:p>
             <a:fld id="{36D53524-F9CC-4A8B-8CCD-2FA372311425}" type="datetimeFigureOut">
               <a:rPr lang="en-US" smtClean="0"/>
-              <a:t>11/1/2016</a:t>
+              <a:t>11/2/2016</a:t>
             </a:fld>
             <a:endParaRPr lang="en-US"/>
           </a:p>
@@ -1521,7 +1522,7 @@
           <a:p>
             <a:fld id="{2F1F79F5-7BEC-496A-AFC7-876E38F64D71}" type="datetime1">
               <a:rPr lang="en-US" smtClean="0"/>
-              <a:t>11/1/2016</a:t>
+              <a:t>11/2/2016</a:t>
             </a:fld>
             <a:endParaRPr lang="en-US"/>
           </a:p>
@@ -1638,7 +1639,7 @@
           <a:p>
             <a:fld id="{2F7B77F5-1464-4F6B-92A8-64FC8A508293}" type="datetime1">
               <a:rPr lang="en-US" smtClean="0"/>
-              <a:t>11/1/2016</a:t>
+              <a:t>11/2/2016</a:t>
             </a:fld>
             <a:endParaRPr lang="en-US"/>
           </a:p>
@@ -1733,7 +1734,7 @@
           <a:p>
             <a:fld id="{0A05703A-7669-4FEA-9056-25299B4D29D4}" type="datetime1">
               <a:rPr lang="en-US" smtClean="0"/>
-              <a:t>11/1/2016</a:t>
+              <a:t>11/2/2016</a:t>
             </a:fld>
             <a:endParaRPr lang="en-US"/>
           </a:p>
@@ -2008,7 +2009,7 @@
           <a:p>
             <a:fld id="{6E5077B5-BB57-49DB-88CA-226A139E5C01}" type="datetime1">
               <a:rPr lang="en-US" smtClean="0"/>
-              <a:t>11/1/2016</a:t>
+              <a:t>11/2/2016</a:t>
             </a:fld>
             <a:endParaRPr lang="en-US"/>
           </a:p>
@@ -2260,7 +2261,7 @@
           <a:p>
             <a:fld id="{C48D9447-CBD6-49A1-89FD-8512A8CF8999}" type="datetime1">
               <a:rPr lang="en-US" smtClean="0"/>
-              <a:t>11/1/2016</a:t>
+              <a:t>11/2/2016</a:t>
             </a:fld>
             <a:endParaRPr lang="en-US"/>
           </a:p>
@@ -2428,7 +2429,7 @@
           <a:p>
             <a:fld id="{A3639A2A-823D-48B7-9ACE-7FAF42870BA9}" type="datetime1">
               <a:rPr lang="en-US" smtClean="0"/>
-              <a:t>11/1/2016</a:t>
+              <a:t>11/2/2016</a:t>
             </a:fld>
             <a:endParaRPr lang="en-US"/>
           </a:p>
@@ -2606,7 +2607,7 @@
           <a:p>
             <a:fld id="{ED1B6996-82E9-463C-972C-7B56056E426C}" type="datetime1">
               <a:rPr lang="en-US" smtClean="0"/>
-              <a:t>11/1/2016</a:t>
+              <a:t>11/2/2016</a:t>
             </a:fld>
             <a:endParaRPr lang="en-US"/>
           </a:p>
@@ -2780,7 +2781,7 @@
           <a:p>
             <a:fld id="{E22ED4DA-448D-4BB1-B935-CC112220207B}" type="datetime1">
               <a:rPr lang="en-US" smtClean="0"/>
-              <a:t>11/1/2016</a:t>
+              <a:t>11/2/2016</a:t>
             </a:fld>
             <a:endParaRPr lang="en-US"/>
           </a:p>
@@ -2953,7 +2954,7 @@
           <a:p>
             <a:fld id="{E22ED4DA-448D-4BB1-B935-CC112220207B}" type="datetime1">
               <a:rPr lang="en-US" smtClean="0"/>
-              <a:t>11/1/2016</a:t>
+              <a:t>11/2/2016</a:t>
             </a:fld>
             <a:endParaRPr lang="en-US"/>
           </a:p>
@@ -3213,7 +3214,7 @@
           <a:p>
             <a:fld id="{FF5D65A6-AB94-4435-B0B7-3743215FA46C}" type="datetime1">
               <a:rPr lang="en-US" smtClean="0"/>
-              <a:t>11/1/2016</a:t>
+              <a:t>11/2/2016</a:t>
             </a:fld>
             <a:endParaRPr lang="en-US"/>
           </a:p>
@@ -3506,7 +3507,7 @@
           <a:p>
             <a:fld id="{5D1846AD-9252-4647-9435-4C2AC365653A}" type="datetime1">
               <a:rPr lang="en-US" smtClean="0"/>
-              <a:t>11/1/2016</a:t>
+              <a:t>11/2/2016</a:t>
             </a:fld>
             <a:endParaRPr lang="en-US"/>
           </a:p>
@@ -3682,7 +3683,7 @@
           <a:p>
             <a:fld id="{FF5D65A6-AB94-4435-B0B7-3743215FA46C}" type="datetime1">
               <a:rPr lang="en-US" smtClean="0"/>
-              <a:t>11/1/2016</a:t>
+              <a:t>11/2/2016</a:t>
             </a:fld>
             <a:endParaRPr lang="en-US"/>
           </a:p>
@@ -3976,7 +3977,7 @@
           <a:p>
             <a:fld id="{7C193DC4-6EF0-48C9-B29C-616106A645E1}" type="datetime1">
               <a:rPr lang="en-US" smtClean="0"/>
-              <a:t>11/1/2016</a:t>
+              <a:t>11/2/2016</a:t>
             </a:fld>
             <a:endParaRPr lang="en-US"/>
           </a:p>
@@ -4261,7 +4262,7 @@
           <a:p>
             <a:fld id="{5D1846AD-9252-4647-9435-4C2AC365653A}" type="datetime1">
               <a:rPr lang="en-US" smtClean="0"/>
-              <a:t>11/1/2016</a:t>
+              <a:t>11/2/2016</a:t>
             </a:fld>
             <a:endParaRPr lang="en-US"/>
           </a:p>
@@ -4680,7 +4681,7 @@
           <a:p>
             <a:fld id="{CE56DC10-3561-4063-A6AF-C1CC7A41040A}" type="datetime1">
               <a:rPr lang="en-US" smtClean="0"/>
-              <a:t>11/1/2016</a:t>
+              <a:t>11/2/2016</a:t>
             </a:fld>
             <a:endParaRPr lang="en-US"/>
           </a:p>
@@ -4903,7 +4904,7 @@
           <a:p>
             <a:fld id="{02B3F677-983B-48DB-ADFD-63FE6CBC7FB2}" type="datetime1">
               <a:rPr lang="en-US" smtClean="0"/>
-              <a:t>11/1/2016</a:t>
+              <a:t>11/2/2016</a:t>
             </a:fld>
             <a:endParaRPr lang="en-US"/>
           </a:p>
@@ -14304,7 +14305,7 @@
       </p:grpSpPr>
       <p:sp>
         <p:nvSpPr>
-          <p:cNvPr id="2" name="Title 1"/>
+          <p:cNvPr id="5" name="Title 4"/>
           <p:cNvSpPr>
             <a:spLocks noGrp="1"/>
           </p:cNvSpPr>
@@ -14314,85 +14315,48 @@
         </p:nvSpPr>
         <p:spPr/>
         <p:txBody>
+          <a:bodyPr>
+            <a:normAutofit fontScale="90000"/>
+          </a:bodyPr>
+          <a:lstStyle/>
+          <a:p>
+            <a:r>
+              <a:rPr lang="en-US" dirty="0"/>
+              <a:t>What do we write for the Data Definition?</a:t>
+            </a:r>
+          </a:p>
+        </p:txBody>
+      </p:sp>
+      <p:sp>
+        <p:nvSpPr>
+          <p:cNvPr id="6" name="Content Placeholder 5"/>
+          <p:cNvSpPr>
+            <a:spLocks noGrp="1"/>
+          </p:cNvSpPr>
+          <p:nvPr>
+            <p:ph idx="1"/>
+          </p:nvPr>
+        </p:nvSpPr>
+        <p:spPr/>
+        <p:txBody>
           <a:bodyPr/>
           <a:lstStyle/>
           <a:p>
             <a:r>
               <a:rPr lang="en-US" dirty="0"/>
-              <a:t>Lesson Summary</a:t>
-            </a:r>
-          </a:p>
-        </p:txBody>
-      </p:sp>
-      <p:sp>
-        <p:nvSpPr>
-          <p:cNvPr id="3" name="Content Placeholder 2"/>
-          <p:cNvSpPr>
-            <a:spLocks noGrp="1"/>
-          </p:cNvSpPr>
-          <p:nvPr>
-            <p:ph idx="1"/>
-          </p:nvPr>
-        </p:nvSpPr>
-        <p:spPr/>
-        <p:txBody>
-          <a:bodyPr>
-            <a:normAutofit fontScale="92500" lnSpcReduction="10000"/>
-          </a:bodyPr>
-          <a:lstStyle/>
-          <a:p>
-            <a:r>
-              <a:rPr lang="en-US" dirty="0"/>
-              <a:t>In this lesson we’ve learned:</a:t>
-            </a:r>
-          </a:p>
-          <a:p>
-            <a:pPr lvl="1"/>
-            <a:r>
-              <a:rPr lang="en-US" dirty="0"/>
-              <a:t>Classes are like define-</a:t>
-            </a:r>
-            <a:r>
-              <a:rPr lang="en-US" dirty="0" err="1"/>
-              <a:t>structs</a:t>
-            </a:r>
-            <a:r>
-              <a:rPr lang="en-US" dirty="0"/>
-              <a:t>, but with methods (functions) as  well as fields.</a:t>
-            </a:r>
-          </a:p>
-          <a:p>
-            <a:pPr lvl="1"/>
-            <a:r>
-              <a:rPr lang="en-US" dirty="0"/>
-              <a:t>Every object knows its class.</a:t>
-            </a:r>
-          </a:p>
-          <a:p>
-            <a:pPr lvl="1"/>
-            <a:r>
-              <a:rPr lang="en-US" dirty="0"/>
-              <a:t>Invoke a method of an object by sending it a message.</a:t>
-            </a:r>
-          </a:p>
-          <a:p>
-            <a:pPr lvl="1"/>
-            <a:r>
-              <a:rPr lang="en-US" dirty="0"/>
-              <a:t>The interface of an object is the set of messages to which it responds.</a:t>
-            </a:r>
-          </a:p>
-          <a:p>
-            <a:pPr lvl="1"/>
-            <a:r>
-              <a:rPr lang="en-US" dirty="0"/>
-              <a:t>Interfaces are data types.</a:t>
-            </a:r>
-          </a:p>
-          <a:p>
-            <a:r>
-              <a:rPr lang="en-US" dirty="0"/>
-              <a:t>We’ve seen how to define classes, objects, and interfaces in the Racket object system.</a:t>
+              <a:t>Good question!  I’m glad you asked it.</a:t>
+            </a:r>
+          </a:p>
+          <a:p>
+            <a:r>
+              <a:rPr lang="en-US" dirty="0"/>
+              <a:t>We haven’t covered enough material for me to give you a good answer to this.</a:t>
+            </a:r>
+          </a:p>
+          <a:p>
+            <a:r>
+              <a:rPr lang="en-US" dirty="0"/>
+              <a:t>Hang on until the next lesson, when we’ll see some non-toy examples.</a:t>
             </a:r>
           </a:p>
         </p:txBody>
@@ -14423,7 +14387,7 @@
     </p:spTree>
     <p:extLst>
       <p:ext uri="{BB962C8B-B14F-4D97-AF65-F5344CB8AC3E}">
-        <p14:creationId xmlns:p14="http://schemas.microsoft.com/office/powerpoint/2010/main" val="2418625658"/>
+        <p14:creationId xmlns:p14="http://schemas.microsoft.com/office/powerpoint/2010/main" val="1797902810"/>
       </p:ext>
     </p:extLst>
   </p:cSld>
@@ -14467,7 +14431,7 @@
           <a:p>
             <a:r>
               <a:rPr lang="en-US" dirty="0"/>
-              <a:t>Next Steps</a:t>
+              <a:t>Lesson Summary</a:t>
             </a:r>
           </a:p>
         </p:txBody>
@@ -14484,32 +14448,63 @@
         </p:nvSpPr>
         <p:spPr/>
         <p:txBody>
-          <a:bodyPr/>
-          <a:lstStyle/>
-          <a:p>
-            <a:r>
-              <a:rPr lang="en-US" dirty="0"/>
-              <a:t>Study the </a:t>
-            </a:r>
-            <a:r>
-              <a:rPr lang="en-US"/>
-              <a:t>file 09-1-basics.rkt </a:t>
-            </a:r>
-            <a:r>
-              <a:rPr lang="en-US" dirty="0"/>
-              <a:t>in the Examples folder</a:t>
-            </a:r>
-          </a:p>
-          <a:p>
-            <a:r>
-              <a:rPr lang="en-US" dirty="0"/>
-              <a:t>If you have questions about this lesson, ask them on the Discussion Board</a:t>
-            </a:r>
-          </a:p>
-          <a:p>
-            <a:r>
-              <a:rPr lang="en-US" dirty="0"/>
-              <a:t>Go on to the next lesson</a:t>
+          <a:bodyPr>
+            <a:normAutofit fontScale="92500" lnSpcReduction="10000"/>
+          </a:bodyPr>
+          <a:lstStyle/>
+          <a:p>
+            <a:r>
+              <a:rPr lang="en-US" dirty="0"/>
+              <a:t>In this lesson we’ve learned:</a:t>
+            </a:r>
+          </a:p>
+          <a:p>
+            <a:pPr lvl="1"/>
+            <a:r>
+              <a:rPr lang="en-US" dirty="0"/>
+              <a:t>Classes are like define-</a:t>
+            </a:r>
+            <a:r>
+              <a:rPr lang="en-US" dirty="0" err="1"/>
+              <a:t>structs</a:t>
+            </a:r>
+            <a:r>
+              <a:rPr lang="en-US" dirty="0"/>
+              <a:t>, but with methods (functions) as  well as fields.</a:t>
+            </a:r>
+          </a:p>
+          <a:p>
+            <a:pPr lvl="1"/>
+            <a:r>
+              <a:rPr lang="en-US" dirty="0"/>
+              <a:t>Every object knows its class.</a:t>
+            </a:r>
+          </a:p>
+          <a:p>
+            <a:pPr lvl="1"/>
+            <a:r>
+              <a:rPr lang="en-US" dirty="0"/>
+              <a:t>Invoke a method of an object by sending it a message.</a:t>
+            </a:r>
+          </a:p>
+          <a:p>
+            <a:pPr lvl="1"/>
+            <a:r>
+              <a:rPr lang="en-US" dirty="0"/>
+              <a:t>The interface of an object is the set of messages to which it responds.</a:t>
+            </a:r>
+          </a:p>
+          <a:p>
+            <a:pPr lvl="1"/>
+            <a:r>
+              <a:rPr lang="en-US" dirty="0"/>
+              <a:t>Interfaces are data types.</a:t>
+            </a:r>
+          </a:p>
+          <a:p>
+            <a:r>
+              <a:rPr lang="en-US" dirty="0"/>
+              <a:t>We’ve seen how to define classes, objects, and interfaces in the Racket object system.</a:t>
             </a:r>
           </a:p>
         </p:txBody>
@@ -14532,6 +14527,123 @@
             <a:fld id="{2AF3B5EA-18B6-4040-9F78-6052AF49C681}" type="slidenum">
               <a:rPr lang="en-US" smtClean="0"/>
               <a:t>25</a:t>
+            </a:fld>
+            <a:endParaRPr lang="en-US"/>
+          </a:p>
+        </p:txBody>
+      </p:sp>
+    </p:spTree>
+    <p:extLst>
+      <p:ext uri="{BB962C8B-B14F-4D97-AF65-F5344CB8AC3E}">
+        <p14:creationId xmlns:p14="http://schemas.microsoft.com/office/powerpoint/2010/main" val="2418625658"/>
+      </p:ext>
+    </p:extLst>
+  </p:cSld>
+  <p:clrMapOvr>
+    <a:masterClrMapping/>
+  </p:clrMapOvr>
+</p:sld>
+</file>
+
+<file path=ppt/slides/slide26.xml><?xml version="1.0" encoding="utf-8"?>
+<p:sld xmlns:a="http://schemas.openxmlformats.org/drawingml/2006/main" xmlns:r="http://schemas.openxmlformats.org/officeDocument/2006/relationships" xmlns:p="http://schemas.openxmlformats.org/presentationml/2006/main">
+  <p:cSld>
+    <p:spTree>
+      <p:nvGrpSpPr>
+        <p:cNvPr id="1" name=""/>
+        <p:cNvGrpSpPr/>
+        <p:nvPr/>
+      </p:nvGrpSpPr>
+      <p:grpSpPr>
+        <a:xfrm>
+          <a:off x="0" y="0"/>
+          <a:ext cx="0" cy="0"/>
+          <a:chOff x="0" y="0"/>
+          <a:chExt cx="0" cy="0"/>
+        </a:xfrm>
+      </p:grpSpPr>
+      <p:sp>
+        <p:nvSpPr>
+          <p:cNvPr id="2" name="Title 1"/>
+          <p:cNvSpPr>
+            <a:spLocks noGrp="1"/>
+          </p:cNvSpPr>
+          <p:nvPr>
+            <p:ph type="title"/>
+          </p:nvPr>
+        </p:nvSpPr>
+        <p:spPr/>
+        <p:txBody>
+          <a:bodyPr/>
+          <a:lstStyle/>
+          <a:p>
+            <a:r>
+              <a:rPr lang="en-US" dirty="0"/>
+              <a:t>Next Steps</a:t>
+            </a:r>
+          </a:p>
+        </p:txBody>
+      </p:sp>
+      <p:sp>
+        <p:nvSpPr>
+          <p:cNvPr id="3" name="Content Placeholder 2"/>
+          <p:cNvSpPr>
+            <a:spLocks noGrp="1"/>
+          </p:cNvSpPr>
+          <p:nvPr>
+            <p:ph idx="1"/>
+          </p:nvPr>
+        </p:nvSpPr>
+        <p:spPr/>
+        <p:txBody>
+          <a:bodyPr/>
+          <a:lstStyle/>
+          <a:p>
+            <a:r>
+              <a:rPr lang="en-US" dirty="0"/>
+              <a:t>Study the </a:t>
+            </a:r>
+            <a:r>
+              <a:rPr lang="en-US"/>
+              <a:t>file 09-1-basics.rkt </a:t>
+            </a:r>
+            <a:r>
+              <a:rPr lang="en-US" dirty="0"/>
+              <a:t>in the Examples folder</a:t>
+            </a:r>
+          </a:p>
+          <a:p>
+            <a:r>
+              <a:rPr lang="en-US" dirty="0"/>
+              <a:t>If you have questions about this lesson, ask them on the Discussion Board</a:t>
+            </a:r>
+          </a:p>
+          <a:p>
+            <a:r>
+              <a:rPr lang="en-US" dirty="0"/>
+              <a:t>Go on to the next lesson</a:t>
+            </a:r>
+          </a:p>
+        </p:txBody>
+      </p:sp>
+      <p:sp>
+        <p:nvSpPr>
+          <p:cNvPr id="4" name="Slide Number Placeholder 3"/>
+          <p:cNvSpPr>
+            <a:spLocks noGrp="1"/>
+          </p:cNvSpPr>
+          <p:nvPr>
+            <p:ph type="sldNum" sz="quarter" idx="12"/>
+          </p:nvPr>
+        </p:nvSpPr>
+        <p:spPr/>
+        <p:txBody>
+          <a:bodyPr/>
+          <a:lstStyle/>
+          <a:p>
+            <a:fld id="{2AF3B5EA-18B6-4040-9F78-6052AF49C681}" type="slidenum">
+              <a:rPr lang="en-US" smtClean="0"/>
+              <a:t>26</a:t>
             </a:fld>
             <a:endParaRPr lang="en-US"/>
           </a:p>
